--- a/wwwroot/GAPMoblize_Project_Final_3_1_2024.pptx
+++ b/wwwroot/GAPMoblize_Project_Final_3_1_2024.pptx
@@ -144,7 +144,7 @@
       <p15:sldGuideLst xmlns:p15="http://schemas.microsoft.com/office/powerpoint/2012/main"/>
     </p:ext>
     <p:ext uri="GoogleSlidesCustomDataVersion2">
-      <go:slidesCustomData xmlns:go="http://customooxmlschemas.google.com/" xmlns:ahyp="http://schemas.microsoft.com/office/drawing/2018/hyperlinkcolor" xmlns:p15="http://schemas.microsoft.com/office/powerpoint/2012/main" xmlns:p14="http://schemas.microsoft.com/office/powerpoint/2010/main" xmlns:com="http://schemas.openxmlformats.org/drawingml/2006/compatibility" xmlns:pvml="urn:schemas-microsoft-com:office:powerpoint" xmlns:v="urn:schemas-microsoft-com:vml" xmlns:o="urn:schemas-microsoft-com:office:office" xmlns:dgm="http://schemas.openxmlformats.org/drawingml/2006/diagram" xmlns:c="http://schemas.openxmlformats.org/drawingml/2006/chart" xmlns:mv="urn:schemas-microsoft-com:mac:vml" xmlns:mc="http://schemas.openxmlformats.org/markup-compatibility/2006" xmlns="" r:id="rId29" roundtripDataSignature="AMtx7mhGT3lbFy52I47qpUfcLgyjprfeZQ=="/>
+      <go:slidesCustomData xmlns="" xmlns:mc="http://schemas.openxmlformats.org/markup-compatibility/2006" xmlns:mv="urn:schemas-microsoft-com:mac:vml" xmlns:c="http://schemas.openxmlformats.org/drawingml/2006/chart" xmlns:dgm="http://schemas.openxmlformats.org/drawingml/2006/diagram" xmlns:o="urn:schemas-microsoft-com:office:office" xmlns:v="urn:schemas-microsoft-com:vml" xmlns:pvml="urn:schemas-microsoft-com:office:powerpoint" xmlns:com="http://schemas.openxmlformats.org/drawingml/2006/compatibility" xmlns:p14="http://schemas.microsoft.com/office/powerpoint/2010/main" xmlns:p15="http://schemas.microsoft.com/office/powerpoint/2012/main" xmlns:ahyp="http://schemas.microsoft.com/office/drawing/2018/hyperlinkcolor" xmlns:go="http://customooxmlschemas.google.com/" r:id="rId29" roundtripDataSignature="AMtx7mhGT3lbFy52I47qpUfcLgyjprfeZQ=="/>
     </p:ext>
   </p:extLst>
 </p:presentation>
@@ -153,7 +153,7 @@
 <file path=ppt/revisionInfo.xml><?xml version="1.0" encoding="utf-8"?>
 <p1510:revInfo xmlns:a="http://schemas.openxmlformats.org/drawingml/2006/main" xmlns:r="http://schemas.openxmlformats.org/officeDocument/2006/relationships" xmlns:p1510="http://schemas.microsoft.com/office/powerpoint/2015/10/main">
   <p1510:revLst>
-    <p1510:client id="{8656EB85-3D90-49AE-A343-8BFE0CE0C18E}" v="45" dt="2024-02-29T17:57:18.694"/>
+    <p1510:client id="{8656EB85-3D90-49AE-A343-8BFE0CE0C18E}" v="47" dt="2024-02-29T19:42:06.162"/>
   </p1510:revLst>
 </p1510:revInfo>
 </file>
@@ -163,7 +163,7 @@
   <pc:docChgLst>
     <pc:chgData name="Greg Leake" userId="32827faac32acba3" providerId="LiveId" clId="{8656EB85-3D90-49AE-A343-8BFE0CE0C18E}"/>
     <pc:docChg chg="undo custSel addSld delSld modSld sldOrd">
-      <pc:chgData name="Greg Leake" userId="32827faac32acba3" providerId="LiveId" clId="{8656EB85-3D90-49AE-A343-8BFE0CE0C18E}" dt="2024-02-29T18:51:56.963" v="2378" actId="20577"/>
+      <pc:chgData name="Greg Leake" userId="32827faac32acba3" providerId="LiveId" clId="{8656EB85-3D90-49AE-A343-8BFE0CE0C18E}" dt="2024-02-29T19:47:10.746" v="2683" actId="20577"/>
       <pc:docMkLst>
         <pc:docMk/>
       </pc:docMkLst>
@@ -287,8 +287,8 @@
           </ac:spMkLst>
         </pc:spChg>
       </pc:sldChg>
-      <pc:sldChg chg="addSp modSp mod">
-        <pc:chgData name="Greg Leake" userId="32827faac32acba3" providerId="LiveId" clId="{8656EB85-3D90-49AE-A343-8BFE0CE0C18E}" dt="2024-02-29T17:43:56.422" v="1874" actId="1076"/>
+      <pc:sldChg chg="addSp delSp modSp mod">
+        <pc:chgData name="Greg Leake" userId="32827faac32acba3" providerId="LiveId" clId="{8656EB85-3D90-49AE-A343-8BFE0CE0C18E}" dt="2024-02-29T19:41:06.607" v="2383"/>
         <pc:sldMkLst>
           <pc:docMk/>
           <pc:sldMk cId="3845844259" sldId="276"/>
@@ -302,7 +302,7 @@
           </ac:spMkLst>
         </pc:spChg>
         <pc:spChg chg="mod">
-          <ac:chgData name="Greg Leake" userId="32827faac32acba3" providerId="LiveId" clId="{8656EB85-3D90-49AE-A343-8BFE0CE0C18E}" dt="2024-02-29T17:43:56.422" v="1874" actId="1076"/>
+          <ac:chgData name="Greg Leake" userId="32827faac32acba3" providerId="LiveId" clId="{8656EB85-3D90-49AE-A343-8BFE0CE0C18E}" dt="2024-02-29T19:40:47.664" v="2380" actId="20577"/>
           <ac:spMkLst>
             <pc:docMk/>
             <pc:sldMk cId="3845844259" sldId="276"/>
@@ -315,6 +315,14 @@
             <pc:docMk/>
             <pc:sldMk cId="3845844259" sldId="276"/>
             <ac:spMk id="4" creationId="{A52303C7-A2E9-5975-D07B-0660F45E909B}"/>
+          </ac:spMkLst>
+        </pc:spChg>
+        <pc:spChg chg="add del mod">
+          <ac:chgData name="Greg Leake" userId="32827faac32acba3" providerId="LiveId" clId="{8656EB85-3D90-49AE-A343-8BFE0CE0C18E}" dt="2024-02-29T19:41:06.607" v="2383"/>
+          <ac:spMkLst>
+            <pc:docMk/>
+            <pc:sldMk cId="3845844259" sldId="276"/>
+            <ac:spMk id="6" creationId="{A0980E78-B9AC-D896-E26F-AA0347DBF052}"/>
           </ac:spMkLst>
         </pc:spChg>
         <pc:cxnChg chg="add mod">
@@ -380,18 +388,34 @@
           </ac:graphicFrameMkLst>
         </pc:graphicFrameChg>
       </pc:sldChg>
-      <pc:sldChg chg="modSp mod">
-        <pc:chgData name="Greg Leake" userId="32827faac32acba3" providerId="LiveId" clId="{8656EB85-3D90-49AE-A343-8BFE0CE0C18E}" dt="2024-02-29T17:58:00.972" v="2293" actId="20577"/>
+      <pc:sldChg chg="addSp modSp mod">
+        <pc:chgData name="Greg Leake" userId="32827faac32acba3" providerId="LiveId" clId="{8656EB85-3D90-49AE-A343-8BFE0CE0C18E}" dt="2024-02-29T19:47:10.746" v="2683" actId="20577"/>
         <pc:sldMkLst>
           <pc:docMk/>
           <pc:sldMk cId="3978910201" sldId="280"/>
         </pc:sldMkLst>
         <pc:spChg chg="mod">
-          <ac:chgData name="Greg Leake" userId="32827faac32acba3" providerId="LiveId" clId="{8656EB85-3D90-49AE-A343-8BFE0CE0C18E}" dt="2024-02-29T17:58:00.972" v="2293" actId="20577"/>
+          <ac:chgData name="Greg Leake" userId="32827faac32acba3" providerId="LiveId" clId="{8656EB85-3D90-49AE-A343-8BFE0CE0C18E}" dt="2024-02-29T19:45:01.770" v="2587" actId="255"/>
+          <ac:spMkLst>
+            <pc:docMk/>
+            <pc:sldMk cId="3978910201" sldId="280"/>
+            <ac:spMk id="2" creationId="{7B6BD557-4719-2224-D6F5-7379F877D6E9}"/>
+          </ac:spMkLst>
+        </pc:spChg>
+        <pc:spChg chg="mod">
+          <ac:chgData name="Greg Leake" userId="32827faac32acba3" providerId="LiveId" clId="{8656EB85-3D90-49AE-A343-8BFE0CE0C18E}" dt="2024-02-29T19:47:10.746" v="2683" actId="20577"/>
           <ac:spMkLst>
             <pc:docMk/>
             <pc:sldMk cId="3978910201" sldId="280"/>
             <ac:spMk id="4" creationId="{76AE42FD-28CB-F385-463D-DAB6370A57AB}"/>
+          </ac:spMkLst>
+        </pc:spChg>
+        <pc:spChg chg="add mod">
+          <ac:chgData name="Greg Leake" userId="32827faac32acba3" providerId="LiveId" clId="{8656EB85-3D90-49AE-A343-8BFE0CE0C18E}" dt="2024-02-29T19:46:01.432" v="2639" actId="20577"/>
+          <ac:spMkLst>
+            <pc:docMk/>
+            <pc:sldMk cId="3978910201" sldId="280"/>
+            <ac:spMk id="5" creationId="{BD48BA71-64BE-1EED-17A2-EBDA2491F529}"/>
           </ac:spMkLst>
         </pc:spChg>
       </pc:sldChg>
@@ -7448,18 +7472,18 @@
         </p:nvSpPr>
         <p:spPr>
           <a:xfrm>
-            <a:off x="581025" y="355600"/>
+            <a:off x="400551" y="193174"/>
             <a:ext cx="10515600" cy="454025"/>
           </a:xfrm>
         </p:spPr>
         <p:txBody>
           <a:bodyPr>
-            <a:normAutofit fontScale="90000"/>
+            <a:noAutofit/>
           </a:bodyPr>
           <a:lstStyle/>
           <a:p>
             <a:r>
-              <a:rPr lang="en-US" dirty="0">
+              <a:rPr lang="en-US" sz="3600" dirty="0">
                 <a:solidFill>
                   <a:schemeClr val="bg1"/>
                 </a:solidFill>
@@ -7593,7 +7617,7 @@
                   <a:schemeClr val="bg1"/>
                 </a:solidFill>
               </a:rPr>
-              <a:t>Documentation</a:t>
+              <a:t>Final Documentation time (including this ppt)</a:t>
             </a:r>
           </a:p>
           <a:p>
@@ -7612,6 +7636,86 @@
                 <a:schemeClr val="bg1"/>
               </a:solidFill>
             </a:endParaRPr>
+          </a:p>
+        </p:txBody>
+      </p:sp>
+      <p:sp>
+        <p:nvSpPr>
+          <p:cNvPr id="5" name="TextBox 4">
+            <a:extLst>
+              <a:ext uri="{FF2B5EF4-FFF2-40B4-BE49-F238E27FC236}">
+                <a16:creationId xmlns:a16="http://schemas.microsoft.com/office/drawing/2014/main" id="{BD48BA71-64BE-1EED-17A2-EBDA2491F529}"/>
+              </a:ext>
+            </a:extLst>
+          </p:cNvPr>
+          <p:cNvSpPr txBox="1"/>
+          <p:nvPr/>
+        </p:nvSpPr>
+        <p:spPr>
+          <a:xfrm>
+            <a:off x="469232" y="523224"/>
+            <a:ext cx="10162975" cy="584775"/>
+          </a:xfrm>
+          <a:prstGeom prst="rect">
+            <a:avLst/>
+          </a:prstGeom>
+          <a:noFill/>
+        </p:spPr>
+        <p:txBody>
+          <a:bodyPr wrap="none" rtlCol="0">
+            <a:spAutoFit/>
+          </a:bodyPr>
+          <a:lstStyle/>
+          <a:p>
+            <a:r>
+              <a:rPr lang="en-US" sz="1600" dirty="0">
+                <a:solidFill>
+                  <a:schemeClr val="bg1">
+                    <a:lumMod val="85000"/>
+                  </a:schemeClr>
+                </a:solidFill>
+              </a:rPr>
+              <a:t>Total = 45.09 Hours:  However, If I was to repeat this, knowing what I know now/learnings/and no documentation time:</a:t>
+            </a:r>
+            <a:br>
+              <a:rPr lang="en-US" sz="1600" dirty="0">
+                <a:solidFill>
+                  <a:schemeClr val="bg1">
+                    <a:lumMod val="85000"/>
+                  </a:schemeClr>
+                </a:solidFill>
+              </a:rPr>
+            </a:br>
+            <a:r>
+              <a:rPr lang="en-US" sz="1600" dirty="0">
+                <a:solidFill>
+                  <a:schemeClr val="bg1">
+                    <a:lumMod val="85000"/>
+                  </a:schemeClr>
+                </a:solidFill>
+              </a:rPr>
+              <a:t>I estimate I could do this with a similar/same source app, </a:t>
+            </a:r>
+            <a:r>
+              <a:rPr lang="en-US" sz="1600" b="1" dirty="0">
+                <a:solidFill>
+                  <a:schemeClr val="bg1">
+                    <a:lumMod val="85000"/>
+                  </a:schemeClr>
+                </a:solidFill>
+              </a:rPr>
+              <a:t>in about 20 hours (&lt;3 days)</a:t>
+            </a:r>
+            <a:r>
+              <a:rPr lang="en-US" sz="1600" dirty="0">
+                <a:solidFill>
+                  <a:schemeClr val="bg1">
+                    <a:lumMod val="85000"/>
+                  </a:schemeClr>
+                </a:solidFill>
+              </a:rPr>
+              <a:t>, if not less using ChatGPT 4</a:t>
+            </a:r>
           </a:p>
         </p:txBody>
       </p:sp>
@@ -11878,7 +11982,7 @@
                   <a:schemeClr val="bg1"/>
                 </a:solidFill>
               </a:rPr>
-              <a:t>Time savings: 75% </a:t>
+              <a:t>Time savings: 65% </a:t>
             </a:r>
             <a:r>
               <a:rPr lang="en-US" sz="1700" dirty="0">
@@ -11886,7 +11990,7 @@
                   <a:schemeClr val="bg1"/>
                 </a:solidFill>
               </a:rPr>
-              <a:t>vs. manual redo (estimate)</a:t>
+              <a:t>vs. manual redo (estimate*)</a:t>
             </a:r>
           </a:p>
           <a:p>

--- a/wwwroot/GAPMoblize_Project_Final_3_1_2024.pptx
+++ b/wwwroot/GAPMoblize_Project_Final_3_1_2024.pptx
@@ -144,7 +144,7 @@
       <p15:sldGuideLst xmlns:p15="http://schemas.microsoft.com/office/powerpoint/2012/main"/>
     </p:ext>
     <p:ext uri="GoogleSlidesCustomDataVersion2">
-      <go:slidesCustomData xmlns="" xmlns:mc="http://schemas.openxmlformats.org/markup-compatibility/2006" xmlns:mv="urn:schemas-microsoft-com:mac:vml" xmlns:c="http://schemas.openxmlformats.org/drawingml/2006/chart" xmlns:dgm="http://schemas.openxmlformats.org/drawingml/2006/diagram" xmlns:o="urn:schemas-microsoft-com:office:office" xmlns:v="urn:schemas-microsoft-com:vml" xmlns:pvml="urn:schemas-microsoft-com:office:powerpoint" xmlns:com="http://schemas.openxmlformats.org/drawingml/2006/compatibility" xmlns:p14="http://schemas.microsoft.com/office/powerpoint/2010/main" xmlns:p15="http://schemas.microsoft.com/office/powerpoint/2012/main" xmlns:ahyp="http://schemas.microsoft.com/office/drawing/2018/hyperlinkcolor" xmlns:go="http://customooxmlschemas.google.com/" r:id="rId29" roundtripDataSignature="AMtx7mhGT3lbFy52I47qpUfcLgyjprfeZQ=="/>
+      <go:slidesCustomData xmlns:go="http://customooxmlschemas.google.com/" xmlns:ahyp="http://schemas.microsoft.com/office/drawing/2018/hyperlinkcolor" xmlns:p15="http://schemas.microsoft.com/office/powerpoint/2012/main" xmlns:p14="http://schemas.microsoft.com/office/powerpoint/2010/main" xmlns:com="http://schemas.openxmlformats.org/drawingml/2006/compatibility" xmlns:pvml="urn:schemas-microsoft-com:office:powerpoint" xmlns:v="urn:schemas-microsoft-com:vml" xmlns:o="urn:schemas-microsoft-com:office:office" xmlns:dgm="http://schemas.openxmlformats.org/drawingml/2006/diagram" xmlns:c="http://schemas.openxmlformats.org/drawingml/2006/chart" xmlns:mv="urn:schemas-microsoft-com:mac:vml" xmlns:mc="http://schemas.openxmlformats.org/markup-compatibility/2006" xmlns="" r:id="rId29" roundtripDataSignature="AMtx7mhGT3lbFy52I47qpUfcLgyjprfeZQ=="/>
     </p:ext>
   </p:extLst>
 </p:presentation>
@@ -163,7 +163,7 @@
   <pc:docChgLst>
     <pc:chgData name="Greg Leake" userId="32827faac32acba3" providerId="LiveId" clId="{8656EB85-3D90-49AE-A343-8BFE0CE0C18E}"/>
     <pc:docChg chg="undo custSel addSld delSld modSld sldOrd">
-      <pc:chgData name="Greg Leake" userId="32827faac32acba3" providerId="LiveId" clId="{8656EB85-3D90-49AE-A343-8BFE0CE0C18E}" dt="2024-02-29T19:47:10.746" v="2683" actId="20577"/>
+      <pc:chgData name="Greg Leake" userId="32827faac32acba3" providerId="LiveId" clId="{8656EB85-3D90-49AE-A343-8BFE0CE0C18E}" dt="2024-02-29T23:58:14.703" v="2880" actId="20577"/>
       <pc:docMkLst>
         <pc:docMk/>
       </pc:docMkLst>
@@ -481,7 +481,7 @@
         </pc:spChg>
       </pc:sldChg>
       <pc:sldChg chg="addSp delSp modSp add mod setBg">
-        <pc:chgData name="Greg Leake" userId="32827faac32acba3" providerId="LiveId" clId="{8656EB85-3D90-49AE-A343-8BFE0CE0C18E}" dt="2024-02-29T17:48:09.110" v="2133" actId="113"/>
+        <pc:chgData name="Greg Leake" userId="32827faac32acba3" providerId="LiveId" clId="{8656EB85-3D90-49AE-A343-8BFE0CE0C18E}" dt="2024-02-29T23:58:14.703" v="2880" actId="20577"/>
         <pc:sldMkLst>
           <pc:docMk/>
           <pc:sldMk cId="911994264" sldId="284"/>
@@ -495,7 +495,7 @@
           </ac:spMkLst>
         </pc:spChg>
         <pc:spChg chg="mod">
-          <ac:chgData name="Greg Leake" userId="32827faac32acba3" providerId="LiveId" clId="{8656EB85-3D90-49AE-A343-8BFE0CE0C18E}" dt="2024-02-29T17:42:30.380" v="1866" actId="255"/>
+          <ac:chgData name="Greg Leake" userId="32827faac32acba3" providerId="LiveId" clId="{8656EB85-3D90-49AE-A343-8BFE0CE0C18E}" dt="2024-02-29T23:58:14.703" v="2880" actId="20577"/>
           <ac:spMkLst>
             <pc:docMk/>
             <pc:sldMk cId="911994264" sldId="284"/>
@@ -12552,12 +12552,36 @@
               </a:lnSpc>
             </a:pPr>
             <a:r>
+              <a:rPr lang="en-US" sz="1700" b="1" dirty="0">
+                <a:solidFill>
+                  <a:schemeClr val="bg1"/>
+                </a:solidFill>
+              </a:rPr>
+              <a:t>Helped</a:t>
+            </a:r>
+            <a:r>
               <a:rPr lang="en-US" sz="1700" dirty="0">
                 <a:solidFill>
                   <a:schemeClr val="bg1"/>
                 </a:solidFill>
               </a:rPr>
-              <a:t>Helped with HTML formatting/CSS generation</a:t>
+              <a:t> tremendously in </a:t>
+            </a:r>
+            <a:r>
+              <a:rPr lang="en-US" sz="1700" b="1" dirty="0">
+                <a:solidFill>
+                  <a:schemeClr val="bg1"/>
+                </a:solidFill>
+              </a:rPr>
+              <a:t>DEBUG/runtime fixing </a:t>
+            </a:r>
+            <a:r>
+              <a:rPr lang="en-US" sz="1700" dirty="0">
+                <a:solidFill>
+                  <a:schemeClr val="bg1"/>
+                </a:solidFill>
+              </a:rPr>
+              <a:t>not just code migrations   </a:t>
             </a:r>
           </a:p>
           <a:p>
@@ -12572,7 +12596,15 @@
                   <a:schemeClr val="bg1"/>
                 </a:solidFill>
               </a:rPr>
-              <a:t>Great database model classes from DDL</a:t>
+              <a:t>Could use for </a:t>
+            </a:r>
+            <a:r>
+              <a:rPr lang="en-US" sz="1700" b="1" dirty="0">
+                <a:solidFill>
+                  <a:schemeClr val="bg1"/>
+                </a:solidFill>
+              </a:rPr>
+              <a:t>any source/target platform/language</a:t>
             </a:r>
           </a:p>
           <a:p>
@@ -12582,12 +12614,36 @@
               </a:lnSpc>
             </a:pPr>
             <a:r>
+              <a:rPr lang="en-US" sz="1700" dirty="0">
+                <a:solidFill>
+                  <a:schemeClr val="bg1"/>
+                </a:solidFill>
+              </a:rPr>
+              <a:t>See extra interaction ex: Re Targeting </a:t>
+            </a:r>
+            <a:r>
               <a:rPr lang="en-US" sz="1700" b="1" dirty="0">
                 <a:solidFill>
                   <a:schemeClr val="bg1"/>
                 </a:solidFill>
               </a:rPr>
-              <a:t>Helped tremendously in DEBUG/runtime fixing   </a:t>
+              <a:t>Node.JS </a:t>
+            </a:r>
+            <a:r>
+              <a:rPr lang="en-US" sz="1700" dirty="0">
+                <a:solidFill>
+                  <a:schemeClr val="bg1"/>
+                </a:solidFill>
+              </a:rPr>
+              <a:t>and </a:t>
+            </a:r>
+            <a:r>
+              <a:rPr lang="en-US" sz="1700" b="1" dirty="0">
+                <a:solidFill>
+                  <a:schemeClr val="bg1"/>
+                </a:solidFill>
+              </a:rPr>
+              <a:t>Angular</a:t>
             </a:r>
           </a:p>
           <a:p>
@@ -12602,15 +12658,38 @@
                   <a:schemeClr val="bg1"/>
                 </a:solidFill>
               </a:rPr>
-              <a:t>Could use for </a:t>
-            </a:r>
-            <a:r>
-              <a:rPr lang="en-US" sz="1700" b="1" dirty="0">
-                <a:solidFill>
-                  <a:schemeClr val="bg1"/>
-                </a:solidFill>
-              </a:rPr>
-              <a:t>any source/target platform/language</a:t>
+              <a:t>Possibilities seem almost endless</a:t>
+            </a:r>
+          </a:p>
+          <a:p>
+            <a:pPr>
+              <a:lnSpc>
+                <a:spcPct val="100000"/>
+              </a:lnSpc>
+            </a:pPr>
+            <a:r>
+              <a:rPr lang="en-US" sz="1700" dirty="0">
+                <a:solidFill>
+                  <a:schemeClr val="bg1"/>
+                </a:solidFill>
+              </a:rPr>
+              <a:t>And polite, private, no “</a:t>
+            </a:r>
+            <a:r>
+              <a:rPr lang="en-US" sz="1700" dirty="0" err="1">
+                <a:solidFill>
+                  <a:schemeClr val="bg1"/>
+                </a:solidFill>
+              </a:rPr>
+              <a:t>snarkiness</a:t>
+            </a:r>
+            <a:r>
+              <a:rPr lang="en-US" sz="1700" dirty="0">
+                <a:solidFill>
+                  <a:schemeClr val="bg1"/>
+                </a:solidFill>
+              </a:rPr>
+              <a:t>”/online abuse</a:t>
             </a:r>
           </a:p>
         </p:txBody>

--- a/wwwroot/GAPMoblize_Project_Final_3_1_2024.pptx
+++ b/wwwroot/GAPMoblize_Project_Final_3_1_2024.pptx
@@ -5,43 +5,44 @@
     <p:sldMasterId id="2147483666" r:id="rId1"/>
   </p:sldMasterIdLst>
   <p:notesMasterIdLst>
-    <p:notesMasterId r:id="rId21"/>
+    <p:notesMasterId r:id="rId22"/>
   </p:notesMasterIdLst>
   <p:sldIdLst>
-    <p:sldId id="256" r:id="rId2"/>
-    <p:sldId id="257" r:id="rId3"/>
-    <p:sldId id="270" r:id="rId4"/>
-    <p:sldId id="276" r:id="rId5"/>
-    <p:sldId id="284" r:id="rId6"/>
-    <p:sldId id="281" r:id="rId7"/>
-    <p:sldId id="272" r:id="rId8"/>
-    <p:sldId id="278" r:id="rId9"/>
-    <p:sldId id="279" r:id="rId10"/>
-    <p:sldId id="280" r:id="rId11"/>
-    <p:sldId id="271" r:id="rId12"/>
-    <p:sldId id="266" r:id="rId13"/>
-    <p:sldId id="274" r:id="rId14"/>
-    <p:sldId id="275" r:id="rId15"/>
-    <p:sldId id="277" r:id="rId16"/>
-    <p:sldId id="273" r:id="rId17"/>
-    <p:sldId id="282" r:id="rId18"/>
-    <p:sldId id="269" r:id="rId19"/>
-    <p:sldId id="260" r:id="rId20"/>
+    <p:sldId id="285" r:id="rId2"/>
+    <p:sldId id="256" r:id="rId3"/>
+    <p:sldId id="257" r:id="rId4"/>
+    <p:sldId id="270" r:id="rId5"/>
+    <p:sldId id="276" r:id="rId6"/>
+    <p:sldId id="284" r:id="rId7"/>
+    <p:sldId id="281" r:id="rId8"/>
+    <p:sldId id="272" r:id="rId9"/>
+    <p:sldId id="278" r:id="rId10"/>
+    <p:sldId id="279" r:id="rId11"/>
+    <p:sldId id="280" r:id="rId12"/>
+    <p:sldId id="271" r:id="rId13"/>
+    <p:sldId id="266" r:id="rId14"/>
+    <p:sldId id="274" r:id="rId15"/>
+    <p:sldId id="275" r:id="rId16"/>
+    <p:sldId id="277" r:id="rId17"/>
+    <p:sldId id="273" r:id="rId18"/>
+    <p:sldId id="282" r:id="rId19"/>
+    <p:sldId id="269" r:id="rId20"/>
+    <p:sldId id="260" r:id="rId21"/>
   </p:sldIdLst>
   <p:sldSz cx="12192000" cy="6858000"/>
   <p:notesSz cx="6858000" cy="9144000"/>
   <p:embeddedFontLst>
     <p:embeddedFont>
       <p:font typeface="Century Gothic" panose="020B0502020202020204" pitchFamily="34" charset="0"/>
-      <p:regular r:id="rId22"/>
-      <p:bold r:id="rId23"/>
-      <p:italic r:id="rId24"/>
-      <p:boldItalic r:id="rId25"/>
+      <p:regular r:id="rId23"/>
+      <p:bold r:id="rId24"/>
+      <p:italic r:id="rId25"/>
+      <p:boldItalic r:id="rId26"/>
     </p:embeddedFont>
     <p:embeddedFont>
       <p:font typeface="Play" panose="020B0604020202020204" charset="0"/>
-      <p:regular r:id="rId26"/>
-      <p:bold r:id="rId27"/>
+      <p:regular r:id="rId27"/>
+      <p:bold r:id="rId28"/>
     </p:embeddedFont>
   </p:embeddedFontLst>
   <p:defaultTextStyle>
@@ -144,7 +145,7 @@
       <p15:sldGuideLst xmlns:p15="http://schemas.microsoft.com/office/powerpoint/2012/main"/>
     </p:ext>
     <p:ext uri="GoogleSlidesCustomDataVersion2">
-      <go:slidesCustomData xmlns:go="http://customooxmlschemas.google.com/" xmlns:ahyp="http://schemas.microsoft.com/office/drawing/2018/hyperlinkcolor" xmlns:p15="http://schemas.microsoft.com/office/powerpoint/2012/main" xmlns:p14="http://schemas.microsoft.com/office/powerpoint/2010/main" xmlns:com="http://schemas.openxmlformats.org/drawingml/2006/compatibility" xmlns:pvml="urn:schemas-microsoft-com:office:powerpoint" xmlns:v="urn:schemas-microsoft-com:vml" xmlns:o="urn:schemas-microsoft-com:office:office" xmlns:dgm="http://schemas.openxmlformats.org/drawingml/2006/diagram" xmlns:c="http://schemas.openxmlformats.org/drawingml/2006/chart" xmlns:mv="urn:schemas-microsoft-com:mac:vml" xmlns:mc="http://schemas.openxmlformats.org/markup-compatibility/2006" xmlns="" r:id="rId29" roundtripDataSignature="AMtx7mhGT3lbFy52I47qpUfcLgyjprfeZQ=="/>
+      <go:slidesCustomData xmlns="" xmlns:mc="http://schemas.openxmlformats.org/markup-compatibility/2006" xmlns:mv="urn:schemas-microsoft-com:mac:vml" xmlns:c="http://schemas.openxmlformats.org/drawingml/2006/chart" xmlns:dgm="http://schemas.openxmlformats.org/drawingml/2006/diagram" xmlns:o="urn:schemas-microsoft-com:office:office" xmlns:v="urn:schemas-microsoft-com:vml" xmlns:pvml="urn:schemas-microsoft-com:office:powerpoint" xmlns:com="http://schemas.openxmlformats.org/drawingml/2006/compatibility" xmlns:p14="http://schemas.microsoft.com/office/powerpoint/2010/main" xmlns:p15="http://schemas.microsoft.com/office/powerpoint/2012/main" xmlns:ahyp="http://schemas.microsoft.com/office/drawing/2018/hyperlinkcolor" xmlns:go="http://customooxmlschemas.google.com/" r:id="rId29" roundtripDataSignature="AMtx7mhGT3lbFy52I47qpUfcLgyjprfeZQ=="/>
     </p:ext>
   </p:extLst>
 </p:presentation>
@@ -153,7 +154,7 @@
 <file path=ppt/revisionInfo.xml><?xml version="1.0" encoding="utf-8"?>
 <p1510:revInfo xmlns:a="http://schemas.openxmlformats.org/drawingml/2006/main" xmlns:r="http://schemas.openxmlformats.org/officeDocument/2006/relationships" xmlns:p1510="http://schemas.microsoft.com/office/powerpoint/2015/10/main">
   <p1510:revLst>
-    <p1510:client id="{8656EB85-3D90-49AE-A343-8BFE0CE0C18E}" v="47" dt="2024-02-29T19:42:06.162"/>
+    <p1510:client id="{8656EB85-3D90-49AE-A343-8BFE0CE0C18E}" v="49" dt="2024-03-01T15:34:15.353"/>
   </p1510:revLst>
 </p1510:revInfo>
 </file>
@@ -163,7 +164,7 @@
   <pc:docChgLst>
     <pc:chgData name="Greg Leake" userId="32827faac32acba3" providerId="LiveId" clId="{8656EB85-3D90-49AE-A343-8BFE0CE0C18E}"/>
     <pc:docChg chg="undo custSel addSld delSld modSld sldOrd">
-      <pc:chgData name="Greg Leake" userId="32827faac32acba3" providerId="LiveId" clId="{8656EB85-3D90-49AE-A343-8BFE0CE0C18E}" dt="2024-02-29T23:58:14.703" v="2880" actId="20577"/>
+      <pc:chgData name="Greg Leake" userId="32827faac32acba3" providerId="LiveId" clId="{8656EB85-3D90-49AE-A343-8BFE0CE0C18E}" dt="2024-03-01T15:34:15.353" v="2882"/>
       <pc:docMkLst>
         <pc:docMk/>
       </pc:docMkLst>
@@ -555,6 +556,13 @@
         <pc:sldMkLst>
           <pc:docMk/>
           <pc:sldMk cId="2508954865" sldId="284"/>
+        </pc:sldMkLst>
+      </pc:sldChg>
+      <pc:sldChg chg="add setBg">
+        <pc:chgData name="Greg Leake" userId="32827faac32acba3" providerId="LiveId" clId="{8656EB85-3D90-49AE-A343-8BFE0CE0C18E}" dt="2024-03-01T15:34:15.353" v="2882"/>
+        <pc:sldMkLst>
+          <pc:docMk/>
+          <pc:sldMk cId="0" sldId="285"/>
         </pc:sldMkLst>
       </pc:sldChg>
     </pc:docChg>
@@ -3812,6 +3820,128 @@
   <p:cSld>
     <p:spTree>
       <p:nvGrpSpPr>
+        <p:cNvPr id="1" name="Shape 149"/>
+        <p:cNvGrpSpPr/>
+        <p:nvPr/>
+      </p:nvGrpSpPr>
+      <p:grpSpPr>
+        <a:xfrm>
+          <a:off x="0" y="0"/>
+          <a:ext cx="0" cy="0"/>
+          <a:chOff x="0" y="0"/>
+          <a:chExt cx="0" cy="0"/>
+        </a:xfrm>
+      </p:grpSpPr>
+      <p:sp>
+        <p:nvSpPr>
+          <p:cNvPr id="150" name="Google Shape;150;p2:notes"/>
+          <p:cNvSpPr txBox="1">
+            <a:spLocks noGrp="1"/>
+          </p:cNvSpPr>
+          <p:nvPr>
+            <p:ph type="body" idx="1"/>
+          </p:nvPr>
+        </p:nvSpPr>
+        <p:spPr>
+          <a:xfrm>
+            <a:off x="685800" y="4343400"/>
+            <a:ext cx="5486400" cy="4114800"/>
+          </a:xfrm>
+          <a:prstGeom prst="rect">
+            <a:avLst/>
+          </a:prstGeom>
+          <a:noFill/>
+          <a:ln>
+            <a:noFill/>
+          </a:ln>
+        </p:spPr>
+        <p:txBody>
+          <a:bodyPr spcFirstLastPara="1" wrap="square" lIns="91425" tIns="91425" rIns="91425" bIns="91425" anchor="t" anchorCtr="0">
+            <a:noAutofit/>
+          </a:bodyPr>
+          <a:lstStyle/>
+          <a:p>
+            <a:pPr marL="0" lvl="0" indent="0" algn="l" rtl="0">
+              <a:lnSpc>
+                <a:spcPct val="100000"/>
+              </a:lnSpc>
+              <a:spcBef>
+                <a:spcPts val="0"/>
+              </a:spcBef>
+              <a:spcAft>
+                <a:spcPts val="0"/>
+              </a:spcAft>
+              <a:buSzPts val="1100"/>
+              <a:buNone/>
+            </a:pPr>
+            <a:endParaRPr dirty="0"/>
+          </a:p>
+        </p:txBody>
+      </p:sp>
+      <p:sp>
+        <p:nvSpPr>
+          <p:cNvPr id="151" name="Google Shape;151;p2:notes"/>
+          <p:cNvSpPr>
+            <a:spLocks noGrp="1" noRot="1" noChangeAspect="1"/>
+          </p:cNvSpPr>
+          <p:nvPr>
+            <p:ph type="sldImg" idx="2"/>
+          </p:nvPr>
+        </p:nvSpPr>
+        <p:spPr>
+          <a:xfrm>
+            <a:off x="381000" y="685800"/>
+            <a:ext cx="6096000" cy="3429000"/>
+          </a:xfrm>
+          <a:custGeom>
+            <a:avLst/>
+            <a:gdLst/>
+            <a:ahLst/>
+            <a:cxnLst/>
+            <a:rect l="l" t="t" r="r" b="b"/>
+            <a:pathLst>
+              <a:path w="120000" h="120000" extrusionOk="0">
+                <a:moveTo>
+                  <a:pt x="0" y="0"/>
+                </a:moveTo>
+                <a:lnTo>
+                  <a:pt x="120000" y="0"/>
+                </a:lnTo>
+                <a:lnTo>
+                  <a:pt x="120000" y="120000"/>
+                </a:lnTo>
+                <a:lnTo>
+                  <a:pt x="0" y="120000"/>
+                </a:lnTo>
+                <a:close/>
+              </a:path>
+            </a:pathLst>
+          </a:custGeom>
+          <a:noFill/>
+          <a:ln w="9525" cap="flat" cmpd="sng">
+            <a:solidFill>
+              <a:srgbClr val="000000"/>
+            </a:solidFill>
+            <a:prstDash val="solid"/>
+            <a:round/>
+            <a:headEnd type="none" w="sm" len="sm"/>
+            <a:tailEnd type="none" w="sm" len="sm"/>
+          </a:ln>
+        </p:spPr>
+      </p:sp>
+    </p:spTree>
+  </p:cSld>
+  <p:clrMapOvr>
+    <a:masterClrMapping/>
+  </p:clrMapOvr>
+</p:notes>
+</file>
+
+<file path=ppt/notesSlides/notesSlide2.xml><?xml version="1.0" encoding="utf-8"?>
+<p:notes xmlns:a="http://schemas.openxmlformats.org/drawingml/2006/main" xmlns:r="http://schemas.openxmlformats.org/officeDocument/2006/relationships" xmlns:p="http://schemas.openxmlformats.org/presentationml/2006/main" showMasterSp="0" showMasterPhAnim="0">
+  <p:cSld>
+    <p:spTree>
+      <p:nvGrpSpPr>
         <p:cNvPr id="1" name="Shape 143"/>
         <p:cNvGrpSpPr/>
         <p:nvPr/>
@@ -3929,7 +4059,7 @@
 </p:notes>
 </file>
 
-<file path=ppt/notesSlides/notesSlide2.xml><?xml version="1.0" encoding="utf-8"?>
+<file path=ppt/notesSlides/notesSlide3.xml><?xml version="1.0" encoding="utf-8"?>
 <p:notes xmlns:a="http://schemas.openxmlformats.org/drawingml/2006/main" xmlns:r="http://schemas.openxmlformats.org/officeDocument/2006/relationships" xmlns:p="http://schemas.openxmlformats.org/presentationml/2006/main" showMasterSp="0" showMasterPhAnim="0">
   <p:cSld>
     <p:spTree>
@@ -4051,7 +4181,7 @@
 </p:notes>
 </file>
 
-<file path=ppt/notesSlides/notesSlide3.xml><?xml version="1.0" encoding="utf-8"?>
+<file path=ppt/notesSlides/notesSlide4.xml><?xml version="1.0" encoding="utf-8"?>
 <p:notes xmlns:a="http://schemas.openxmlformats.org/drawingml/2006/main" xmlns:r="http://schemas.openxmlformats.org/officeDocument/2006/relationships" xmlns:p="http://schemas.openxmlformats.org/presentationml/2006/main" showMasterSp="0" showMasterPhAnim="0">
   <p:cSld>
     <p:spTree>
@@ -7204,7 +7334,7 @@
     </p:bg>
     <p:spTree>
       <p:nvGrpSpPr>
-        <p:cNvPr id="1" name="Shape 146"/>
+        <p:cNvPr id="1" name="Shape 152"/>
         <p:cNvGrpSpPr/>
         <p:nvPr/>
       </p:nvGrpSpPr>
@@ -7218,18 +7348,18 @@
       </p:grpSpPr>
       <p:sp>
         <p:nvSpPr>
-          <p:cNvPr id="147" name="Google Shape;147;p1"/>
+          <p:cNvPr id="153" name="Google Shape;153;p2"/>
           <p:cNvSpPr txBox="1">
             <a:spLocks noGrp="1"/>
           </p:cNvSpPr>
           <p:nvPr>
-            <p:ph type="ctrTitle"/>
+            <p:ph type="title"/>
           </p:nvPr>
         </p:nvSpPr>
         <p:spPr>
           <a:xfrm>
-            <a:off x="814848" y="1926814"/>
-            <a:ext cx="10333703" cy="1581508"/>
+            <a:off x="523598" y="75157"/>
+            <a:ext cx="11548997" cy="892757"/>
           </a:xfrm>
           <a:prstGeom prst="rect">
             <a:avLst/>
@@ -7240,12 +7370,12 @@
           </a:ln>
         </p:spPr>
         <p:txBody>
-          <a:bodyPr spcFirstLastPara="1" wrap="square" lIns="91425" tIns="45700" rIns="91425" bIns="45700" anchor="b" anchorCtr="0">
-            <a:normAutofit fontScale="90000"/>
+          <a:bodyPr spcFirstLastPara="1" wrap="square" lIns="91425" tIns="45700" rIns="91425" bIns="45700" anchor="t" anchorCtr="0">
+            <a:noAutofit/>
           </a:bodyPr>
           <a:lstStyle/>
           <a:p>
-            <a:pPr marL="0" lvl="0" indent="0" rtl="0">
+            <a:pPr marL="0" lvl="0" indent="0" algn="l" rtl="0">
               <a:lnSpc>
                 <a:spcPct val="100000"/>
               </a:lnSpc>
@@ -7258,64 +7388,19 @@
               <a:buClr>
                 <a:schemeClr val="lt2"/>
               </a:buClr>
-              <a:buSzPts val="7200"/>
+              <a:buSzPts val="4200"/>
               <a:buFont typeface="Century Gothic"/>
               <a:buNone/>
             </a:pPr>
             <a:r>
-              <a:rPr lang="en-US" sz="4400" dirty="0">
-                <a:solidFill>
-                  <a:schemeClr val="bg1"/>
-                </a:solidFill>
-              </a:rPr>
-              <a:t>Using ChatGPT 4.0 To Migrate a VB.NET Windows Forms Application to a </a:t>
-            </a:r>
-            <a:br>
-              <a:rPr lang="en-US" sz="4400" dirty="0">
-                <a:solidFill>
-                  <a:schemeClr val="bg1"/>
-                </a:solidFill>
-              </a:rPr>
-            </a:br>
-            <a:r>
-              <a:rPr lang="en-US" sz="4400" dirty="0">
-                <a:solidFill>
-                  <a:schemeClr val="bg1"/>
-                </a:solidFill>
-              </a:rPr>
-              <a:t>C# Blazor Web Application</a:t>
-            </a:r>
-            <a:br>
-              <a:rPr lang="en-US" sz="4000" dirty="0">
-                <a:solidFill>
-                  <a:schemeClr val="bg1"/>
-                </a:solidFill>
-              </a:rPr>
-            </a:br>
-            <a:r>
-              <a:rPr lang="en-US" sz="3100" i="1" dirty="0">
-                <a:solidFill>
-                  <a:schemeClr val="bg1"/>
-                </a:solidFill>
-              </a:rPr>
-              <a:t>An Application Modernization Experiment </a:t>
-            </a:r>
-            <a:br>
-              <a:rPr lang="en-US" sz="3100" i="1" dirty="0">
-                <a:solidFill>
-                  <a:schemeClr val="bg1"/>
-                </a:solidFill>
-              </a:rPr>
-            </a:br>
-            <a:r>
-              <a:rPr lang="en-US" sz="3100" i="1" dirty="0">
-                <a:solidFill>
-                  <a:schemeClr val="bg1"/>
-                </a:solidFill>
-              </a:rPr>
-              <a:t>For Gap Mobilize</a:t>
-            </a:r>
-            <a:endParaRPr sz="3100" i="1" dirty="0">
+              <a:rPr lang="en-US" sz="3200" dirty="0">
+                <a:solidFill>
+                  <a:schemeClr val="bg1"/>
+                </a:solidFill>
+              </a:rPr>
+              <a:t>Intro: Generative AI is our biggest threat &amp; our biggest opportunity</a:t>
+            </a:r>
+            <a:endParaRPr sz="3200" dirty="0">
               <a:solidFill>
                 <a:schemeClr val="bg1"/>
               </a:solidFill>
@@ -7325,18 +7410,18 @@
       </p:sp>
       <p:sp>
         <p:nvSpPr>
-          <p:cNvPr id="148" name="Google Shape;148;p1"/>
+          <p:cNvPr id="154" name="Google Shape;154;p2"/>
           <p:cNvSpPr txBox="1">
             <a:spLocks noGrp="1"/>
           </p:cNvSpPr>
           <p:nvPr>
-            <p:ph type="subTitle" idx="1"/>
+            <p:ph idx="1"/>
           </p:nvPr>
         </p:nvSpPr>
         <p:spPr>
           <a:xfrm>
-            <a:off x="1409699" y="4721636"/>
-            <a:ext cx="9144000" cy="1058452"/>
+            <a:off x="321501" y="1088858"/>
+            <a:ext cx="11548997" cy="5191411"/>
           </a:xfrm>
           <a:prstGeom prst="rect">
             <a:avLst/>
@@ -7352,7 +7437,7 @@
           </a:bodyPr>
           <a:lstStyle/>
           <a:p>
-            <a:pPr marL="0" lvl="0" indent="0" rtl="0">
+            <a:pPr lvl="0" algn="l" rtl="0">
               <a:lnSpc>
                 <a:spcPct val="100000"/>
               </a:lnSpc>
@@ -7362,35 +7447,316 @@
               <a:spcAft>
                 <a:spcPts val="0"/>
               </a:spcAft>
-              <a:buSzPts val="1600"/>
-              <a:buNone/>
+              <a:buSzPct val="79999"/>
             </a:pPr>
             <a:r>
+              <a:rPr lang="en-US" sz="2400" dirty="0">
+                <a:solidFill>
+                  <a:schemeClr val="bg1"/>
+                </a:solidFill>
+                <a:ea typeface="Arial"/>
+                <a:cs typeface="Arial"/>
+                <a:sym typeface="Arial"/>
+              </a:rPr>
+              <a:t>Typical GAP Migration Customer</a:t>
+            </a:r>
+            <a:endParaRPr sz="2000" dirty="0">
+              <a:solidFill>
+                <a:schemeClr val="bg1"/>
+              </a:solidFill>
+            </a:endParaRPr>
+          </a:p>
+          <a:p>
+            <a:pPr lvl="1" algn="l" rtl="0">
+              <a:lnSpc>
+                <a:spcPct val="100000"/>
+              </a:lnSpc>
+              <a:spcBef>
+                <a:spcPts val="1000"/>
+              </a:spcBef>
+              <a:spcAft>
+                <a:spcPts val="0"/>
+              </a:spcAft>
+              <a:buSzPct val="80000"/>
+            </a:pPr>
+            <a:r>
+              <a:rPr lang="en-US" sz="1800" b="1" dirty="0">
+                <a:solidFill>
+                  <a:schemeClr val="bg1"/>
+                </a:solidFill>
+                <a:cs typeface="Arial"/>
+                <a:sym typeface="Arial"/>
+              </a:rPr>
+              <a:t>Boss to smart &amp; influential developer: “</a:t>
+            </a:r>
+            <a:r>
               <a:rPr lang="en-US" sz="1800" dirty="0">
                 <a:solidFill>
                   <a:schemeClr val="bg1"/>
                 </a:solidFill>
-              </a:rPr>
-              <a:t>Prepared by Gregory Leake</a:t>
-            </a:r>
-            <a:br>
+                <a:cs typeface="Arial"/>
+                <a:sym typeface="Arial"/>
+              </a:rPr>
+              <a:t>Figure out how to migrate this old VB app”</a:t>
+            </a:r>
+            <a:endParaRPr sz="1800" dirty="0">
+              <a:solidFill>
+                <a:schemeClr val="bg1"/>
+              </a:solidFill>
+            </a:endParaRPr>
+          </a:p>
+          <a:p>
+            <a:pPr lvl="1" algn="l" rtl="0">
+              <a:lnSpc>
+                <a:spcPct val="100000"/>
+              </a:lnSpc>
+              <a:spcBef>
+                <a:spcPts val="1000"/>
+              </a:spcBef>
+              <a:spcAft>
+                <a:spcPts val="0"/>
+              </a:spcAft>
+              <a:buSzPct val="80000"/>
+            </a:pPr>
+            <a:r>
               <a:rPr lang="en-US" sz="1800" dirty="0">
                 <a:solidFill>
                   <a:schemeClr val="bg1"/>
                 </a:solidFill>
-              </a:rPr>
-            </a:br>
+                <a:ea typeface="Arial"/>
+                <a:cs typeface="Arial"/>
+                <a:sym typeface="Arial"/>
+              </a:rPr>
+              <a:t>Smart &amp; influential developer</a:t>
+            </a:r>
+          </a:p>
+          <a:p>
+            <a:pPr lvl="2">
+              <a:lnSpc>
+                <a:spcPct val="100000"/>
+              </a:lnSpc>
+              <a:spcBef>
+                <a:spcPts val="1000"/>
+              </a:spcBef>
+              <a:buSzPct val="80000"/>
+            </a:pPr>
+            <a:r>
+              <a:rPr lang="en-US" sz="1400" dirty="0">
+                <a:solidFill>
+                  <a:schemeClr val="bg1"/>
+                </a:solidFill>
+                <a:ea typeface="Arial"/>
+                <a:cs typeface="Arial"/>
+                <a:sym typeface="Arial"/>
+              </a:rPr>
+              <a:t>Searches on Google for a solution</a:t>
+            </a:r>
+          </a:p>
+          <a:p>
+            <a:pPr lvl="2">
+              <a:lnSpc>
+                <a:spcPct val="100000"/>
+              </a:lnSpc>
+              <a:spcBef>
+                <a:spcPts val="1000"/>
+              </a:spcBef>
+              <a:buSzPct val="80000"/>
+            </a:pPr>
+            <a:r>
+              <a:rPr lang="en-US" sz="1400" dirty="0">
+                <a:solidFill>
+                  <a:schemeClr val="bg1"/>
+                </a:solidFill>
+                <a:ea typeface="Arial"/>
+                <a:cs typeface="Arial"/>
+                <a:sym typeface="Arial"/>
+              </a:rPr>
+              <a:t>Reads </a:t>
+            </a:r>
+            <a:r>
+              <a:rPr lang="en-US" sz="1400" dirty="0" err="1">
+                <a:solidFill>
+                  <a:schemeClr val="bg1"/>
+                </a:solidFill>
+                <a:ea typeface="Arial"/>
+                <a:cs typeface="Arial"/>
+                <a:sym typeface="Arial"/>
+              </a:rPr>
+              <a:t>StackOverflow</a:t>
+            </a:r>
+            <a:endParaRPr lang="en-US" sz="1400" dirty="0">
+              <a:solidFill>
+                <a:schemeClr val="bg1"/>
+              </a:solidFill>
+              <a:ea typeface="Arial"/>
+              <a:cs typeface="Arial"/>
+              <a:sym typeface="Arial"/>
+            </a:endParaRPr>
+          </a:p>
+          <a:p>
+            <a:pPr lvl="2">
+              <a:lnSpc>
+                <a:spcPct val="100000"/>
+              </a:lnSpc>
+              <a:spcBef>
+                <a:spcPts val="1000"/>
+              </a:spcBef>
+              <a:buSzPct val="80000"/>
+            </a:pPr>
+            <a:r>
+              <a:rPr lang="en-US" sz="1400" dirty="0">
+                <a:solidFill>
+                  <a:schemeClr val="bg1"/>
+                </a:solidFill>
+                <a:ea typeface="Arial"/>
+                <a:cs typeface="Arial"/>
+                <a:sym typeface="Arial"/>
+              </a:rPr>
+              <a:t>Goes to Microsoft Learn</a:t>
+            </a:r>
+          </a:p>
+          <a:p>
+            <a:pPr lvl="2">
+              <a:lnSpc>
+                <a:spcPct val="100000"/>
+              </a:lnSpc>
+              <a:spcBef>
+                <a:spcPts val="1000"/>
+              </a:spcBef>
+              <a:buSzPct val="80000"/>
+            </a:pPr>
+            <a:r>
+              <a:rPr lang="en-US" sz="1400" dirty="0">
+                <a:solidFill>
+                  <a:schemeClr val="bg1"/>
+                </a:solidFill>
+                <a:ea typeface="Arial"/>
+                <a:cs typeface="Arial"/>
+                <a:sym typeface="Arial"/>
+              </a:rPr>
+              <a:t>Talks with others at Microsoft conferences &amp; events</a:t>
+            </a:r>
+          </a:p>
+          <a:p>
+            <a:pPr lvl="2">
+              <a:lnSpc>
+                <a:spcPct val="100000"/>
+              </a:lnSpc>
+              <a:spcBef>
+                <a:spcPts val="1000"/>
+              </a:spcBef>
+              <a:buSzPct val="80000"/>
+            </a:pPr>
+            <a:r>
+              <a:rPr lang="en-US" sz="1400" dirty="0">
+                <a:solidFill>
+                  <a:schemeClr val="bg1"/>
+                </a:solidFill>
+                <a:ea typeface="Arial"/>
+                <a:cs typeface="Arial"/>
+                <a:sym typeface="Arial"/>
+              </a:rPr>
+              <a:t>Finds </a:t>
+            </a:r>
+            <a:r>
+              <a:rPr lang="en-US" sz="1400" dirty="0">
+                <a:solidFill>
+                  <a:schemeClr val="bg1"/>
+                </a:solidFill>
+                <a:ea typeface="Arial"/>
+                <a:cs typeface="Arial"/>
+                <a:sym typeface="Arial"/>
+                <a:hlinkClick r:id="rId3"/>
+              </a:rPr>
+              <a:t>www.mobilize.net</a:t>
+            </a:r>
+            <a:r>
+              <a:rPr lang="en-US" sz="1400" dirty="0">
+                <a:solidFill>
+                  <a:schemeClr val="bg1"/>
+                </a:solidFill>
+                <a:ea typeface="Arial"/>
+                <a:cs typeface="Arial"/>
+                <a:sym typeface="Arial"/>
+              </a:rPr>
+              <a:t> and either downloads a trial or requests help</a:t>
+            </a:r>
+          </a:p>
+          <a:p>
+            <a:pPr>
+              <a:lnSpc>
+                <a:spcPct val="100000"/>
+              </a:lnSpc>
+              <a:buSzPct val="80000"/>
+            </a:pPr>
+            <a:r>
+              <a:rPr lang="en-US" sz="2200" dirty="0">
+                <a:solidFill>
+                  <a:schemeClr val="bg1"/>
+                </a:solidFill>
+                <a:ea typeface="Arial"/>
+                <a:cs typeface="Arial"/>
+                <a:sym typeface="Arial"/>
+              </a:rPr>
+              <a:t>New Customer Journey</a:t>
+            </a:r>
+          </a:p>
+          <a:p>
+            <a:pPr lvl="1">
+              <a:lnSpc>
+                <a:spcPct val="100000"/>
+              </a:lnSpc>
+              <a:buSzPct val="80000"/>
+            </a:pPr>
             <a:r>
               <a:rPr lang="en-US" sz="1800" dirty="0">
                 <a:solidFill>
                   <a:schemeClr val="bg1"/>
                 </a:solidFill>
-              </a:rPr>
-              <a:t>For Gap Mobilize</a:t>
-            </a:r>
-          </a:p>
-          <a:p>
-            <a:pPr marL="0" lvl="0" indent="0" rtl="0">
+                <a:ea typeface="Arial"/>
+                <a:cs typeface="Arial"/>
+                <a:sym typeface="Arial"/>
+              </a:rPr>
+              <a:t>Boss to smart &amp; influential developer: “Figure out how to use ChatGPT to migrate this app”</a:t>
+            </a:r>
+          </a:p>
+          <a:p>
+            <a:pPr>
+              <a:lnSpc>
+                <a:spcPct val="100000"/>
+              </a:lnSpc>
+              <a:buSzPct val="80000"/>
+            </a:pPr>
+            <a:r>
+              <a:rPr lang="en-US" sz="2200" dirty="0">
+                <a:solidFill>
+                  <a:schemeClr val="bg1"/>
+                </a:solidFill>
+                <a:ea typeface="Arial"/>
+                <a:cs typeface="Arial"/>
+                <a:sym typeface="Arial"/>
+              </a:rPr>
+              <a:t>This project mimics the “New Customer Journey” to help us anticipate how to incorporate generative AI into our marketing, sales, engineering and delivery process</a:t>
+            </a:r>
+          </a:p>
+          <a:p>
+            <a:pPr>
+              <a:lnSpc>
+                <a:spcPct val="100000"/>
+              </a:lnSpc>
+              <a:buSzPct val="80000"/>
+            </a:pPr>
+            <a:endParaRPr lang="en-US" sz="2400" b="0" i="0" u="none" strike="noStrike" dirty="0">
+              <a:solidFill>
+                <a:schemeClr val="bg1"/>
+              </a:solidFill>
+              <a:ea typeface="Arial"/>
+              <a:cs typeface="Arial"/>
+              <a:sym typeface="Arial"/>
+            </a:endParaRPr>
+          </a:p>
+          <a:p>
+            <a:pPr marL="0" lvl="0" indent="0" algn="l" rtl="0">
               <a:lnSpc>
                 <a:spcPct val="100000"/>
               </a:lnSpc>
@@ -7400,21 +7766,17 @@
               <a:spcAft>
                 <a:spcPts val="0"/>
               </a:spcAft>
-              <a:buSzPts val="1600"/>
+              <a:buSzPct val="79999"/>
               <a:buNone/>
             </a:pPr>
-            <a:r>
-              <a:rPr lang="en-US" sz="1800" dirty="0">
-                <a:solidFill>
-                  <a:schemeClr val="bg1"/>
-                </a:solidFill>
-              </a:rPr>
-              <a:t>March 1, 2024</a:t>
-            </a:r>
-            <a:endParaRPr sz="1800" dirty="0">
+            <a:endParaRPr sz="1400" dirty="0">
               <a:solidFill>
                 <a:schemeClr val="bg1"/>
               </a:solidFill>
+              <a:latin typeface="Arial"/>
+              <a:ea typeface="Arial"/>
+              <a:cs typeface="Arial"/>
+              <a:sym typeface="Arial"/>
             </a:endParaRPr>
           </a:p>
         </p:txBody>
@@ -7428,6 +7790,113 @@
 </file>
 
 <file path=ppt/slides/slide10.xml><?xml version="1.0" encoding="utf-8"?>
+<p:sld xmlns:a="http://schemas.openxmlformats.org/drawingml/2006/main" xmlns:r="http://schemas.openxmlformats.org/officeDocument/2006/relationships" xmlns:p="http://schemas.openxmlformats.org/presentationml/2006/main">
+  <p:cSld>
+    <p:bg>
+      <p:bgPr>
+        <a:solidFill>
+          <a:schemeClr val="bg2">
+            <a:lumMod val="75000"/>
+          </a:schemeClr>
+        </a:solidFill>
+        <a:effectLst/>
+      </p:bgPr>
+    </p:bg>
+    <p:spTree>
+      <p:nvGrpSpPr>
+        <p:cNvPr id="1" name=""/>
+        <p:cNvGrpSpPr/>
+        <p:nvPr/>
+      </p:nvGrpSpPr>
+      <p:grpSpPr>
+        <a:xfrm>
+          <a:off x="0" y="0"/>
+          <a:ext cx="0" cy="0"/>
+          <a:chOff x="0" y="0"/>
+          <a:chExt cx="0" cy="0"/>
+        </a:xfrm>
+      </p:grpSpPr>
+      <p:sp>
+        <p:nvSpPr>
+          <p:cNvPr id="2" name="Title 1">
+            <a:extLst>
+              <a:ext uri="{FF2B5EF4-FFF2-40B4-BE49-F238E27FC236}">
+                <a16:creationId xmlns:a16="http://schemas.microsoft.com/office/drawing/2014/main" id="{FBA0E16C-0374-CCEA-7410-1F8354D8619E}"/>
+              </a:ext>
+            </a:extLst>
+          </p:cNvPr>
+          <p:cNvSpPr>
+            <a:spLocks noGrp="1"/>
+          </p:cNvSpPr>
+          <p:nvPr>
+            <p:ph type="title"/>
+          </p:nvPr>
+        </p:nvSpPr>
+        <p:spPr>
+          <a:xfrm>
+            <a:off x="838200" y="216568"/>
+            <a:ext cx="10515600" cy="895784"/>
+          </a:xfrm>
+        </p:spPr>
+        <p:txBody>
+          <a:bodyPr/>
+          <a:lstStyle/>
+          <a:p>
+            <a:r>
+              <a:rPr lang="en-US" dirty="0">
+                <a:solidFill>
+                  <a:schemeClr val="bg1"/>
+                </a:solidFill>
+              </a:rPr>
+              <a:t>ChatGPT Interaction Types</a:t>
+            </a:r>
+          </a:p>
+        </p:txBody>
+      </p:sp>
+      <p:graphicFrame>
+        <p:nvGraphicFramePr>
+          <p:cNvPr id="3" name="Chart 2">
+            <a:extLst>
+              <a:ext uri="{FF2B5EF4-FFF2-40B4-BE49-F238E27FC236}">
+                <a16:creationId xmlns:a16="http://schemas.microsoft.com/office/drawing/2014/main" id="{E7A81D9D-5365-62DD-A230-388B6B80482B}"/>
+              </a:ext>
+            </a:extLst>
+          </p:cNvPr>
+          <p:cNvGraphicFramePr>
+            <a:graphicFrameLocks/>
+          </p:cNvGraphicFramePr>
+          <p:nvPr>
+            <p:extLst>
+              <p:ext uri="{D42A27DB-BD31-4B8C-83A1-F6EECF244321}">
+                <p14:modId xmlns:p14="http://schemas.microsoft.com/office/powerpoint/2010/main" val="3251586984"/>
+              </p:ext>
+            </p:extLst>
+          </p:nvPr>
+        </p:nvGraphicFramePr>
+        <p:xfrm>
+          <a:off x="319314" y="1112352"/>
+          <a:ext cx="11618685" cy="5529080"/>
+        </p:xfrm>
+        <a:graphic>
+          <a:graphicData uri="http://schemas.openxmlformats.org/drawingml/2006/chart">
+            <c:chart xmlns:c="http://schemas.openxmlformats.org/drawingml/2006/chart" xmlns:r="http://schemas.openxmlformats.org/officeDocument/2006/relationships" r:id="rId2"/>
+          </a:graphicData>
+        </a:graphic>
+      </p:graphicFrame>
+    </p:spTree>
+    <p:extLst>
+      <p:ext uri="{BB962C8B-B14F-4D97-AF65-F5344CB8AC3E}">
+        <p14:creationId xmlns:p14="http://schemas.microsoft.com/office/powerpoint/2010/main" val="1680997173"/>
+      </p:ext>
+    </p:extLst>
+  </p:cSld>
+  <p:clrMapOvr>
+    <a:masterClrMapping/>
+  </p:clrMapOvr>
+</p:sld>
+</file>
+
+<file path=ppt/slides/slide11.xml><?xml version="1.0" encoding="utf-8"?>
 <p:sld xmlns:a="http://schemas.openxmlformats.org/drawingml/2006/main" xmlns:r="http://schemas.openxmlformats.org/officeDocument/2006/relationships" xmlns:p="http://schemas.openxmlformats.org/presentationml/2006/main">
   <p:cSld>
     <p:bg>
@@ -7732,7 +8201,7 @@
 </p:sld>
 </file>
 
-<file path=ppt/slides/slide11.xml><?xml version="1.0" encoding="utf-8"?>
+<file path=ppt/slides/slide12.xml><?xml version="1.0" encoding="utf-8"?>
 <p:sld xmlns:a="http://schemas.openxmlformats.org/drawingml/2006/main" xmlns:r="http://schemas.openxmlformats.org/officeDocument/2006/relationships" xmlns:p="http://schemas.openxmlformats.org/presentationml/2006/main">
   <p:cSld>
     <p:bg>
@@ -8046,7 +8515,7 @@
 </p:sld>
 </file>
 
-<file path=ppt/slides/slide12.xml><?xml version="1.0" encoding="utf-8"?>
+<file path=ppt/slides/slide13.xml><?xml version="1.0" encoding="utf-8"?>
 <p:sld xmlns:a="http://schemas.openxmlformats.org/drawingml/2006/main" xmlns:r="http://schemas.openxmlformats.org/officeDocument/2006/relationships" xmlns:p="http://schemas.openxmlformats.org/presentationml/2006/main">
   <p:cSld>
     <p:bg>
@@ -8198,7 +8667,7 @@
 </p:sld>
 </file>
 
-<file path=ppt/slides/slide13.xml><?xml version="1.0" encoding="utf-8"?>
+<file path=ppt/slides/slide14.xml><?xml version="1.0" encoding="utf-8"?>
 <p:sld xmlns:a="http://schemas.openxmlformats.org/drawingml/2006/main" xmlns:r="http://schemas.openxmlformats.org/officeDocument/2006/relationships" xmlns:p="http://schemas.openxmlformats.org/presentationml/2006/main">
   <p:cSld>
     <p:bg>
@@ -8467,7 +8936,7 @@
 </p:sld>
 </file>
 
-<file path=ppt/slides/slide14.xml><?xml version="1.0" encoding="utf-8"?>
+<file path=ppt/slides/slide15.xml><?xml version="1.0" encoding="utf-8"?>
 <p:sld xmlns:a="http://schemas.openxmlformats.org/drawingml/2006/main" xmlns:r="http://schemas.openxmlformats.org/officeDocument/2006/relationships" xmlns:p="http://schemas.openxmlformats.org/presentationml/2006/main">
   <p:cSld>
     <p:bg>
@@ -9064,7 +9533,7 @@
 </p:sld>
 </file>
 
-<file path=ppt/slides/slide15.xml><?xml version="1.0" encoding="utf-8"?>
+<file path=ppt/slides/slide16.xml><?xml version="1.0" encoding="utf-8"?>
 <p:sld xmlns:a="http://schemas.openxmlformats.org/drawingml/2006/main" xmlns:r="http://schemas.openxmlformats.org/officeDocument/2006/relationships" xmlns:p="http://schemas.openxmlformats.org/presentationml/2006/main">
   <p:cSld>
     <p:bg>
@@ -9142,7 +9611,7 @@
 </p:sld>
 </file>
 
-<file path=ppt/slides/slide16.xml><?xml version="1.0" encoding="utf-8"?>
+<file path=ppt/slides/slide17.xml><?xml version="1.0" encoding="utf-8"?>
 <p:sld xmlns:a="http://schemas.openxmlformats.org/drawingml/2006/main" xmlns:r="http://schemas.openxmlformats.org/officeDocument/2006/relationships" xmlns:p="http://schemas.openxmlformats.org/presentationml/2006/main">
   <p:cSld>
     <p:bg>
@@ -9220,7 +9689,7 @@
 </p:sld>
 </file>
 
-<file path=ppt/slides/slide17.xml><?xml version="1.0" encoding="utf-8"?>
+<file path=ppt/slides/slide18.xml><?xml version="1.0" encoding="utf-8"?>
 <p:sld xmlns:a="http://schemas.openxmlformats.org/drawingml/2006/main" xmlns:r="http://schemas.openxmlformats.org/officeDocument/2006/relationships" xmlns:p="http://schemas.openxmlformats.org/presentationml/2006/main">
   <p:cSld>
     <p:bg>
@@ -9465,7 +9934,7 @@
 </p:sld>
 </file>
 
-<file path=ppt/slides/slide18.xml><?xml version="1.0" encoding="utf-8"?>
+<file path=ppt/slides/slide19.xml><?xml version="1.0" encoding="utf-8"?>
 <p:sld xmlns:a="http://schemas.openxmlformats.org/drawingml/2006/main" xmlns:r="http://schemas.openxmlformats.org/officeDocument/2006/relationships" xmlns:p="http://schemas.openxmlformats.org/presentationml/2006/main">
   <p:cSld>
     <p:bg>
@@ -10106,7 +10575,245 @@
 </p:sld>
 </file>
 
-<file path=ppt/slides/slide19.xml><?xml version="1.0" encoding="utf-8"?>
+<file path=ppt/slides/slide2.xml><?xml version="1.0" encoding="utf-8"?>
+<p:sld xmlns:a="http://schemas.openxmlformats.org/drawingml/2006/main" xmlns:r="http://schemas.openxmlformats.org/officeDocument/2006/relationships" xmlns:p="http://schemas.openxmlformats.org/presentationml/2006/main">
+  <p:cSld>
+    <p:bg>
+      <p:bgPr>
+        <a:solidFill>
+          <a:schemeClr val="bg2">
+            <a:lumMod val="75000"/>
+          </a:schemeClr>
+        </a:solidFill>
+        <a:effectLst/>
+      </p:bgPr>
+    </p:bg>
+    <p:spTree>
+      <p:nvGrpSpPr>
+        <p:cNvPr id="1" name="Shape 146"/>
+        <p:cNvGrpSpPr/>
+        <p:nvPr/>
+      </p:nvGrpSpPr>
+      <p:grpSpPr>
+        <a:xfrm>
+          <a:off x="0" y="0"/>
+          <a:ext cx="0" cy="0"/>
+          <a:chOff x="0" y="0"/>
+          <a:chExt cx="0" cy="0"/>
+        </a:xfrm>
+      </p:grpSpPr>
+      <p:sp>
+        <p:nvSpPr>
+          <p:cNvPr id="147" name="Google Shape;147;p1"/>
+          <p:cNvSpPr txBox="1">
+            <a:spLocks noGrp="1"/>
+          </p:cNvSpPr>
+          <p:nvPr>
+            <p:ph type="ctrTitle"/>
+          </p:nvPr>
+        </p:nvSpPr>
+        <p:spPr>
+          <a:xfrm>
+            <a:off x="814848" y="1926814"/>
+            <a:ext cx="10333703" cy="1581508"/>
+          </a:xfrm>
+          <a:prstGeom prst="rect">
+            <a:avLst/>
+          </a:prstGeom>
+          <a:noFill/>
+          <a:ln>
+            <a:noFill/>
+          </a:ln>
+        </p:spPr>
+        <p:txBody>
+          <a:bodyPr spcFirstLastPara="1" wrap="square" lIns="91425" tIns="45700" rIns="91425" bIns="45700" anchor="b" anchorCtr="0">
+            <a:normAutofit fontScale="90000"/>
+          </a:bodyPr>
+          <a:lstStyle/>
+          <a:p>
+            <a:pPr marL="0" lvl="0" indent="0" rtl="0">
+              <a:lnSpc>
+                <a:spcPct val="100000"/>
+              </a:lnSpc>
+              <a:spcBef>
+                <a:spcPts val="0"/>
+              </a:spcBef>
+              <a:spcAft>
+                <a:spcPts val="0"/>
+              </a:spcAft>
+              <a:buClr>
+                <a:schemeClr val="lt2"/>
+              </a:buClr>
+              <a:buSzPts val="7200"/>
+              <a:buFont typeface="Century Gothic"/>
+              <a:buNone/>
+            </a:pPr>
+            <a:r>
+              <a:rPr lang="en-US" sz="4400" dirty="0">
+                <a:solidFill>
+                  <a:schemeClr val="bg1"/>
+                </a:solidFill>
+              </a:rPr>
+              <a:t>Using ChatGPT 4.0 To Migrate a VB.NET Windows Forms Application to a </a:t>
+            </a:r>
+            <a:br>
+              <a:rPr lang="en-US" sz="4400" dirty="0">
+                <a:solidFill>
+                  <a:schemeClr val="bg1"/>
+                </a:solidFill>
+              </a:rPr>
+            </a:br>
+            <a:r>
+              <a:rPr lang="en-US" sz="4400" dirty="0">
+                <a:solidFill>
+                  <a:schemeClr val="bg1"/>
+                </a:solidFill>
+              </a:rPr>
+              <a:t>C# Blazor Web Application</a:t>
+            </a:r>
+            <a:br>
+              <a:rPr lang="en-US" sz="4000" dirty="0">
+                <a:solidFill>
+                  <a:schemeClr val="bg1"/>
+                </a:solidFill>
+              </a:rPr>
+            </a:br>
+            <a:r>
+              <a:rPr lang="en-US" sz="3100" i="1" dirty="0">
+                <a:solidFill>
+                  <a:schemeClr val="bg1"/>
+                </a:solidFill>
+              </a:rPr>
+              <a:t>An Application Modernization Experiment </a:t>
+            </a:r>
+            <a:br>
+              <a:rPr lang="en-US" sz="3100" i="1" dirty="0">
+                <a:solidFill>
+                  <a:schemeClr val="bg1"/>
+                </a:solidFill>
+              </a:rPr>
+            </a:br>
+            <a:r>
+              <a:rPr lang="en-US" sz="3100" i="1" dirty="0">
+                <a:solidFill>
+                  <a:schemeClr val="bg1"/>
+                </a:solidFill>
+              </a:rPr>
+              <a:t>For Gap Mobilize</a:t>
+            </a:r>
+            <a:endParaRPr sz="3100" i="1" dirty="0">
+              <a:solidFill>
+                <a:schemeClr val="bg1"/>
+              </a:solidFill>
+            </a:endParaRPr>
+          </a:p>
+        </p:txBody>
+      </p:sp>
+      <p:sp>
+        <p:nvSpPr>
+          <p:cNvPr id="148" name="Google Shape;148;p1"/>
+          <p:cNvSpPr txBox="1">
+            <a:spLocks noGrp="1"/>
+          </p:cNvSpPr>
+          <p:nvPr>
+            <p:ph type="subTitle" idx="1"/>
+          </p:nvPr>
+        </p:nvSpPr>
+        <p:spPr>
+          <a:xfrm>
+            <a:off x="1409699" y="4721636"/>
+            <a:ext cx="9144000" cy="1058452"/>
+          </a:xfrm>
+          <a:prstGeom prst="rect">
+            <a:avLst/>
+          </a:prstGeom>
+          <a:noFill/>
+          <a:ln>
+            <a:noFill/>
+          </a:ln>
+        </p:spPr>
+        <p:txBody>
+          <a:bodyPr spcFirstLastPara="1" wrap="square" lIns="91425" tIns="45700" rIns="91425" bIns="45700" anchor="t" anchorCtr="0">
+            <a:normAutofit/>
+          </a:bodyPr>
+          <a:lstStyle/>
+          <a:p>
+            <a:pPr marL="0" lvl="0" indent="0" rtl="0">
+              <a:lnSpc>
+                <a:spcPct val="100000"/>
+              </a:lnSpc>
+              <a:spcBef>
+                <a:spcPts val="0"/>
+              </a:spcBef>
+              <a:spcAft>
+                <a:spcPts val="0"/>
+              </a:spcAft>
+              <a:buSzPts val="1600"/>
+              <a:buNone/>
+            </a:pPr>
+            <a:r>
+              <a:rPr lang="en-US" sz="1800" dirty="0">
+                <a:solidFill>
+                  <a:schemeClr val="bg1"/>
+                </a:solidFill>
+              </a:rPr>
+              <a:t>Prepared by Gregory Leake</a:t>
+            </a:r>
+            <a:br>
+              <a:rPr lang="en-US" sz="1800" dirty="0">
+                <a:solidFill>
+                  <a:schemeClr val="bg1"/>
+                </a:solidFill>
+              </a:rPr>
+            </a:br>
+            <a:r>
+              <a:rPr lang="en-US" sz="1800" dirty="0">
+                <a:solidFill>
+                  <a:schemeClr val="bg1"/>
+                </a:solidFill>
+              </a:rPr>
+              <a:t>For Gap Mobilize</a:t>
+            </a:r>
+          </a:p>
+          <a:p>
+            <a:pPr marL="0" lvl="0" indent="0" rtl="0">
+              <a:lnSpc>
+                <a:spcPct val="100000"/>
+              </a:lnSpc>
+              <a:spcBef>
+                <a:spcPts val="0"/>
+              </a:spcBef>
+              <a:spcAft>
+                <a:spcPts val="0"/>
+              </a:spcAft>
+              <a:buSzPts val="1600"/>
+              <a:buNone/>
+            </a:pPr>
+            <a:r>
+              <a:rPr lang="en-US" sz="1800" dirty="0">
+                <a:solidFill>
+                  <a:schemeClr val="bg1"/>
+                </a:solidFill>
+              </a:rPr>
+              <a:t>March 1, 2024</a:t>
+            </a:r>
+            <a:endParaRPr sz="1800" dirty="0">
+              <a:solidFill>
+                <a:schemeClr val="bg1"/>
+              </a:solidFill>
+            </a:endParaRPr>
+          </a:p>
+        </p:txBody>
+      </p:sp>
+    </p:spTree>
+  </p:cSld>
+  <p:clrMapOvr>
+    <a:masterClrMapping/>
+  </p:clrMapOvr>
+</p:sld>
+</file>
+
+<file path=ppt/slides/slide20.xml><?xml version="1.0" encoding="utf-8"?>
 <p:sld xmlns:a="http://schemas.openxmlformats.org/drawingml/2006/main" xmlns:r="http://schemas.openxmlformats.org/officeDocument/2006/relationships" xmlns:p="http://schemas.openxmlformats.org/presentationml/2006/main">
   <p:cSld>
     <p:bg>
@@ -10782,7 +11489,7 @@
 </p:sld>
 </file>
 
-<file path=ppt/slides/slide2.xml><?xml version="1.0" encoding="utf-8"?>
+<file path=ppt/slides/slide3.xml><?xml version="1.0" encoding="utf-8"?>
 <p:sld xmlns:a="http://schemas.openxmlformats.org/drawingml/2006/main" xmlns:r="http://schemas.openxmlformats.org/officeDocument/2006/relationships" xmlns:p="http://schemas.openxmlformats.org/presentationml/2006/main">
   <p:cSld>
     <p:bg>
@@ -11419,7 +12126,7 @@
 </p:sld>
 </file>
 
-<file path=ppt/slides/slide3.xml><?xml version="1.0" encoding="utf-8"?>
+<file path=ppt/slides/slide4.xml><?xml version="1.0" encoding="utf-8"?>
 <p:sld xmlns:a="http://schemas.openxmlformats.org/drawingml/2006/main" xmlns:r="http://schemas.openxmlformats.org/officeDocument/2006/relationships" xmlns:p="http://schemas.openxmlformats.org/presentationml/2006/main">
   <p:cSld>
     <p:bg>
@@ -11798,7 +12505,7 @@
 </p:sld>
 </file>
 
-<file path=ppt/slides/slide4.xml><?xml version="1.0" encoding="utf-8"?>
+<file path=ppt/slides/slide5.xml><?xml version="1.0" encoding="utf-8"?>
 <p:sld xmlns:a="http://schemas.openxmlformats.org/drawingml/2006/main" xmlns:r="http://schemas.openxmlformats.org/officeDocument/2006/relationships" xmlns:p="http://schemas.openxmlformats.org/presentationml/2006/main">
   <p:cSld>
     <p:bg>
@@ -12409,7 +13116,7 @@
 </p:sld>
 </file>
 
-<file path=ppt/slides/slide5.xml><?xml version="1.0" encoding="utf-8"?>
+<file path=ppt/slides/slide6.xml><?xml version="1.0" encoding="utf-8"?>
 <p:sld xmlns:a="http://schemas.openxmlformats.org/drawingml/2006/main" xmlns:r="http://schemas.openxmlformats.org/officeDocument/2006/relationships" xmlns:p="http://schemas.openxmlformats.org/presentationml/2006/main">
   <p:cSld>
     <p:bg>
@@ -13112,7 +13819,7 @@
 </p:sld>
 </file>
 
-<file path=ppt/slides/slide6.xml><?xml version="1.0" encoding="utf-8"?>
+<file path=ppt/slides/slide7.xml><?xml version="1.0" encoding="utf-8"?>
 <p:sld xmlns:a="http://schemas.openxmlformats.org/drawingml/2006/main" xmlns:r="http://schemas.openxmlformats.org/officeDocument/2006/relationships" xmlns:p="http://schemas.openxmlformats.org/presentationml/2006/main">
   <p:cSld>
     <p:bg>
@@ -13307,7 +14014,7 @@
 </p:sld>
 </file>
 
-<file path=ppt/slides/slide7.xml><?xml version="1.0" encoding="utf-8"?>
+<file path=ppt/slides/slide8.xml><?xml version="1.0" encoding="utf-8"?>
 <p:sld xmlns:a="http://schemas.openxmlformats.org/drawingml/2006/main" xmlns:r="http://schemas.openxmlformats.org/officeDocument/2006/relationships" xmlns:p="http://schemas.openxmlformats.org/presentationml/2006/main">
   <p:cSld>
     <p:bg>
@@ -13385,7 +14092,7 @@
 </p:sld>
 </file>
 
-<file path=ppt/slides/slide8.xml><?xml version="1.0" encoding="utf-8"?>
+<file path=ppt/slides/slide9.xml><?xml version="1.0" encoding="utf-8"?>
 <p:sld xmlns:a="http://schemas.openxmlformats.org/drawingml/2006/main" xmlns:r="http://schemas.openxmlformats.org/officeDocument/2006/relationships" xmlns:p="http://schemas.openxmlformats.org/presentationml/2006/main">
   <p:cSld>
     <p:bg>
@@ -14281,113 +14988,6 @@
 </p:sld>
 </file>
 
-<file path=ppt/slides/slide9.xml><?xml version="1.0" encoding="utf-8"?>
-<p:sld xmlns:a="http://schemas.openxmlformats.org/drawingml/2006/main" xmlns:r="http://schemas.openxmlformats.org/officeDocument/2006/relationships" xmlns:p="http://schemas.openxmlformats.org/presentationml/2006/main">
-  <p:cSld>
-    <p:bg>
-      <p:bgPr>
-        <a:solidFill>
-          <a:schemeClr val="bg2">
-            <a:lumMod val="75000"/>
-          </a:schemeClr>
-        </a:solidFill>
-        <a:effectLst/>
-      </p:bgPr>
-    </p:bg>
-    <p:spTree>
-      <p:nvGrpSpPr>
-        <p:cNvPr id="1" name=""/>
-        <p:cNvGrpSpPr/>
-        <p:nvPr/>
-      </p:nvGrpSpPr>
-      <p:grpSpPr>
-        <a:xfrm>
-          <a:off x="0" y="0"/>
-          <a:ext cx="0" cy="0"/>
-          <a:chOff x="0" y="0"/>
-          <a:chExt cx="0" cy="0"/>
-        </a:xfrm>
-      </p:grpSpPr>
-      <p:sp>
-        <p:nvSpPr>
-          <p:cNvPr id="2" name="Title 1">
-            <a:extLst>
-              <a:ext uri="{FF2B5EF4-FFF2-40B4-BE49-F238E27FC236}">
-                <a16:creationId xmlns:a16="http://schemas.microsoft.com/office/drawing/2014/main" id="{FBA0E16C-0374-CCEA-7410-1F8354D8619E}"/>
-              </a:ext>
-            </a:extLst>
-          </p:cNvPr>
-          <p:cNvSpPr>
-            <a:spLocks noGrp="1"/>
-          </p:cNvSpPr>
-          <p:nvPr>
-            <p:ph type="title"/>
-          </p:nvPr>
-        </p:nvSpPr>
-        <p:spPr>
-          <a:xfrm>
-            <a:off x="838200" y="216568"/>
-            <a:ext cx="10515600" cy="895784"/>
-          </a:xfrm>
-        </p:spPr>
-        <p:txBody>
-          <a:bodyPr/>
-          <a:lstStyle/>
-          <a:p>
-            <a:r>
-              <a:rPr lang="en-US" dirty="0">
-                <a:solidFill>
-                  <a:schemeClr val="bg1"/>
-                </a:solidFill>
-              </a:rPr>
-              <a:t>ChatGPT Interaction Types</a:t>
-            </a:r>
-          </a:p>
-        </p:txBody>
-      </p:sp>
-      <p:graphicFrame>
-        <p:nvGraphicFramePr>
-          <p:cNvPr id="3" name="Chart 2">
-            <a:extLst>
-              <a:ext uri="{FF2B5EF4-FFF2-40B4-BE49-F238E27FC236}">
-                <a16:creationId xmlns:a16="http://schemas.microsoft.com/office/drawing/2014/main" id="{E7A81D9D-5365-62DD-A230-388B6B80482B}"/>
-              </a:ext>
-            </a:extLst>
-          </p:cNvPr>
-          <p:cNvGraphicFramePr>
-            <a:graphicFrameLocks/>
-          </p:cNvGraphicFramePr>
-          <p:nvPr>
-            <p:extLst>
-              <p:ext uri="{D42A27DB-BD31-4B8C-83A1-F6EECF244321}">
-                <p14:modId xmlns:p14="http://schemas.microsoft.com/office/powerpoint/2010/main" val="3251586984"/>
-              </p:ext>
-            </p:extLst>
-          </p:nvPr>
-        </p:nvGraphicFramePr>
-        <p:xfrm>
-          <a:off x="319314" y="1112352"/>
-          <a:ext cx="11618685" cy="5529080"/>
-        </p:xfrm>
-        <a:graphic>
-          <a:graphicData uri="http://schemas.openxmlformats.org/drawingml/2006/chart">
-            <c:chart xmlns:c="http://schemas.openxmlformats.org/drawingml/2006/chart" xmlns:r="http://schemas.openxmlformats.org/officeDocument/2006/relationships" r:id="rId2"/>
-          </a:graphicData>
-        </a:graphic>
-      </p:graphicFrame>
-    </p:spTree>
-    <p:extLst>
-      <p:ext uri="{BB962C8B-B14F-4D97-AF65-F5344CB8AC3E}">
-        <p14:creationId xmlns:p14="http://schemas.microsoft.com/office/powerpoint/2010/main" val="1680997173"/>
-      </p:ext>
-    </p:extLst>
-  </p:cSld>
-  <p:clrMapOvr>
-    <a:masterClrMapping/>
-  </p:clrMapOvr>
-</p:sld>
-</file>
-
 <file path=ppt/theme/theme1.xml><?xml version="1.0" encoding="utf-8"?>
 <a:theme xmlns:a="http://schemas.openxmlformats.org/drawingml/2006/main" name="Office 2013 - 2022 Theme">
   <a:themeElements>

--- a/wwwroot/GAPMoblize_Project_Final_3_1_2024.pptx
+++ b/wwwroot/GAPMoblize_Project_Final_3_1_2024.pptx
@@ -5,7 +5,7 @@
     <p:sldMasterId id="2147483666" r:id="rId1"/>
   </p:sldMasterIdLst>
   <p:notesMasterIdLst>
-    <p:notesMasterId r:id="rId22"/>
+    <p:notesMasterId r:id="rId27"/>
   </p:notesMasterIdLst>
   <p:sldIdLst>
     <p:sldId id="285" r:id="rId2"/>
@@ -28,21 +28,26 @@
     <p:sldId id="282" r:id="rId19"/>
     <p:sldId id="269" r:id="rId20"/>
     <p:sldId id="260" r:id="rId21"/>
+    <p:sldId id="286" r:id="rId22"/>
+    <p:sldId id="287" r:id="rId23"/>
+    <p:sldId id="288" r:id="rId24"/>
+    <p:sldId id="289" r:id="rId25"/>
+    <p:sldId id="290" r:id="rId26"/>
   </p:sldIdLst>
   <p:sldSz cx="12192000" cy="6858000"/>
   <p:notesSz cx="6858000" cy="9144000"/>
   <p:embeddedFontLst>
     <p:embeddedFont>
       <p:font typeface="Century Gothic" panose="020B0502020202020204" pitchFamily="34" charset="0"/>
-      <p:regular r:id="rId23"/>
-      <p:bold r:id="rId24"/>
-      <p:italic r:id="rId25"/>
-      <p:boldItalic r:id="rId26"/>
+      <p:regular r:id="rId28"/>
+      <p:bold r:id="rId29"/>
+      <p:italic r:id="rId30"/>
+      <p:boldItalic r:id="rId31"/>
     </p:embeddedFont>
     <p:embeddedFont>
       <p:font typeface="Play" panose="020B0604020202020204" charset="0"/>
-      <p:regular r:id="rId27"/>
-      <p:bold r:id="rId28"/>
+      <p:regular r:id="rId32"/>
+      <p:bold r:id="rId33"/>
     </p:embeddedFont>
   </p:embeddedFontLst>
   <p:defaultTextStyle>
@@ -145,7 +150,7 @@
       <p15:sldGuideLst xmlns:p15="http://schemas.microsoft.com/office/powerpoint/2012/main"/>
     </p:ext>
     <p:ext uri="GoogleSlidesCustomDataVersion2">
-      <go:slidesCustomData xmlns="" xmlns:mc="http://schemas.openxmlformats.org/markup-compatibility/2006" xmlns:mv="urn:schemas-microsoft-com:mac:vml" xmlns:c="http://schemas.openxmlformats.org/drawingml/2006/chart" xmlns:dgm="http://schemas.openxmlformats.org/drawingml/2006/diagram" xmlns:o="urn:schemas-microsoft-com:office:office" xmlns:v="urn:schemas-microsoft-com:vml" xmlns:pvml="urn:schemas-microsoft-com:office:powerpoint" xmlns:com="http://schemas.openxmlformats.org/drawingml/2006/compatibility" xmlns:p14="http://schemas.microsoft.com/office/powerpoint/2010/main" xmlns:p15="http://schemas.microsoft.com/office/powerpoint/2012/main" xmlns:ahyp="http://schemas.microsoft.com/office/drawing/2018/hyperlinkcolor" xmlns:go="http://customooxmlschemas.google.com/" r:id="rId29" roundtripDataSignature="AMtx7mhGT3lbFy52I47qpUfcLgyjprfeZQ=="/>
+      <go:slidesCustomData xmlns:go="http://customooxmlschemas.google.com/" xmlns:ahyp="http://schemas.microsoft.com/office/drawing/2018/hyperlinkcolor" xmlns:p15="http://schemas.microsoft.com/office/powerpoint/2012/main" xmlns:p14="http://schemas.microsoft.com/office/powerpoint/2010/main" xmlns:com="http://schemas.openxmlformats.org/drawingml/2006/compatibility" xmlns:pvml="urn:schemas-microsoft-com:office:powerpoint" xmlns:v="urn:schemas-microsoft-com:vml" xmlns:o="urn:schemas-microsoft-com:office:office" xmlns:dgm="http://schemas.openxmlformats.org/drawingml/2006/diagram" xmlns:c="http://schemas.openxmlformats.org/drawingml/2006/chart" xmlns:mv="urn:schemas-microsoft-com:mac:vml" xmlns:mc="http://schemas.openxmlformats.org/markup-compatibility/2006" xmlns="" r:id="rId34" roundtripDataSignature="AMtx7mhGT3lbFy52I47qpUfcLgyjprfeZQ=="/>
     </p:ext>
   </p:extLst>
 </p:presentation>
@@ -154,7 +159,7 @@
 <file path=ppt/revisionInfo.xml><?xml version="1.0" encoding="utf-8"?>
 <p1510:revInfo xmlns:a="http://schemas.openxmlformats.org/drawingml/2006/main" xmlns:r="http://schemas.openxmlformats.org/officeDocument/2006/relationships" xmlns:p1510="http://schemas.microsoft.com/office/powerpoint/2015/10/main">
   <p1510:revLst>
-    <p1510:client id="{8656EB85-3D90-49AE-A343-8BFE0CE0C18E}" v="49" dt="2024-03-01T15:34:15.353"/>
+    <p1510:client id="{8656EB85-3D90-49AE-A343-8BFE0CE0C18E}" v="54" dt="2024-03-01T16:03:57.073"/>
   </p1510:revLst>
 </p1510:revInfo>
 </file>
@@ -164,7 +169,7 @@
   <pc:docChgLst>
     <pc:chgData name="Greg Leake" userId="32827faac32acba3" providerId="LiveId" clId="{8656EB85-3D90-49AE-A343-8BFE0CE0C18E}"/>
     <pc:docChg chg="undo custSel addSld delSld modSld sldOrd">
-      <pc:chgData name="Greg Leake" userId="32827faac32acba3" providerId="LiveId" clId="{8656EB85-3D90-49AE-A343-8BFE0CE0C18E}" dt="2024-03-01T15:34:15.353" v="2882"/>
+      <pc:chgData name="Greg Leake" userId="32827faac32acba3" providerId="LiveId" clId="{8656EB85-3D90-49AE-A343-8BFE0CE0C18E}" dt="2024-03-01T16:06:15.010" v="3352" actId="255"/>
       <pc:docMkLst>
         <pc:docMk/>
       </pc:docMkLst>
@@ -564,6 +569,153 @@
           <pc:docMk/>
           <pc:sldMk cId="0" sldId="285"/>
         </pc:sldMkLst>
+      </pc:sldChg>
+      <pc:sldChg chg="addSp modSp new mod setBg">
+        <pc:chgData name="Greg Leake" userId="32827faac32acba3" providerId="LiveId" clId="{8656EB85-3D90-49AE-A343-8BFE0CE0C18E}" dt="2024-03-01T16:04:05.777" v="3316" actId="115"/>
+        <pc:sldMkLst>
+          <pc:docMk/>
+          <pc:sldMk cId="310780153" sldId="286"/>
+        </pc:sldMkLst>
+        <pc:spChg chg="mod">
+          <ac:chgData name="Greg Leake" userId="32827faac32acba3" providerId="LiveId" clId="{8656EB85-3D90-49AE-A343-8BFE0CE0C18E}" dt="2024-03-01T15:48:30.663" v="3076" actId="207"/>
+          <ac:spMkLst>
+            <pc:docMk/>
+            <pc:sldMk cId="310780153" sldId="286"/>
+            <ac:spMk id="2" creationId="{2F652B5D-4364-A5A9-B62F-1273B5735074}"/>
+          </ac:spMkLst>
+        </pc:spChg>
+        <pc:spChg chg="mod">
+          <ac:chgData name="Greg Leake" userId="32827faac32acba3" providerId="LiveId" clId="{8656EB85-3D90-49AE-A343-8BFE0CE0C18E}" dt="2024-03-01T15:51:13.432" v="3117" actId="27636"/>
+          <ac:spMkLst>
+            <pc:docMk/>
+            <pc:sldMk cId="310780153" sldId="286"/>
+            <ac:spMk id="3" creationId="{8EDC2056-517C-00EB-176C-B950EF7433F6}"/>
+          </ac:spMkLst>
+        </pc:spChg>
+        <pc:spChg chg="add mod">
+          <ac:chgData name="Greg Leake" userId="32827faac32acba3" providerId="LiveId" clId="{8656EB85-3D90-49AE-A343-8BFE0CE0C18E}" dt="2024-03-01T16:04:05.777" v="3316" actId="115"/>
+          <ac:spMkLst>
+            <pc:docMk/>
+            <pc:sldMk cId="310780153" sldId="286"/>
+            <ac:spMk id="4" creationId="{5C95495C-1082-D8D2-85B9-7F189607D05D}"/>
+          </ac:spMkLst>
+        </pc:spChg>
+      </pc:sldChg>
+      <pc:sldChg chg="modSp new mod setBg">
+        <pc:chgData name="Greg Leake" userId="32827faac32acba3" providerId="LiveId" clId="{8656EB85-3D90-49AE-A343-8BFE0CE0C18E}" dt="2024-03-01T16:05:07.388" v="3320" actId="14100"/>
+        <pc:sldMkLst>
+          <pc:docMk/>
+          <pc:sldMk cId="2352168489" sldId="287"/>
+        </pc:sldMkLst>
+        <pc:spChg chg="mod">
+          <ac:chgData name="Greg Leake" userId="32827faac32acba3" providerId="LiveId" clId="{8656EB85-3D90-49AE-A343-8BFE0CE0C18E}" dt="2024-03-01T16:03:25.003" v="3310" actId="207"/>
+          <ac:spMkLst>
+            <pc:docMk/>
+            <pc:sldMk cId="2352168489" sldId="287"/>
+            <ac:spMk id="2" creationId="{4070A212-F0F0-FC69-8096-C76C2EBEFE1D}"/>
+          </ac:spMkLst>
+        </pc:spChg>
+        <pc:spChg chg="mod">
+          <ac:chgData name="Greg Leake" userId="32827faac32acba3" providerId="LiveId" clId="{8656EB85-3D90-49AE-A343-8BFE0CE0C18E}" dt="2024-03-01T16:05:07.388" v="3320" actId="14100"/>
+          <ac:spMkLst>
+            <pc:docMk/>
+            <pc:sldMk cId="2352168489" sldId="287"/>
+            <ac:spMk id="3" creationId="{401B3B03-ED5A-3044-5F89-B155E08F13A6}"/>
+          </ac:spMkLst>
+        </pc:spChg>
+      </pc:sldChg>
+      <pc:sldChg chg="addSp delSp modSp new mod setBg">
+        <pc:chgData name="Greg Leake" userId="32827faac32acba3" providerId="LiveId" clId="{8656EB85-3D90-49AE-A343-8BFE0CE0C18E}" dt="2024-03-01T16:05:44.407" v="3346" actId="404"/>
+        <pc:sldMkLst>
+          <pc:docMk/>
+          <pc:sldMk cId="3145744434" sldId="288"/>
+        </pc:sldMkLst>
+        <pc:spChg chg="del">
+          <ac:chgData name="Greg Leake" userId="32827faac32acba3" providerId="LiveId" clId="{8656EB85-3D90-49AE-A343-8BFE0CE0C18E}" dt="2024-03-01T16:03:10.407" v="3307"/>
+          <ac:spMkLst>
+            <pc:docMk/>
+            <pc:sldMk cId="3145744434" sldId="288"/>
+            <ac:spMk id="2" creationId="{1DCD1936-1812-97AB-CB53-BFAD104DD5B4}"/>
+          </ac:spMkLst>
+        </pc:spChg>
+        <pc:spChg chg="mod">
+          <ac:chgData name="Greg Leake" userId="32827faac32acba3" providerId="LiveId" clId="{8656EB85-3D90-49AE-A343-8BFE0CE0C18E}" dt="2024-03-01T16:03:31.680" v="3311" actId="207"/>
+          <ac:spMkLst>
+            <pc:docMk/>
+            <pc:sldMk cId="3145744434" sldId="288"/>
+            <ac:spMk id="3" creationId="{53BFB5B6-2AB4-5E3E-BD80-8E33677EEA1B}"/>
+          </ac:spMkLst>
+        </pc:spChg>
+        <pc:spChg chg="add mod">
+          <ac:chgData name="Greg Leake" userId="32827faac32acba3" providerId="LiveId" clId="{8656EB85-3D90-49AE-A343-8BFE0CE0C18E}" dt="2024-03-01T16:05:44.407" v="3346" actId="404"/>
+          <ac:spMkLst>
+            <pc:docMk/>
+            <pc:sldMk cId="3145744434" sldId="288"/>
+            <ac:spMk id="4" creationId="{AC335324-6071-6B5D-4E09-40E1C14F8175}"/>
+          </ac:spMkLst>
+        </pc:spChg>
+      </pc:sldChg>
+      <pc:sldChg chg="addSp delSp modSp new mod setBg">
+        <pc:chgData name="Greg Leake" userId="32827faac32acba3" providerId="LiveId" clId="{8656EB85-3D90-49AE-A343-8BFE0CE0C18E}" dt="2024-03-01T16:06:04.723" v="3349" actId="255"/>
+        <pc:sldMkLst>
+          <pc:docMk/>
+          <pc:sldMk cId="522162681" sldId="289"/>
+        </pc:sldMkLst>
+        <pc:spChg chg="del">
+          <ac:chgData name="Greg Leake" userId="32827faac32acba3" providerId="LiveId" clId="{8656EB85-3D90-49AE-A343-8BFE0CE0C18E}" dt="2024-03-01T16:03:13.383" v="3308"/>
+          <ac:spMkLst>
+            <pc:docMk/>
+            <pc:sldMk cId="522162681" sldId="289"/>
+            <ac:spMk id="2" creationId="{E7FE0690-894F-6E63-9825-33F0BE9FE715}"/>
+          </ac:spMkLst>
+        </pc:spChg>
+        <pc:spChg chg="mod">
+          <ac:chgData name="Greg Leake" userId="32827faac32acba3" providerId="LiveId" clId="{8656EB85-3D90-49AE-A343-8BFE0CE0C18E}" dt="2024-03-01T16:03:36.345" v="3312" actId="207"/>
+          <ac:spMkLst>
+            <pc:docMk/>
+            <pc:sldMk cId="522162681" sldId="289"/>
+            <ac:spMk id="3" creationId="{CC5E10E0-66E4-0F45-5A07-33FB961BAAC6}"/>
+          </ac:spMkLst>
+        </pc:spChg>
+        <pc:spChg chg="add mod">
+          <ac:chgData name="Greg Leake" userId="32827faac32acba3" providerId="LiveId" clId="{8656EB85-3D90-49AE-A343-8BFE0CE0C18E}" dt="2024-03-01T16:06:04.723" v="3349" actId="255"/>
+          <ac:spMkLst>
+            <pc:docMk/>
+            <pc:sldMk cId="522162681" sldId="289"/>
+            <ac:spMk id="4" creationId="{80BFCF5D-220E-DE3A-1B8D-60D3945493C1}"/>
+          </ac:spMkLst>
+        </pc:spChg>
+      </pc:sldChg>
+      <pc:sldChg chg="addSp delSp modSp new mod setBg">
+        <pc:chgData name="Greg Leake" userId="32827faac32acba3" providerId="LiveId" clId="{8656EB85-3D90-49AE-A343-8BFE0CE0C18E}" dt="2024-03-01T16:06:15.010" v="3352" actId="255"/>
+        <pc:sldMkLst>
+          <pc:docMk/>
+          <pc:sldMk cId="1862972620" sldId="290"/>
+        </pc:sldMkLst>
+        <pc:spChg chg="del">
+          <ac:chgData name="Greg Leake" userId="32827faac32acba3" providerId="LiveId" clId="{8656EB85-3D90-49AE-A343-8BFE0CE0C18E}" dt="2024-03-01T16:03:15.783" v="3309"/>
+          <ac:spMkLst>
+            <pc:docMk/>
+            <pc:sldMk cId="1862972620" sldId="290"/>
+            <ac:spMk id="2" creationId="{D7F5D9C2-F97F-E466-4FA3-8D524F0580B8}"/>
+          </ac:spMkLst>
+        </pc:spChg>
+        <pc:spChg chg="mod">
+          <ac:chgData name="Greg Leake" userId="32827faac32acba3" providerId="LiveId" clId="{8656EB85-3D90-49AE-A343-8BFE0CE0C18E}" dt="2024-03-01T16:03:41.404" v="3313" actId="207"/>
+          <ac:spMkLst>
+            <pc:docMk/>
+            <pc:sldMk cId="1862972620" sldId="290"/>
+            <ac:spMk id="3" creationId="{76C5517E-0B06-1534-1C74-40E199990CE7}"/>
+          </ac:spMkLst>
+        </pc:spChg>
+        <pc:spChg chg="add mod">
+          <ac:chgData name="Greg Leake" userId="32827faac32acba3" providerId="LiveId" clId="{8656EB85-3D90-49AE-A343-8BFE0CE0C18E}" dt="2024-03-01T16:06:15.010" v="3352" actId="255"/>
+          <ac:spMkLst>
+            <pc:docMk/>
+            <pc:sldMk cId="1862972620" sldId="290"/>
+            <ac:spMk id="4" creationId="{8D82BA5E-31CA-DDC7-DBAE-98D52F64F265}"/>
+          </ac:spMkLst>
+        </pc:spChg>
       </pc:sldChg>
     </pc:docChg>
   </pc:docChgLst>
@@ -11489,6 +11641,2299 @@
 </p:sld>
 </file>
 
+<file path=ppt/slides/slide21.xml><?xml version="1.0" encoding="utf-8"?>
+<p:sld xmlns:a="http://schemas.openxmlformats.org/drawingml/2006/main" xmlns:r="http://schemas.openxmlformats.org/officeDocument/2006/relationships" xmlns:p="http://schemas.openxmlformats.org/presentationml/2006/main">
+  <p:cSld>
+    <p:bg>
+      <p:bgPr>
+        <a:solidFill>
+          <a:schemeClr val="bg2">
+            <a:lumMod val="75000"/>
+          </a:schemeClr>
+        </a:solidFill>
+        <a:effectLst/>
+      </p:bgPr>
+    </p:bg>
+    <p:spTree>
+      <p:nvGrpSpPr>
+        <p:cNvPr id="1" name=""/>
+        <p:cNvGrpSpPr/>
+        <p:nvPr/>
+      </p:nvGrpSpPr>
+      <p:grpSpPr>
+        <a:xfrm>
+          <a:off x="0" y="0"/>
+          <a:ext cx="0" cy="0"/>
+          <a:chOff x="0" y="0"/>
+          <a:chExt cx="0" cy="0"/>
+        </a:xfrm>
+      </p:grpSpPr>
+      <p:sp>
+        <p:nvSpPr>
+          <p:cNvPr id="2" name="Title 1">
+            <a:extLst>
+              <a:ext uri="{FF2B5EF4-FFF2-40B4-BE49-F238E27FC236}">
+                <a16:creationId xmlns:a16="http://schemas.microsoft.com/office/drawing/2014/main" id="{2F652B5D-4364-A5A9-B62F-1273B5735074}"/>
+              </a:ext>
+            </a:extLst>
+          </p:cNvPr>
+          <p:cNvSpPr>
+            <a:spLocks noGrp="1"/>
+          </p:cNvSpPr>
+          <p:nvPr>
+            <p:ph type="title"/>
+          </p:nvPr>
+        </p:nvSpPr>
+        <p:spPr>
+          <a:xfrm>
+            <a:off x="296778" y="70351"/>
+            <a:ext cx="10515600" cy="1325563"/>
+          </a:xfrm>
+        </p:spPr>
+        <p:txBody>
+          <a:bodyPr>
+            <a:normAutofit fontScale="90000"/>
+          </a:bodyPr>
+          <a:lstStyle/>
+          <a:p>
+            <a:r>
+              <a:rPr lang="en-US" dirty="0">
+                <a:solidFill>
+                  <a:schemeClr val="bg1"/>
+                </a:solidFill>
+              </a:rPr>
+              <a:t>Some Interesting ChatGPT Interactions Extracted</a:t>
+            </a:r>
+            <a:br>
+              <a:rPr lang="en-US" dirty="0">
+                <a:solidFill>
+                  <a:schemeClr val="bg1"/>
+                </a:solidFill>
+              </a:rPr>
+            </a:br>
+            <a:r>
+              <a:rPr lang="en-US" sz="2000" dirty="0">
+                <a:solidFill>
+                  <a:schemeClr val="bg1"/>
+                </a:solidFill>
+              </a:rPr>
+              <a:t>See main Word document for all interactions, verbatim, categorized and in order, with my notes</a:t>
+            </a:r>
+            <a:endParaRPr lang="en-US" dirty="0">
+              <a:solidFill>
+                <a:schemeClr val="bg1"/>
+              </a:solidFill>
+            </a:endParaRPr>
+          </a:p>
+        </p:txBody>
+      </p:sp>
+      <p:sp>
+        <p:nvSpPr>
+          <p:cNvPr id="3" name="Content Placeholder 2">
+            <a:extLst>
+              <a:ext uri="{FF2B5EF4-FFF2-40B4-BE49-F238E27FC236}">
+                <a16:creationId xmlns:a16="http://schemas.microsoft.com/office/drawing/2014/main" id="{8EDC2056-517C-00EB-176C-B950EF7433F6}"/>
+              </a:ext>
+            </a:extLst>
+          </p:cNvPr>
+          <p:cNvSpPr>
+            <a:spLocks noGrp="1"/>
+          </p:cNvSpPr>
+          <p:nvPr>
+            <p:ph idx="1"/>
+          </p:nvPr>
+        </p:nvSpPr>
+        <p:spPr>
+          <a:xfrm>
+            <a:off x="838200" y="1825625"/>
+            <a:ext cx="10826416" cy="4351338"/>
+          </a:xfrm>
+        </p:spPr>
+        <p:txBody>
+          <a:bodyPr>
+            <a:normAutofit/>
+          </a:bodyPr>
+          <a:lstStyle/>
+          <a:p>
+            <a:pPr marL="0">
+              <a:lnSpc>
+                <a:spcPct val="107000"/>
+              </a:lnSpc>
+              <a:spcBef>
+                <a:spcPts val="0"/>
+              </a:spcBef>
+              <a:spcAft>
+                <a:spcPts val="800"/>
+              </a:spcAft>
+            </a:pPr>
+            <a:r>
+              <a:rPr lang="en-US" sz="1800" b="1" dirty="0">
+                <a:solidFill>
+                  <a:schemeClr val="bg1"/>
+                </a:solidFill>
+                <a:effectLst/>
+                <a:latin typeface="Aptos" panose="020B0004020202020204" pitchFamily="34" charset="0"/>
+                <a:ea typeface="Aptos" panose="020B0004020202020204" pitchFamily="34" charset="0"/>
+                <a:cs typeface="Aptos" panose="020B0004020202020204" pitchFamily="34" charset="0"/>
+              </a:rPr>
+              <a:t>ChatGPT Input: “</a:t>
+            </a:r>
+            <a:r>
+              <a:rPr lang="en-US" sz="1800" dirty="0">
+                <a:solidFill>
+                  <a:schemeClr val="bg1"/>
+                </a:solidFill>
+                <a:effectLst/>
+                <a:latin typeface="Aptos" panose="020B0004020202020204" pitchFamily="34" charset="0"/>
+                <a:ea typeface="Aptos" panose="020B0004020202020204" pitchFamily="34" charset="0"/>
+                <a:cs typeface="Aptos" panose="020B0004020202020204" pitchFamily="34" charset="0"/>
+              </a:rPr>
+              <a:t>Assume I am migrating a VB.NET WinForms app to .NET 8 Blazor Server app, targeting the Microsoft </a:t>
+            </a:r>
+            <a:r>
+              <a:rPr lang="en-US" sz="1800" dirty="0" err="1">
+                <a:solidFill>
+                  <a:schemeClr val="bg1"/>
+                </a:solidFill>
+                <a:effectLst/>
+                <a:latin typeface="Aptos" panose="020B0004020202020204" pitchFamily="34" charset="0"/>
+                <a:ea typeface="Aptos" panose="020B0004020202020204" pitchFamily="34" charset="0"/>
+                <a:cs typeface="Aptos" panose="020B0004020202020204" pitchFamily="34" charset="0"/>
+              </a:rPr>
+              <a:t>EntityFrameworkCore</a:t>
+            </a:r>
+            <a:r>
+              <a:rPr lang="en-US" sz="1800" dirty="0">
+                <a:solidFill>
+                  <a:schemeClr val="bg1"/>
+                </a:solidFill>
+                <a:effectLst/>
+                <a:latin typeface="Aptos" panose="020B0004020202020204" pitchFamily="34" charset="0"/>
+                <a:ea typeface="Aptos" panose="020B0004020202020204" pitchFamily="34" charset="0"/>
+                <a:cs typeface="Aptos" panose="020B0004020202020204" pitchFamily="34" charset="0"/>
+              </a:rPr>
+              <a:t> 8.0.2 for all questions.</a:t>
+            </a:r>
+          </a:p>
+          <a:p>
+            <a:pPr marL="0">
+              <a:lnSpc>
+                <a:spcPct val="107000"/>
+              </a:lnSpc>
+              <a:spcBef>
+                <a:spcPts val="0"/>
+              </a:spcBef>
+              <a:spcAft>
+                <a:spcPts val="800"/>
+              </a:spcAft>
+            </a:pPr>
+            <a:r>
+              <a:rPr lang="en-US" sz="1800" b="1" dirty="0">
+                <a:solidFill>
+                  <a:schemeClr val="bg1"/>
+                </a:solidFill>
+                <a:effectLst/>
+                <a:latin typeface="Aptos" panose="020B0004020202020204" pitchFamily="34" charset="0"/>
+                <a:ea typeface="Aptos" panose="020B0004020202020204" pitchFamily="34" charset="0"/>
+                <a:cs typeface="Aptos" panose="020B0004020202020204" pitchFamily="34" charset="0"/>
+              </a:rPr>
+              <a:t>Output</a:t>
+            </a:r>
+            <a:br>
+              <a:rPr lang="en-US" sz="1800" dirty="0">
+                <a:solidFill>
+                  <a:schemeClr val="bg1"/>
+                </a:solidFill>
+                <a:effectLst/>
+                <a:latin typeface="Aptos" panose="020B0004020202020204" pitchFamily="34" charset="0"/>
+                <a:ea typeface="Aptos" panose="020B0004020202020204" pitchFamily="34" charset="0"/>
+                <a:cs typeface="Aptos" panose="020B0004020202020204" pitchFamily="34" charset="0"/>
+              </a:rPr>
+            </a:br>
+            <a:r>
+              <a:rPr lang="en-US" sz="1500" dirty="0">
+                <a:solidFill>
+                  <a:schemeClr val="bg1"/>
+                </a:solidFill>
+                <a:effectLst/>
+                <a:latin typeface="Aptos" panose="020B0004020202020204" pitchFamily="34" charset="0"/>
+                <a:ea typeface="Aptos" panose="020B0004020202020204" pitchFamily="34" charset="0"/>
+                <a:cs typeface="Aptos" panose="020B0004020202020204" pitchFamily="34" charset="0"/>
+              </a:rPr>
+              <a:t>Understood, your context for all questions is the migration of a VB.NET WinForms application to a .NET 8 Blazor Server application, with a focus on utilizing Microsoft </a:t>
+            </a:r>
+            <a:r>
+              <a:rPr lang="en-US" sz="1500" dirty="0" err="1">
+                <a:solidFill>
+                  <a:schemeClr val="bg1"/>
+                </a:solidFill>
+                <a:effectLst/>
+                <a:latin typeface="Aptos" panose="020B0004020202020204" pitchFamily="34" charset="0"/>
+                <a:ea typeface="Aptos" panose="020B0004020202020204" pitchFamily="34" charset="0"/>
+                <a:cs typeface="Aptos" panose="020B0004020202020204" pitchFamily="34" charset="0"/>
+              </a:rPr>
+              <a:t>EntityFrameworkCore</a:t>
+            </a:r>
+            <a:r>
+              <a:rPr lang="en-US" sz="1500" dirty="0">
+                <a:solidFill>
+                  <a:schemeClr val="bg1"/>
+                </a:solidFill>
+                <a:effectLst/>
+                <a:latin typeface="Aptos" panose="020B0004020202020204" pitchFamily="34" charset="0"/>
+                <a:ea typeface="Aptos" panose="020B0004020202020204" pitchFamily="34" charset="0"/>
+                <a:cs typeface="Aptos" panose="020B0004020202020204" pitchFamily="34" charset="0"/>
+              </a:rPr>
+              <a:t> 8.0.2. Please go ahead with your specific questions or concerns regarding this migration process.</a:t>
+            </a:r>
+          </a:p>
+          <a:p>
+            <a:pPr marL="0" marR="0">
+              <a:lnSpc>
+                <a:spcPct val="107000"/>
+              </a:lnSpc>
+              <a:spcBef>
+                <a:spcPts val="0"/>
+              </a:spcBef>
+              <a:spcAft>
+                <a:spcPts val="800"/>
+              </a:spcAft>
+            </a:pPr>
+            <a:r>
+              <a:rPr lang="en-US" sz="1800" b="1" dirty="0">
+                <a:solidFill>
+                  <a:schemeClr val="bg1"/>
+                </a:solidFill>
+                <a:effectLst/>
+                <a:latin typeface="Aptos" panose="020B0004020202020204" pitchFamily="34" charset="0"/>
+                <a:ea typeface="Aptos" panose="020B0004020202020204" pitchFamily="34" charset="0"/>
+                <a:cs typeface="Aptos" panose="020B0004020202020204" pitchFamily="34" charset="0"/>
+              </a:rPr>
+              <a:t>ChatGPT Input: </a:t>
+            </a:r>
+            <a:r>
+              <a:rPr lang="en-US" sz="1800" dirty="0">
+                <a:solidFill>
+                  <a:schemeClr val="bg1"/>
+                </a:solidFill>
+                <a:effectLst/>
+                <a:latin typeface="Aptos" panose="020B0004020202020204" pitchFamily="34" charset="0"/>
+                <a:ea typeface="Aptos" panose="020B0004020202020204" pitchFamily="34" charset="0"/>
+                <a:cs typeface="Aptos" panose="020B0004020202020204" pitchFamily="34" charset="0"/>
+              </a:rPr>
+              <a:t>“Do you have my context/instructions from last interaction?”  </a:t>
+            </a:r>
+          </a:p>
+          <a:p>
+            <a:pPr marL="0" marR="0">
+              <a:lnSpc>
+                <a:spcPct val="107000"/>
+              </a:lnSpc>
+              <a:spcBef>
+                <a:spcPts val="800"/>
+              </a:spcBef>
+              <a:spcAft>
+                <a:spcPts val="400"/>
+              </a:spcAft>
+            </a:pPr>
+            <a:r>
+              <a:rPr lang="en-US" sz="1800" b="1" dirty="0">
+                <a:solidFill>
+                  <a:schemeClr val="bg1"/>
+                </a:solidFill>
+                <a:effectLst/>
+                <a:latin typeface="Aptos" panose="020B0004020202020204" pitchFamily="34" charset="0"/>
+                <a:ea typeface="Times New Roman" panose="02020603050405020304" pitchFamily="18" charset="0"/>
+                <a:cs typeface="Times New Roman" panose="02020603050405020304" pitchFamily="18" charset="0"/>
+              </a:rPr>
+              <a:t>Output</a:t>
+            </a:r>
+          </a:p>
+          <a:p>
+            <a:pPr marL="0" marR="0" indent="0">
+              <a:lnSpc>
+                <a:spcPct val="107000"/>
+              </a:lnSpc>
+              <a:spcBef>
+                <a:spcPts val="0"/>
+              </a:spcBef>
+              <a:spcAft>
+                <a:spcPts val="800"/>
+              </a:spcAft>
+              <a:buNone/>
+            </a:pPr>
+            <a:r>
+              <a:rPr lang="en-US" sz="1400" dirty="0">
+                <a:solidFill>
+                  <a:schemeClr val="bg1"/>
+                </a:solidFill>
+                <a:effectLst/>
+                <a:latin typeface="Aptos" panose="020B0004020202020204" pitchFamily="34" charset="0"/>
+                <a:ea typeface="Aptos" panose="020B0004020202020204" pitchFamily="34" charset="0"/>
+                <a:cs typeface="Aptos" panose="020B0004020202020204" pitchFamily="34" charset="0"/>
+              </a:rPr>
+              <a:t>I don't have access to our previous interactions or any context from them once the conversation ends or if you start a new session. Each session with me is stateless, meaning I don't retain memory of past conversations…. A "session" with me lasts as long as our continuous interaction without a significant pause. If you close the chat window, refresh the page, or there's a long period of inactivity (usually around 30 minutes), the session will end, and any context from that session will be lost. If you start a new conversation, it will be considered a new session, and I won't have access to any information or context from previous sessions.</a:t>
+            </a:r>
+            <a:br>
+              <a:rPr lang="en-US" sz="1400" dirty="0">
+                <a:solidFill>
+                  <a:schemeClr val="bg1"/>
+                </a:solidFill>
+                <a:effectLst/>
+                <a:latin typeface="Aptos" panose="020B0004020202020204" pitchFamily="34" charset="0"/>
+                <a:ea typeface="Aptos" panose="020B0004020202020204" pitchFamily="34" charset="0"/>
+                <a:cs typeface="Aptos" panose="020B0004020202020204" pitchFamily="34" charset="0"/>
+              </a:rPr>
+            </a:br>
+            <a:r>
+              <a:rPr lang="en-US" sz="1400" dirty="0">
+                <a:solidFill>
+                  <a:schemeClr val="bg1"/>
+                </a:solidFill>
+                <a:effectLst/>
+                <a:latin typeface="Aptos" panose="020B0004020202020204" pitchFamily="34" charset="0"/>
+                <a:ea typeface="Aptos" panose="020B0004020202020204" pitchFamily="34" charset="0"/>
+                <a:cs typeface="Aptos" panose="020B0004020202020204" pitchFamily="34" charset="0"/>
+              </a:rPr>
+              <a:t> How can I assist you today?</a:t>
+            </a:r>
+          </a:p>
+          <a:p>
+            <a:endParaRPr lang="en-US" dirty="0">
+              <a:solidFill>
+                <a:schemeClr val="bg1"/>
+              </a:solidFill>
+            </a:endParaRPr>
+          </a:p>
+        </p:txBody>
+      </p:sp>
+      <p:sp>
+        <p:nvSpPr>
+          <p:cNvPr id="4" name="TextBox 3">
+            <a:extLst>
+              <a:ext uri="{FF2B5EF4-FFF2-40B4-BE49-F238E27FC236}">
+                <a16:creationId xmlns:a16="http://schemas.microsoft.com/office/drawing/2014/main" id="{5C95495C-1082-D8D2-85B9-7F189607D05D}"/>
+              </a:ext>
+            </a:extLst>
+          </p:cNvPr>
+          <p:cNvSpPr txBox="1"/>
+          <p:nvPr/>
+        </p:nvSpPr>
+        <p:spPr>
+          <a:xfrm>
+            <a:off x="2701090" y="1348038"/>
+            <a:ext cx="6473439" cy="369332"/>
+          </a:xfrm>
+          <a:prstGeom prst="rect">
+            <a:avLst/>
+          </a:prstGeom>
+          <a:noFill/>
+        </p:spPr>
+        <p:txBody>
+          <a:bodyPr wrap="none" rtlCol="0">
+            <a:spAutoFit/>
+          </a:bodyPr>
+          <a:lstStyle/>
+          <a:p>
+            <a:r>
+              <a:rPr lang="en-US" u="sng" dirty="0">
+                <a:solidFill>
+                  <a:schemeClr val="bg1"/>
+                </a:solidFill>
+              </a:rPr>
+              <a:t>Setting Context for Ongoing Conversation Across Many Interactions</a:t>
+            </a:r>
+          </a:p>
+        </p:txBody>
+      </p:sp>
+    </p:spTree>
+    <p:extLst>
+      <p:ext uri="{BB962C8B-B14F-4D97-AF65-F5344CB8AC3E}">
+        <p14:creationId xmlns:p14="http://schemas.microsoft.com/office/powerpoint/2010/main" val="310780153"/>
+      </p:ext>
+    </p:extLst>
+  </p:cSld>
+  <p:clrMapOvr>
+    <a:masterClrMapping/>
+  </p:clrMapOvr>
+</p:sld>
+</file>
+
+<file path=ppt/slides/slide22.xml><?xml version="1.0" encoding="utf-8"?>
+<p:sld xmlns:a="http://schemas.openxmlformats.org/drawingml/2006/main" xmlns:r="http://schemas.openxmlformats.org/officeDocument/2006/relationships" xmlns:p="http://schemas.openxmlformats.org/presentationml/2006/main">
+  <p:cSld>
+    <p:bg>
+      <p:bgPr>
+        <a:solidFill>
+          <a:schemeClr val="bg2">
+            <a:lumMod val="75000"/>
+          </a:schemeClr>
+        </a:solidFill>
+        <a:effectLst/>
+      </p:bgPr>
+    </p:bg>
+    <p:spTree>
+      <p:nvGrpSpPr>
+        <p:cNvPr id="1" name=""/>
+        <p:cNvGrpSpPr/>
+        <p:nvPr/>
+      </p:nvGrpSpPr>
+      <p:grpSpPr>
+        <a:xfrm>
+          <a:off x="0" y="0"/>
+          <a:ext cx="0" cy="0"/>
+          <a:chOff x="0" y="0"/>
+          <a:chExt cx="0" cy="0"/>
+        </a:xfrm>
+      </p:grpSpPr>
+      <p:sp>
+        <p:nvSpPr>
+          <p:cNvPr id="2" name="Title 1">
+            <a:extLst>
+              <a:ext uri="{FF2B5EF4-FFF2-40B4-BE49-F238E27FC236}">
+                <a16:creationId xmlns:a16="http://schemas.microsoft.com/office/drawing/2014/main" id="{4070A212-F0F0-FC69-8096-C76C2EBEFE1D}"/>
+              </a:ext>
+            </a:extLst>
+          </p:cNvPr>
+          <p:cNvSpPr>
+            <a:spLocks noGrp="1"/>
+          </p:cNvSpPr>
+          <p:nvPr>
+            <p:ph type="title"/>
+          </p:nvPr>
+        </p:nvSpPr>
+        <p:spPr/>
+        <p:txBody>
+          <a:bodyPr/>
+          <a:lstStyle/>
+          <a:p>
+            <a:r>
+              <a:rPr lang="en-US" dirty="0">
+                <a:solidFill>
+                  <a:schemeClr val="bg1"/>
+                </a:solidFill>
+              </a:rPr>
+              <a:t>ChatGPT Interaction 1 – The Process/Steps</a:t>
+            </a:r>
+          </a:p>
+        </p:txBody>
+      </p:sp>
+      <p:sp>
+        <p:nvSpPr>
+          <p:cNvPr id="3" name="Content Placeholder 2">
+            <a:extLst>
+              <a:ext uri="{FF2B5EF4-FFF2-40B4-BE49-F238E27FC236}">
+                <a16:creationId xmlns:a16="http://schemas.microsoft.com/office/drawing/2014/main" id="{401B3B03-ED5A-3044-5F89-B155E08F13A6}"/>
+              </a:ext>
+            </a:extLst>
+          </p:cNvPr>
+          <p:cNvSpPr>
+            <a:spLocks noGrp="1"/>
+          </p:cNvSpPr>
+          <p:nvPr>
+            <p:ph idx="1"/>
+          </p:nvPr>
+        </p:nvSpPr>
+        <p:spPr>
+          <a:xfrm>
+            <a:off x="838200" y="1690688"/>
+            <a:ext cx="10515600" cy="4802187"/>
+          </a:xfrm>
+        </p:spPr>
+        <p:txBody>
+          <a:bodyPr>
+            <a:normAutofit lnSpcReduction="10000"/>
+          </a:bodyPr>
+          <a:lstStyle/>
+          <a:p>
+            <a:pPr marL="0" marR="0">
+              <a:lnSpc>
+                <a:spcPct val="107000"/>
+              </a:lnSpc>
+              <a:spcBef>
+                <a:spcPts val="800"/>
+              </a:spcBef>
+              <a:spcAft>
+                <a:spcPts val="400"/>
+              </a:spcAft>
+            </a:pPr>
+            <a:r>
+              <a:rPr lang="en-US" sz="1800" b="1" dirty="0">
+                <a:solidFill>
+                  <a:schemeClr val="bg1"/>
+                </a:solidFill>
+                <a:effectLst/>
+                <a:latin typeface="Aptos" panose="020B0004020202020204" pitchFamily="34" charset="0"/>
+                <a:ea typeface="Times New Roman" panose="02020603050405020304" pitchFamily="18" charset="0"/>
+                <a:cs typeface="Times New Roman" panose="02020603050405020304" pitchFamily="18" charset="0"/>
+              </a:rPr>
+              <a:t>ChatGPT Input: “</a:t>
+            </a:r>
+            <a:r>
+              <a:rPr lang="en-US" sz="1800" dirty="0">
+                <a:solidFill>
+                  <a:schemeClr val="bg1"/>
+                </a:solidFill>
+                <a:effectLst/>
+                <a:latin typeface="Aptos" panose="020B0004020202020204" pitchFamily="34" charset="0"/>
+                <a:ea typeface="Aptos" panose="020B0004020202020204" pitchFamily="34" charset="0"/>
+                <a:cs typeface="Aptos" panose="020B0004020202020204" pitchFamily="34" charset="0"/>
+              </a:rPr>
+              <a:t>Can you tell me the basic steps to migrate a VB.NET </a:t>
+            </a:r>
+            <a:r>
+              <a:rPr lang="en-US" sz="1800" dirty="0" err="1">
+                <a:solidFill>
+                  <a:schemeClr val="bg1"/>
+                </a:solidFill>
+                <a:effectLst/>
+                <a:latin typeface="Aptos" panose="020B0004020202020204" pitchFamily="34" charset="0"/>
+                <a:ea typeface="Aptos" panose="020B0004020202020204" pitchFamily="34" charset="0"/>
+                <a:cs typeface="Aptos" panose="020B0004020202020204" pitchFamily="34" charset="0"/>
+              </a:rPr>
+              <a:t>WinForm</a:t>
+            </a:r>
+            <a:r>
+              <a:rPr lang="en-US" sz="1800" dirty="0">
+                <a:solidFill>
+                  <a:schemeClr val="bg1"/>
+                </a:solidFill>
+                <a:effectLst/>
+                <a:latin typeface="Aptos" panose="020B0004020202020204" pitchFamily="34" charset="0"/>
+                <a:ea typeface="Aptos" panose="020B0004020202020204" pitchFamily="34" charset="0"/>
+                <a:cs typeface="Aptos" panose="020B0004020202020204" pitchFamily="34" charset="0"/>
+              </a:rPr>
+              <a:t> Application to a Blazor Application?”</a:t>
+            </a:r>
+            <a:br>
+              <a:rPr lang="en-US" sz="1800" dirty="0">
+                <a:solidFill>
+                  <a:schemeClr val="bg1"/>
+                </a:solidFill>
+                <a:effectLst/>
+                <a:latin typeface="Aptos" panose="020B0004020202020204" pitchFamily="34" charset="0"/>
+                <a:ea typeface="Aptos" panose="020B0004020202020204" pitchFamily="34" charset="0"/>
+                <a:cs typeface="Aptos" panose="020B0004020202020204" pitchFamily="34" charset="0"/>
+              </a:rPr>
+            </a:br>
+            <a:endParaRPr lang="en-US" sz="1800" dirty="0">
+              <a:solidFill>
+                <a:schemeClr val="bg1"/>
+              </a:solidFill>
+              <a:effectLst/>
+              <a:latin typeface="Aptos" panose="020B0004020202020204" pitchFamily="34" charset="0"/>
+              <a:ea typeface="Aptos" panose="020B0004020202020204" pitchFamily="34" charset="0"/>
+              <a:cs typeface="Aptos" panose="020B0004020202020204" pitchFamily="34" charset="0"/>
+            </a:endParaRPr>
+          </a:p>
+          <a:p>
+            <a:pPr marL="0" marR="0">
+              <a:lnSpc>
+                <a:spcPct val="107000"/>
+              </a:lnSpc>
+              <a:spcBef>
+                <a:spcPts val="0"/>
+              </a:spcBef>
+              <a:spcAft>
+                <a:spcPts val="800"/>
+              </a:spcAft>
+            </a:pPr>
+            <a:r>
+              <a:rPr lang="en-US" sz="1800" b="1" dirty="0">
+                <a:solidFill>
+                  <a:schemeClr val="bg1"/>
+                </a:solidFill>
+                <a:latin typeface="Aptos" panose="020B0004020202020204" pitchFamily="34" charset="0"/>
+                <a:ea typeface="Aptos" panose="020B0004020202020204" pitchFamily="34" charset="0"/>
+                <a:cs typeface="Aptos" panose="020B0004020202020204" pitchFamily="34" charset="0"/>
+              </a:rPr>
+              <a:t>Output</a:t>
+            </a:r>
+            <a:br>
+              <a:rPr lang="en-US" sz="1800" dirty="0">
+                <a:solidFill>
+                  <a:schemeClr val="bg1"/>
+                </a:solidFill>
+                <a:latin typeface="Aptos" panose="020B0004020202020204" pitchFamily="34" charset="0"/>
+                <a:ea typeface="Aptos" panose="020B0004020202020204" pitchFamily="34" charset="0"/>
+                <a:cs typeface="Aptos" panose="020B0004020202020204" pitchFamily="34" charset="0"/>
+              </a:rPr>
+            </a:br>
+            <a:r>
+              <a:rPr lang="en-US" sz="1300" dirty="0">
+                <a:solidFill>
+                  <a:schemeClr val="bg1"/>
+                </a:solidFill>
+                <a:effectLst/>
+                <a:ea typeface="Aptos" panose="020B0004020202020204" pitchFamily="34" charset="0"/>
+                <a:cs typeface="Aptos" panose="020B0004020202020204" pitchFamily="34" charset="0"/>
+              </a:rPr>
+              <a:t>Migrating a V</a:t>
+            </a:r>
+            <a:r>
+              <a:rPr lang="en-US" sz="1400" dirty="0">
+                <a:solidFill>
+                  <a:schemeClr val="bg1"/>
+                </a:solidFill>
+                <a:effectLst/>
+                <a:ea typeface="Aptos" panose="020B0004020202020204" pitchFamily="34" charset="0"/>
+                <a:cs typeface="Aptos" panose="020B0004020202020204" pitchFamily="34" charset="0"/>
+              </a:rPr>
+              <a:t>B.NET WinForms application to a Blazor application involves several significant changes, primarily because you are moving from a desktop framework to a web framework. This migration involves not just a change in programming language syntax (from VB.NET to C# in most cases, as Blazor uses C#), but also a fundamental shift in how the application's architecture is designed, how the UI is rendered, and how data is managed and communicated.</a:t>
+            </a:r>
+          </a:p>
+          <a:p>
+            <a:pPr marL="0" marR="0" indent="0">
+              <a:lnSpc>
+                <a:spcPct val="107000"/>
+              </a:lnSpc>
+              <a:spcBef>
+                <a:spcPts val="0"/>
+              </a:spcBef>
+              <a:spcAft>
+                <a:spcPts val="800"/>
+              </a:spcAft>
+              <a:buNone/>
+            </a:pPr>
+            <a:r>
+              <a:rPr lang="en-US" sz="1400" dirty="0">
+                <a:solidFill>
+                  <a:schemeClr val="bg1"/>
+                </a:solidFill>
+                <a:effectLst/>
+                <a:ea typeface="Aptos" panose="020B0004020202020204" pitchFamily="34" charset="0"/>
+                <a:cs typeface="Aptos" panose="020B0004020202020204" pitchFamily="34" charset="0"/>
+              </a:rPr>
+              <a:t>Here are the basic steps for migrating a VB.NET WinForms application to a Blazor application:</a:t>
+            </a:r>
+          </a:p>
+          <a:p>
+            <a:pPr marL="0" marR="0">
+              <a:lnSpc>
+                <a:spcPct val="107000"/>
+              </a:lnSpc>
+              <a:spcBef>
+                <a:spcPts val="0"/>
+              </a:spcBef>
+              <a:spcAft>
+                <a:spcPts val="800"/>
+              </a:spcAft>
+            </a:pPr>
+            <a:r>
+              <a:rPr lang="en-US" sz="1400" b="1" dirty="0">
+                <a:solidFill>
+                  <a:schemeClr val="bg1"/>
+                </a:solidFill>
+                <a:effectLst/>
+                <a:ea typeface="Aptos" panose="020B0004020202020204" pitchFamily="34" charset="0"/>
+                <a:cs typeface="Aptos" panose="020B0004020202020204" pitchFamily="34" charset="0"/>
+              </a:rPr>
+              <a:t>1. Analyze and Plan:</a:t>
+            </a:r>
+            <a:endParaRPr lang="en-US" sz="1400" dirty="0">
+              <a:solidFill>
+                <a:schemeClr val="bg1"/>
+              </a:solidFill>
+              <a:effectLst/>
+              <a:ea typeface="Aptos" panose="020B0004020202020204" pitchFamily="34" charset="0"/>
+              <a:cs typeface="Aptos" panose="020B0004020202020204" pitchFamily="34" charset="0"/>
+            </a:endParaRPr>
+          </a:p>
+          <a:p>
+            <a:pPr marL="342900" marR="0" lvl="0" indent="-342900">
+              <a:lnSpc>
+                <a:spcPct val="107000"/>
+              </a:lnSpc>
+              <a:spcBef>
+                <a:spcPts val="0"/>
+              </a:spcBef>
+              <a:spcAft>
+                <a:spcPts val="800"/>
+              </a:spcAft>
+              <a:buSzPts val="1000"/>
+              <a:buFont typeface="Arial" panose="020B0604020202020204" pitchFamily="34" charset="0"/>
+              <a:buChar char="●"/>
+            </a:pPr>
+            <a:r>
+              <a:rPr lang="en-US" sz="1400" b="1" dirty="0">
+                <a:solidFill>
+                  <a:schemeClr val="bg1"/>
+                </a:solidFill>
+                <a:effectLst/>
+                <a:ea typeface="Noto Sans Symbols"/>
+                <a:cs typeface="Noto Sans Symbols"/>
+              </a:rPr>
+              <a:t>Assess the WinForms Application:</a:t>
+            </a:r>
+            <a:r>
+              <a:rPr lang="en-US" sz="1400" dirty="0">
+                <a:solidFill>
+                  <a:schemeClr val="bg1"/>
+                </a:solidFill>
+                <a:effectLst/>
+                <a:ea typeface="Noto Sans Symbols"/>
+                <a:cs typeface="Noto Sans Symbols"/>
+              </a:rPr>
+              <a:t> Understand the structure, features, and complexities of your current application. Identify core functionalities, third-party dependencies, and custom controls used in the app.</a:t>
+            </a:r>
+          </a:p>
+          <a:p>
+            <a:pPr marL="342900" marR="0" lvl="0" indent="-342900">
+              <a:lnSpc>
+                <a:spcPct val="107000"/>
+              </a:lnSpc>
+              <a:spcBef>
+                <a:spcPts val="0"/>
+              </a:spcBef>
+              <a:spcAft>
+                <a:spcPts val="800"/>
+              </a:spcAft>
+              <a:buSzPts val="1000"/>
+              <a:buFont typeface="Arial" panose="020B0604020202020204" pitchFamily="34" charset="0"/>
+              <a:buChar char="●"/>
+            </a:pPr>
+            <a:r>
+              <a:rPr lang="en-US" sz="1400" b="1" dirty="0">
+                <a:solidFill>
+                  <a:schemeClr val="bg1"/>
+                </a:solidFill>
+                <a:effectLst/>
+                <a:ea typeface="Noto Sans Symbols"/>
+                <a:cs typeface="Noto Sans Symbols"/>
+              </a:rPr>
+              <a:t>Define the Scope:</a:t>
+            </a:r>
+            <a:r>
+              <a:rPr lang="en-US" sz="1400" dirty="0">
+                <a:solidFill>
+                  <a:schemeClr val="bg1"/>
+                </a:solidFill>
+                <a:effectLst/>
+                <a:ea typeface="Noto Sans Symbols"/>
+                <a:cs typeface="Noto Sans Symbols"/>
+              </a:rPr>
+              <a:t> Decide which features need to be migrated and which can be redesigned or omitted. This might be a good opportunity to refactor or improve parts of the application.</a:t>
+            </a:r>
+          </a:p>
+          <a:p>
+            <a:pPr marL="342900" marR="0" lvl="0" indent="-342900">
+              <a:lnSpc>
+                <a:spcPct val="107000"/>
+              </a:lnSpc>
+              <a:spcBef>
+                <a:spcPts val="0"/>
+              </a:spcBef>
+              <a:spcAft>
+                <a:spcPts val="800"/>
+              </a:spcAft>
+              <a:buSzPts val="1000"/>
+              <a:buFont typeface="Arial" panose="020B0604020202020204" pitchFamily="34" charset="0"/>
+              <a:buChar char="●"/>
+            </a:pPr>
+            <a:r>
+              <a:rPr lang="en-US" sz="1400" b="1" dirty="0">
+                <a:solidFill>
+                  <a:schemeClr val="bg1"/>
+                </a:solidFill>
+                <a:effectLst/>
+                <a:ea typeface="Noto Sans Symbols"/>
+                <a:cs typeface="Noto Sans Symbols"/>
+              </a:rPr>
+              <a:t>Plan the Architecture:</a:t>
+            </a:r>
+            <a:r>
+              <a:rPr lang="en-US" sz="1400" dirty="0">
+                <a:solidFill>
+                  <a:schemeClr val="bg1"/>
+                </a:solidFill>
+                <a:effectLst/>
+                <a:ea typeface="Noto Sans Symbols"/>
+                <a:cs typeface="Noto Sans Symbols"/>
+              </a:rPr>
+              <a:t> Blazor applications can be developed as Blazor Server or Blazor </a:t>
+            </a:r>
+            <a:r>
+              <a:rPr lang="en-US" sz="1400" dirty="0" err="1">
+                <a:solidFill>
+                  <a:schemeClr val="bg1"/>
+                </a:solidFill>
+                <a:effectLst/>
+                <a:ea typeface="Noto Sans Symbols"/>
+                <a:cs typeface="Noto Sans Symbols"/>
+              </a:rPr>
+              <a:t>WebAssembly</a:t>
+            </a:r>
+            <a:r>
+              <a:rPr lang="en-US" sz="1400" dirty="0">
+                <a:solidFill>
+                  <a:schemeClr val="bg1"/>
+                </a:solidFill>
+                <a:effectLst/>
+                <a:ea typeface="Noto Sans Symbols"/>
+                <a:cs typeface="Noto Sans Symbols"/>
+              </a:rPr>
+              <a:t>. Choose the one that best fits your needs. Blazor Server executes on the server and uses </a:t>
+            </a:r>
+            <a:r>
+              <a:rPr lang="en-US" sz="1400" dirty="0" err="1">
+                <a:solidFill>
+                  <a:schemeClr val="bg1"/>
+                </a:solidFill>
+                <a:effectLst/>
+                <a:ea typeface="Noto Sans Symbols"/>
+                <a:cs typeface="Noto Sans Symbols"/>
+              </a:rPr>
+              <a:t>SignalR</a:t>
+            </a:r>
+            <a:r>
+              <a:rPr lang="en-US" sz="1400" dirty="0">
+                <a:solidFill>
+                  <a:schemeClr val="bg1"/>
+                </a:solidFill>
+                <a:effectLst/>
+                <a:ea typeface="Noto Sans Symbols"/>
+                <a:cs typeface="Noto Sans Symbols"/>
+              </a:rPr>
+              <a:t> to communicate with the client, while Blazor </a:t>
+            </a:r>
+            <a:r>
+              <a:rPr lang="en-US" sz="1400" dirty="0" err="1">
+                <a:solidFill>
+                  <a:schemeClr val="bg1"/>
+                </a:solidFill>
+                <a:effectLst/>
+                <a:ea typeface="Noto Sans Symbols"/>
+                <a:cs typeface="Noto Sans Symbols"/>
+              </a:rPr>
+              <a:t>WebAssembly</a:t>
+            </a:r>
+            <a:r>
+              <a:rPr lang="en-US" sz="1400" dirty="0">
+                <a:solidFill>
+                  <a:schemeClr val="bg1"/>
+                </a:solidFill>
+                <a:effectLst/>
+                <a:ea typeface="Noto Sans Symbols"/>
+                <a:cs typeface="Noto Sans Symbols"/>
+              </a:rPr>
+              <a:t> runs directly in the browser using </a:t>
+            </a:r>
+            <a:r>
+              <a:rPr lang="en-US" sz="1400" dirty="0" err="1">
+                <a:solidFill>
+                  <a:schemeClr val="bg1"/>
+                </a:solidFill>
+                <a:effectLst/>
+                <a:ea typeface="Noto Sans Symbols"/>
+                <a:cs typeface="Noto Sans Symbols"/>
+              </a:rPr>
+              <a:t>WebAssembly</a:t>
+            </a:r>
+            <a:r>
+              <a:rPr lang="en-US" sz="1400" dirty="0">
+                <a:solidFill>
+                  <a:schemeClr val="bg1"/>
+                </a:solidFill>
+                <a:effectLst/>
+                <a:ea typeface="Noto Sans Symbols"/>
+                <a:cs typeface="Noto Sans Symbols"/>
+              </a:rPr>
+              <a:t>.</a:t>
+            </a:r>
+          </a:p>
+          <a:p>
+            <a:pPr marL="0" marR="0">
+              <a:lnSpc>
+                <a:spcPct val="107000"/>
+              </a:lnSpc>
+              <a:spcBef>
+                <a:spcPts val="800"/>
+              </a:spcBef>
+              <a:spcAft>
+                <a:spcPts val="400"/>
+              </a:spcAft>
+            </a:pPr>
+            <a:endParaRPr lang="en-US" sz="1800" dirty="0">
+              <a:solidFill>
+                <a:schemeClr val="bg1"/>
+              </a:solidFill>
+              <a:effectLst/>
+              <a:latin typeface="Aptos" panose="020B0004020202020204" pitchFamily="34" charset="0"/>
+              <a:ea typeface="Aptos" panose="020B0004020202020204" pitchFamily="34" charset="0"/>
+              <a:cs typeface="Aptos" panose="020B0004020202020204" pitchFamily="34" charset="0"/>
+            </a:endParaRPr>
+          </a:p>
+          <a:p>
+            <a:endParaRPr lang="en-US" dirty="0">
+              <a:solidFill>
+                <a:schemeClr val="bg1"/>
+              </a:solidFill>
+            </a:endParaRPr>
+          </a:p>
+        </p:txBody>
+      </p:sp>
+    </p:spTree>
+    <p:extLst>
+      <p:ext uri="{BB962C8B-B14F-4D97-AF65-F5344CB8AC3E}">
+        <p14:creationId xmlns:p14="http://schemas.microsoft.com/office/powerpoint/2010/main" val="2352168489"/>
+      </p:ext>
+    </p:extLst>
+  </p:cSld>
+  <p:clrMapOvr>
+    <a:masterClrMapping/>
+  </p:clrMapOvr>
+</p:sld>
+</file>
+
+<file path=ppt/slides/slide23.xml><?xml version="1.0" encoding="utf-8"?>
+<p:sld xmlns:a="http://schemas.openxmlformats.org/drawingml/2006/main" xmlns:r="http://schemas.openxmlformats.org/officeDocument/2006/relationships" xmlns:p="http://schemas.openxmlformats.org/presentationml/2006/main">
+  <p:cSld>
+    <p:bg>
+      <p:bgPr>
+        <a:solidFill>
+          <a:schemeClr val="bg2">
+            <a:lumMod val="75000"/>
+          </a:schemeClr>
+        </a:solidFill>
+        <a:effectLst/>
+      </p:bgPr>
+    </p:bg>
+    <p:spTree>
+      <p:nvGrpSpPr>
+        <p:cNvPr id="1" name=""/>
+        <p:cNvGrpSpPr/>
+        <p:nvPr/>
+      </p:nvGrpSpPr>
+      <p:grpSpPr>
+        <a:xfrm>
+          <a:off x="0" y="0"/>
+          <a:ext cx="0" cy="0"/>
+          <a:chOff x="0" y="0"/>
+          <a:chExt cx="0" cy="0"/>
+        </a:xfrm>
+      </p:grpSpPr>
+      <p:sp>
+        <p:nvSpPr>
+          <p:cNvPr id="3" name="Content Placeholder 2">
+            <a:extLst>
+              <a:ext uri="{FF2B5EF4-FFF2-40B4-BE49-F238E27FC236}">
+                <a16:creationId xmlns:a16="http://schemas.microsoft.com/office/drawing/2014/main" id="{53BFB5B6-2AB4-5E3E-BD80-8E33677EEA1B}"/>
+              </a:ext>
+            </a:extLst>
+          </p:cNvPr>
+          <p:cNvSpPr>
+            <a:spLocks noGrp="1"/>
+          </p:cNvSpPr>
+          <p:nvPr>
+            <p:ph idx="1"/>
+          </p:nvPr>
+        </p:nvSpPr>
+        <p:spPr/>
+        <p:txBody>
+          <a:bodyPr>
+            <a:normAutofit fontScale="77500" lnSpcReduction="20000"/>
+          </a:bodyPr>
+          <a:lstStyle/>
+          <a:p>
+            <a:pPr marL="0" marR="0" indent="0">
+              <a:lnSpc>
+                <a:spcPct val="107000"/>
+              </a:lnSpc>
+              <a:spcBef>
+                <a:spcPts val="0"/>
+              </a:spcBef>
+              <a:spcAft>
+                <a:spcPts val="800"/>
+              </a:spcAft>
+              <a:buNone/>
+            </a:pPr>
+            <a:r>
+              <a:rPr lang="en-US" sz="1800" b="1" dirty="0">
+                <a:solidFill>
+                  <a:schemeClr val="bg1"/>
+                </a:solidFill>
+                <a:effectLst/>
+                <a:latin typeface="Aptos" panose="020B0004020202020204" pitchFamily="34" charset="0"/>
+                <a:ea typeface="Aptos" panose="020B0004020202020204" pitchFamily="34" charset="0"/>
+                <a:cs typeface="Aptos" panose="020B0004020202020204" pitchFamily="34" charset="0"/>
+              </a:rPr>
+              <a:t>2. Set Up the Blazor Project:</a:t>
+            </a:r>
+            <a:endParaRPr lang="en-US" sz="1800" dirty="0">
+              <a:solidFill>
+                <a:schemeClr val="bg1"/>
+              </a:solidFill>
+              <a:effectLst/>
+              <a:latin typeface="Aptos" panose="020B0004020202020204" pitchFamily="34" charset="0"/>
+              <a:ea typeface="Aptos" panose="020B0004020202020204" pitchFamily="34" charset="0"/>
+              <a:cs typeface="Aptos" panose="020B0004020202020204" pitchFamily="34" charset="0"/>
+            </a:endParaRPr>
+          </a:p>
+          <a:p>
+            <a:pPr marL="342900" marR="0" lvl="0" indent="-342900">
+              <a:lnSpc>
+                <a:spcPct val="107000"/>
+              </a:lnSpc>
+              <a:spcBef>
+                <a:spcPts val="0"/>
+              </a:spcBef>
+              <a:spcAft>
+                <a:spcPts val="800"/>
+              </a:spcAft>
+              <a:buSzPts val="1000"/>
+              <a:buFont typeface="Arial" panose="020B0604020202020204" pitchFamily="34" charset="0"/>
+              <a:buChar char="●"/>
+            </a:pPr>
+            <a:r>
+              <a:rPr lang="en-US" sz="1800" b="1" dirty="0">
+                <a:solidFill>
+                  <a:schemeClr val="bg1"/>
+                </a:solidFill>
+                <a:effectLst/>
+                <a:latin typeface="Noto Sans Symbols"/>
+                <a:ea typeface="Noto Sans Symbols"/>
+                <a:cs typeface="Noto Sans Symbols"/>
+              </a:rPr>
+              <a:t>Create a New Blazor Project:</a:t>
+            </a:r>
+            <a:r>
+              <a:rPr lang="en-US" sz="1800" dirty="0">
+                <a:solidFill>
+                  <a:schemeClr val="bg1"/>
+                </a:solidFill>
+                <a:effectLst/>
+                <a:latin typeface="Noto Sans Symbols"/>
+                <a:ea typeface="Noto Sans Symbols"/>
+                <a:cs typeface="Noto Sans Symbols"/>
+              </a:rPr>
+              <a:t> Using Visual Studio, create a new Blazor App. Choose between Blazor Server App and Blazor </a:t>
+            </a:r>
+            <a:r>
+              <a:rPr lang="en-US" sz="1800" dirty="0" err="1">
+                <a:solidFill>
+                  <a:schemeClr val="bg1"/>
+                </a:solidFill>
+                <a:effectLst/>
+                <a:latin typeface="Noto Sans Symbols"/>
+                <a:ea typeface="Noto Sans Symbols"/>
+                <a:cs typeface="Noto Sans Symbols"/>
+              </a:rPr>
+              <a:t>WebAssembly</a:t>
+            </a:r>
+            <a:r>
+              <a:rPr lang="en-US" sz="1800" dirty="0">
+                <a:solidFill>
+                  <a:schemeClr val="bg1"/>
+                </a:solidFill>
+                <a:effectLst/>
+                <a:latin typeface="Noto Sans Symbols"/>
+                <a:ea typeface="Noto Sans Symbols"/>
+                <a:cs typeface="Noto Sans Symbols"/>
+              </a:rPr>
+              <a:t> App based on your earlier decision.</a:t>
+            </a:r>
+          </a:p>
+          <a:p>
+            <a:pPr marL="342900" marR="0" lvl="0" indent="-342900">
+              <a:lnSpc>
+                <a:spcPct val="107000"/>
+              </a:lnSpc>
+              <a:spcBef>
+                <a:spcPts val="0"/>
+              </a:spcBef>
+              <a:spcAft>
+                <a:spcPts val="800"/>
+              </a:spcAft>
+              <a:buSzPts val="1000"/>
+              <a:buFont typeface="Arial" panose="020B0604020202020204" pitchFamily="34" charset="0"/>
+              <a:buChar char="●"/>
+            </a:pPr>
+            <a:r>
+              <a:rPr lang="en-US" sz="1800" b="1" dirty="0">
+                <a:solidFill>
+                  <a:schemeClr val="bg1"/>
+                </a:solidFill>
+                <a:effectLst/>
+                <a:latin typeface="Noto Sans Symbols"/>
+                <a:ea typeface="Noto Sans Symbols"/>
+                <a:cs typeface="Noto Sans Symbols"/>
+              </a:rPr>
+              <a:t>Organize the Solution:</a:t>
+            </a:r>
+            <a:r>
+              <a:rPr lang="en-US" sz="1800" dirty="0">
+                <a:solidFill>
+                  <a:schemeClr val="bg1"/>
+                </a:solidFill>
+                <a:effectLst/>
+                <a:latin typeface="Noto Sans Symbols"/>
+                <a:ea typeface="Noto Sans Symbols"/>
+                <a:cs typeface="Noto Sans Symbols"/>
+              </a:rPr>
+              <a:t> If you plan to share code between your old VB.NET application and the new Blazor app (like business logic or data access layers), consider organizing these into separate class libraries that can be referenced by both projects.</a:t>
+            </a:r>
+          </a:p>
+          <a:p>
+            <a:pPr marL="0" marR="0" indent="0">
+              <a:lnSpc>
+                <a:spcPct val="107000"/>
+              </a:lnSpc>
+              <a:spcBef>
+                <a:spcPts val="0"/>
+              </a:spcBef>
+              <a:spcAft>
+                <a:spcPts val="800"/>
+              </a:spcAft>
+              <a:buNone/>
+            </a:pPr>
+            <a:r>
+              <a:rPr lang="en-US" sz="1800" b="1" dirty="0">
+                <a:solidFill>
+                  <a:schemeClr val="bg1"/>
+                </a:solidFill>
+                <a:effectLst/>
+                <a:latin typeface="Aptos" panose="020B0004020202020204" pitchFamily="34" charset="0"/>
+                <a:ea typeface="Aptos" panose="020B0004020202020204" pitchFamily="34" charset="0"/>
+                <a:cs typeface="Aptos" panose="020B0004020202020204" pitchFamily="34" charset="0"/>
+              </a:rPr>
+              <a:t>3. Migrate Business Logic:</a:t>
+            </a:r>
+            <a:endParaRPr lang="en-US" sz="1800" dirty="0">
+              <a:solidFill>
+                <a:schemeClr val="bg1"/>
+              </a:solidFill>
+              <a:effectLst/>
+              <a:latin typeface="Aptos" panose="020B0004020202020204" pitchFamily="34" charset="0"/>
+              <a:ea typeface="Aptos" panose="020B0004020202020204" pitchFamily="34" charset="0"/>
+              <a:cs typeface="Aptos" panose="020B0004020202020204" pitchFamily="34" charset="0"/>
+            </a:endParaRPr>
+          </a:p>
+          <a:p>
+            <a:pPr marL="342900" marR="0" lvl="0" indent="-342900">
+              <a:lnSpc>
+                <a:spcPct val="107000"/>
+              </a:lnSpc>
+              <a:spcBef>
+                <a:spcPts val="0"/>
+              </a:spcBef>
+              <a:spcAft>
+                <a:spcPts val="800"/>
+              </a:spcAft>
+              <a:buSzPts val="1000"/>
+              <a:buFont typeface="Arial" panose="020B0604020202020204" pitchFamily="34" charset="0"/>
+              <a:buChar char="●"/>
+            </a:pPr>
+            <a:r>
+              <a:rPr lang="en-US" sz="1800" b="1" dirty="0">
+                <a:solidFill>
+                  <a:schemeClr val="bg1"/>
+                </a:solidFill>
+                <a:effectLst/>
+                <a:latin typeface="Noto Sans Symbols"/>
+                <a:ea typeface="Noto Sans Symbols"/>
+                <a:cs typeface="Noto Sans Symbols"/>
+              </a:rPr>
+              <a:t>Convert VB.NET to C#:</a:t>
+            </a:r>
+            <a:r>
+              <a:rPr lang="en-US" sz="1800" dirty="0">
+                <a:solidFill>
+                  <a:schemeClr val="bg1"/>
+                </a:solidFill>
+                <a:effectLst/>
+                <a:latin typeface="Noto Sans Symbols"/>
+                <a:ea typeface="Noto Sans Symbols"/>
+                <a:cs typeface="Noto Sans Symbols"/>
+              </a:rPr>
+              <a:t> Most Blazor development is done in C#, so you might need to convert your VB.NET code. Tools like Telerik’s Code Converter can help, but manual adjustments are often necessary, especially for complex code or to adhere to C# best practices.</a:t>
+            </a:r>
+          </a:p>
+          <a:p>
+            <a:pPr marL="342900" marR="0" lvl="0" indent="-342900">
+              <a:lnSpc>
+                <a:spcPct val="107000"/>
+              </a:lnSpc>
+              <a:spcBef>
+                <a:spcPts val="0"/>
+              </a:spcBef>
+              <a:spcAft>
+                <a:spcPts val="800"/>
+              </a:spcAft>
+              <a:buSzPts val="1000"/>
+              <a:buFont typeface="Arial" panose="020B0604020202020204" pitchFamily="34" charset="0"/>
+              <a:buChar char="●"/>
+            </a:pPr>
+            <a:r>
+              <a:rPr lang="en-US" sz="1800" b="1" dirty="0">
+                <a:solidFill>
+                  <a:schemeClr val="bg1"/>
+                </a:solidFill>
+                <a:effectLst/>
+                <a:latin typeface="Noto Sans Symbols"/>
+                <a:ea typeface="Noto Sans Symbols"/>
+                <a:cs typeface="Noto Sans Symbols"/>
+              </a:rPr>
+              <a:t>Refactor Code:</a:t>
+            </a:r>
+            <a:r>
+              <a:rPr lang="en-US" sz="1800" dirty="0">
+                <a:solidFill>
+                  <a:schemeClr val="bg1"/>
+                </a:solidFill>
+                <a:effectLst/>
+                <a:latin typeface="Noto Sans Symbols"/>
+                <a:ea typeface="Noto Sans Symbols"/>
+                <a:cs typeface="Noto Sans Symbols"/>
+              </a:rPr>
+              <a:t> Adapt the business logic to fit the web application model. This may involve changing how data access is handled, modifying application workflows, and ensuring that the code is asynchronous where appropriate.</a:t>
+            </a:r>
+          </a:p>
+          <a:p>
+            <a:pPr marL="0" marR="0" indent="0">
+              <a:lnSpc>
+                <a:spcPct val="107000"/>
+              </a:lnSpc>
+              <a:spcBef>
+                <a:spcPts val="0"/>
+              </a:spcBef>
+              <a:spcAft>
+                <a:spcPts val="800"/>
+              </a:spcAft>
+              <a:buNone/>
+            </a:pPr>
+            <a:r>
+              <a:rPr lang="en-US" sz="1800" b="1" dirty="0">
+                <a:solidFill>
+                  <a:schemeClr val="bg1"/>
+                </a:solidFill>
+                <a:effectLst/>
+                <a:latin typeface="Aptos" panose="020B0004020202020204" pitchFamily="34" charset="0"/>
+                <a:ea typeface="Aptos" panose="020B0004020202020204" pitchFamily="34" charset="0"/>
+                <a:cs typeface="Aptos" panose="020B0004020202020204" pitchFamily="34" charset="0"/>
+              </a:rPr>
+              <a:t>4. Develop the UI with Blazor Components:</a:t>
+            </a:r>
+            <a:endParaRPr lang="en-US" sz="1800" dirty="0">
+              <a:solidFill>
+                <a:schemeClr val="bg1"/>
+              </a:solidFill>
+              <a:effectLst/>
+              <a:latin typeface="Aptos" panose="020B0004020202020204" pitchFamily="34" charset="0"/>
+              <a:ea typeface="Aptos" panose="020B0004020202020204" pitchFamily="34" charset="0"/>
+              <a:cs typeface="Aptos" panose="020B0004020202020204" pitchFamily="34" charset="0"/>
+            </a:endParaRPr>
+          </a:p>
+          <a:p>
+            <a:pPr marL="342900" marR="0" lvl="0" indent="-342900">
+              <a:lnSpc>
+                <a:spcPct val="107000"/>
+              </a:lnSpc>
+              <a:spcBef>
+                <a:spcPts val="0"/>
+              </a:spcBef>
+              <a:spcAft>
+                <a:spcPts val="800"/>
+              </a:spcAft>
+              <a:buSzPts val="1000"/>
+              <a:buFont typeface="Arial" panose="020B0604020202020204" pitchFamily="34" charset="0"/>
+              <a:buChar char="●"/>
+            </a:pPr>
+            <a:r>
+              <a:rPr lang="en-US" sz="1800" b="1" dirty="0">
+                <a:solidFill>
+                  <a:schemeClr val="bg1"/>
+                </a:solidFill>
+                <a:effectLst/>
+                <a:latin typeface="Noto Sans Symbols"/>
+                <a:ea typeface="Noto Sans Symbols"/>
+                <a:cs typeface="Noto Sans Symbols"/>
+              </a:rPr>
+              <a:t>Understand Blazor Components:</a:t>
+            </a:r>
+            <a:r>
+              <a:rPr lang="en-US" sz="1800" dirty="0">
+                <a:solidFill>
+                  <a:schemeClr val="bg1"/>
+                </a:solidFill>
+                <a:effectLst/>
+                <a:latin typeface="Noto Sans Symbols"/>
+                <a:ea typeface="Noto Sans Symbols"/>
+                <a:cs typeface="Noto Sans Symbols"/>
+              </a:rPr>
+              <a:t> Blazor apps are built using components. A component is a block of reusable web UI that can include HTML, CSS, and C# code.</a:t>
+            </a:r>
+          </a:p>
+          <a:p>
+            <a:pPr marL="342900" marR="0" lvl="0" indent="-342900">
+              <a:lnSpc>
+                <a:spcPct val="107000"/>
+              </a:lnSpc>
+              <a:spcBef>
+                <a:spcPts val="0"/>
+              </a:spcBef>
+              <a:spcAft>
+                <a:spcPts val="800"/>
+              </a:spcAft>
+              <a:buSzPts val="1000"/>
+              <a:buFont typeface="Arial" panose="020B0604020202020204" pitchFamily="34" charset="0"/>
+              <a:buChar char="●"/>
+            </a:pPr>
+            <a:r>
+              <a:rPr lang="en-US" sz="1800" b="1" dirty="0">
+                <a:solidFill>
+                  <a:schemeClr val="bg1"/>
+                </a:solidFill>
+                <a:effectLst/>
+                <a:latin typeface="Noto Sans Symbols"/>
+                <a:ea typeface="Noto Sans Symbols"/>
+                <a:cs typeface="Noto Sans Symbols"/>
+              </a:rPr>
+              <a:t>Map WinForms Controls to Blazor Components:</a:t>
+            </a:r>
+            <a:r>
+              <a:rPr lang="en-US" sz="1800" dirty="0">
+                <a:solidFill>
+                  <a:schemeClr val="bg1"/>
+                </a:solidFill>
+                <a:effectLst/>
+                <a:latin typeface="Noto Sans Symbols"/>
+                <a:ea typeface="Noto Sans Symbols"/>
+                <a:cs typeface="Noto Sans Symbols"/>
+              </a:rPr>
+              <a:t> Identify equivalents for WinForms controls in Blazor. Some controls might have direct equivalents, while others might need custom components.</a:t>
+            </a:r>
+          </a:p>
+          <a:p>
+            <a:pPr marL="342900" marR="0" lvl="0" indent="-342900">
+              <a:lnSpc>
+                <a:spcPct val="107000"/>
+              </a:lnSpc>
+              <a:spcBef>
+                <a:spcPts val="0"/>
+              </a:spcBef>
+              <a:spcAft>
+                <a:spcPts val="800"/>
+              </a:spcAft>
+              <a:buSzPts val="1000"/>
+              <a:buFont typeface="Arial" panose="020B0604020202020204" pitchFamily="34" charset="0"/>
+              <a:buChar char="●"/>
+            </a:pPr>
+            <a:r>
+              <a:rPr lang="en-US" sz="1800" b="1" dirty="0">
+                <a:solidFill>
+                  <a:schemeClr val="bg1"/>
+                </a:solidFill>
+                <a:effectLst/>
+                <a:latin typeface="Noto Sans Symbols"/>
+                <a:ea typeface="Noto Sans Symbols"/>
+                <a:cs typeface="Noto Sans Symbols"/>
+              </a:rPr>
+              <a:t>Layouts and Routing:</a:t>
+            </a:r>
+            <a:r>
+              <a:rPr lang="en-US" sz="1800" dirty="0">
+                <a:solidFill>
+                  <a:schemeClr val="bg1"/>
+                </a:solidFill>
+                <a:effectLst/>
+                <a:latin typeface="Noto Sans Symbols"/>
+                <a:ea typeface="Noto Sans Symbols"/>
+                <a:cs typeface="Noto Sans Symbols"/>
+              </a:rPr>
+              <a:t> Design the layout and navigation of your Blazor app. Blazor uses a routing system to navigate between pages/components.</a:t>
+            </a:r>
+          </a:p>
+          <a:p>
+            <a:endParaRPr lang="en-US" dirty="0">
+              <a:solidFill>
+                <a:schemeClr val="bg1"/>
+              </a:solidFill>
+            </a:endParaRPr>
+          </a:p>
+        </p:txBody>
+      </p:sp>
+      <p:sp>
+        <p:nvSpPr>
+          <p:cNvPr id="4" name="Title 1">
+            <a:extLst>
+              <a:ext uri="{FF2B5EF4-FFF2-40B4-BE49-F238E27FC236}">
+                <a16:creationId xmlns:a16="http://schemas.microsoft.com/office/drawing/2014/main" id="{AC335324-6071-6B5D-4E09-40E1C14F8175}"/>
+              </a:ext>
+            </a:extLst>
+          </p:cNvPr>
+          <p:cNvSpPr>
+            <a:spLocks noGrp="1"/>
+          </p:cNvSpPr>
+          <p:nvPr>
+            <p:ph type="title"/>
+          </p:nvPr>
+        </p:nvSpPr>
+        <p:spPr>
+          <a:xfrm>
+            <a:off x="838200" y="365125"/>
+            <a:ext cx="10515600" cy="1325563"/>
+          </a:xfrm>
+        </p:spPr>
+        <p:txBody>
+          <a:bodyPr/>
+          <a:lstStyle/>
+          <a:p>
+            <a:r>
+              <a:rPr lang="en-US" dirty="0">
+                <a:solidFill>
+                  <a:schemeClr val="bg1"/>
+                </a:solidFill>
+              </a:rPr>
+              <a:t>ChatGPT Interaction 1 – The Process/Steps</a:t>
+            </a:r>
+            <a:br>
+              <a:rPr lang="en-US" dirty="0">
+                <a:solidFill>
+                  <a:schemeClr val="bg1"/>
+                </a:solidFill>
+              </a:rPr>
+            </a:br>
+            <a:r>
+              <a:rPr lang="en-US" sz="1800" dirty="0">
+                <a:solidFill>
+                  <a:schemeClr val="bg1"/>
+                </a:solidFill>
+              </a:rPr>
+              <a:t>(output continued)</a:t>
+            </a:r>
+          </a:p>
+        </p:txBody>
+      </p:sp>
+    </p:spTree>
+    <p:extLst>
+      <p:ext uri="{BB962C8B-B14F-4D97-AF65-F5344CB8AC3E}">
+        <p14:creationId xmlns:p14="http://schemas.microsoft.com/office/powerpoint/2010/main" val="3145744434"/>
+      </p:ext>
+    </p:extLst>
+  </p:cSld>
+  <p:clrMapOvr>
+    <a:masterClrMapping/>
+  </p:clrMapOvr>
+</p:sld>
+</file>
+
+<file path=ppt/slides/slide24.xml><?xml version="1.0" encoding="utf-8"?>
+<p:sld xmlns:a="http://schemas.openxmlformats.org/drawingml/2006/main" xmlns:r="http://schemas.openxmlformats.org/officeDocument/2006/relationships" xmlns:p="http://schemas.openxmlformats.org/presentationml/2006/main">
+  <p:cSld>
+    <p:bg>
+      <p:bgPr>
+        <a:solidFill>
+          <a:schemeClr val="bg2">
+            <a:lumMod val="75000"/>
+          </a:schemeClr>
+        </a:solidFill>
+        <a:effectLst/>
+      </p:bgPr>
+    </p:bg>
+    <p:spTree>
+      <p:nvGrpSpPr>
+        <p:cNvPr id="1" name=""/>
+        <p:cNvGrpSpPr/>
+        <p:nvPr/>
+      </p:nvGrpSpPr>
+      <p:grpSpPr>
+        <a:xfrm>
+          <a:off x="0" y="0"/>
+          <a:ext cx="0" cy="0"/>
+          <a:chOff x="0" y="0"/>
+          <a:chExt cx="0" cy="0"/>
+        </a:xfrm>
+      </p:grpSpPr>
+      <p:sp>
+        <p:nvSpPr>
+          <p:cNvPr id="3" name="Content Placeholder 2">
+            <a:extLst>
+              <a:ext uri="{FF2B5EF4-FFF2-40B4-BE49-F238E27FC236}">
+                <a16:creationId xmlns:a16="http://schemas.microsoft.com/office/drawing/2014/main" id="{CC5E10E0-66E4-0F45-5A07-33FB961BAAC6}"/>
+              </a:ext>
+            </a:extLst>
+          </p:cNvPr>
+          <p:cNvSpPr>
+            <a:spLocks noGrp="1"/>
+          </p:cNvSpPr>
+          <p:nvPr>
+            <p:ph idx="1"/>
+          </p:nvPr>
+        </p:nvSpPr>
+        <p:spPr/>
+        <p:txBody>
+          <a:bodyPr>
+            <a:normAutofit fontScale="85000" lnSpcReduction="20000"/>
+          </a:bodyPr>
+          <a:lstStyle/>
+          <a:p>
+            <a:pPr marL="0" marR="0" indent="0">
+              <a:lnSpc>
+                <a:spcPct val="107000"/>
+              </a:lnSpc>
+              <a:spcBef>
+                <a:spcPts val="0"/>
+              </a:spcBef>
+              <a:spcAft>
+                <a:spcPts val="800"/>
+              </a:spcAft>
+              <a:buNone/>
+            </a:pPr>
+            <a:r>
+              <a:rPr lang="en-US" sz="1800" b="1" dirty="0">
+                <a:solidFill>
+                  <a:schemeClr val="bg1"/>
+                </a:solidFill>
+                <a:effectLst/>
+                <a:latin typeface="Aptos" panose="020B0004020202020204" pitchFamily="34" charset="0"/>
+                <a:ea typeface="Aptos" panose="020B0004020202020204" pitchFamily="34" charset="0"/>
+                <a:cs typeface="Aptos" panose="020B0004020202020204" pitchFamily="34" charset="0"/>
+              </a:rPr>
+              <a:t>5. Handle Data Access and State Management:</a:t>
+            </a:r>
+            <a:endParaRPr lang="en-US" sz="1800" dirty="0">
+              <a:solidFill>
+                <a:schemeClr val="bg1"/>
+              </a:solidFill>
+              <a:effectLst/>
+              <a:latin typeface="Aptos" panose="020B0004020202020204" pitchFamily="34" charset="0"/>
+              <a:ea typeface="Aptos" panose="020B0004020202020204" pitchFamily="34" charset="0"/>
+              <a:cs typeface="Aptos" panose="020B0004020202020204" pitchFamily="34" charset="0"/>
+            </a:endParaRPr>
+          </a:p>
+          <a:p>
+            <a:pPr marL="342900" marR="0" lvl="0" indent="-342900">
+              <a:lnSpc>
+                <a:spcPct val="107000"/>
+              </a:lnSpc>
+              <a:spcBef>
+                <a:spcPts val="0"/>
+              </a:spcBef>
+              <a:spcAft>
+                <a:spcPts val="800"/>
+              </a:spcAft>
+              <a:buSzPts val="1000"/>
+              <a:buFont typeface="Arial" panose="020B0604020202020204" pitchFamily="34" charset="0"/>
+              <a:buChar char="●"/>
+            </a:pPr>
+            <a:r>
+              <a:rPr lang="en-US" sz="1800" b="1" dirty="0">
+                <a:solidFill>
+                  <a:schemeClr val="bg1"/>
+                </a:solidFill>
+                <a:effectLst/>
+                <a:latin typeface="Noto Sans Symbols"/>
+                <a:ea typeface="Noto Sans Symbols"/>
+                <a:cs typeface="Noto Sans Symbols"/>
+              </a:rPr>
+              <a:t>Data Access:</a:t>
+            </a:r>
+            <a:r>
+              <a:rPr lang="en-US" sz="1800" dirty="0">
+                <a:solidFill>
+                  <a:schemeClr val="bg1"/>
+                </a:solidFill>
+                <a:effectLst/>
+                <a:latin typeface="Noto Sans Symbols"/>
+                <a:ea typeface="Noto Sans Symbols"/>
+                <a:cs typeface="Noto Sans Symbols"/>
+              </a:rPr>
+              <a:t> Adapt your data access layer to work with Blazor. This might involve using Entity Framework Core for database operations.</a:t>
+            </a:r>
+          </a:p>
+          <a:p>
+            <a:pPr marL="342900" marR="0" lvl="0" indent="-342900">
+              <a:lnSpc>
+                <a:spcPct val="107000"/>
+              </a:lnSpc>
+              <a:spcBef>
+                <a:spcPts val="0"/>
+              </a:spcBef>
+              <a:spcAft>
+                <a:spcPts val="800"/>
+              </a:spcAft>
+              <a:buSzPts val="1000"/>
+              <a:buFont typeface="Arial" panose="020B0604020202020204" pitchFamily="34" charset="0"/>
+              <a:buChar char="●"/>
+            </a:pPr>
+            <a:r>
+              <a:rPr lang="en-US" sz="1800" b="1" dirty="0">
+                <a:solidFill>
+                  <a:schemeClr val="bg1"/>
+                </a:solidFill>
+                <a:effectLst/>
+                <a:latin typeface="Noto Sans Symbols"/>
+                <a:ea typeface="Noto Sans Symbols"/>
+                <a:cs typeface="Noto Sans Symbols"/>
+              </a:rPr>
+              <a:t>State Management:</a:t>
+            </a:r>
+            <a:r>
+              <a:rPr lang="en-US" sz="1800" dirty="0">
+                <a:solidFill>
+                  <a:schemeClr val="bg1"/>
+                </a:solidFill>
+                <a:effectLst/>
+                <a:latin typeface="Noto Sans Symbols"/>
+                <a:ea typeface="Noto Sans Symbols"/>
+                <a:cs typeface="Noto Sans Symbols"/>
+              </a:rPr>
+              <a:t> Web applications often have different state management needs compared to desktop applications. Explore </a:t>
+            </a:r>
+            <a:r>
+              <a:rPr lang="en-US" sz="1800" dirty="0" err="1">
+                <a:solidFill>
+                  <a:schemeClr val="bg1"/>
+                </a:solidFill>
+                <a:effectLst/>
+                <a:latin typeface="Noto Sans Symbols"/>
+                <a:ea typeface="Noto Sans Symbols"/>
+                <a:cs typeface="Noto Sans Symbols"/>
+              </a:rPr>
+              <a:t>Blazor's</a:t>
+            </a:r>
+            <a:r>
+              <a:rPr lang="en-US" sz="1800" dirty="0">
+                <a:solidFill>
+                  <a:schemeClr val="bg1"/>
+                </a:solidFill>
+                <a:effectLst/>
+                <a:latin typeface="Noto Sans Symbols"/>
+                <a:ea typeface="Noto Sans Symbols"/>
+                <a:cs typeface="Noto Sans Symbols"/>
+              </a:rPr>
+              <a:t> state management features and decide how to manage application state, considering both client-side and server-side options.</a:t>
+            </a:r>
+          </a:p>
+          <a:p>
+            <a:pPr marL="0" marR="0" indent="0">
+              <a:lnSpc>
+                <a:spcPct val="107000"/>
+              </a:lnSpc>
+              <a:spcBef>
+                <a:spcPts val="0"/>
+              </a:spcBef>
+              <a:spcAft>
+                <a:spcPts val="800"/>
+              </a:spcAft>
+              <a:buNone/>
+            </a:pPr>
+            <a:r>
+              <a:rPr lang="en-US" sz="1800" b="1" dirty="0">
+                <a:solidFill>
+                  <a:schemeClr val="bg1"/>
+                </a:solidFill>
+                <a:effectLst/>
+                <a:latin typeface="Aptos" panose="020B0004020202020204" pitchFamily="34" charset="0"/>
+                <a:ea typeface="Aptos" panose="020B0004020202020204" pitchFamily="34" charset="0"/>
+                <a:cs typeface="Aptos" panose="020B0004020202020204" pitchFamily="34" charset="0"/>
+              </a:rPr>
+              <a:t>6. Implement Authentication and Authorization (if applicable):</a:t>
+            </a:r>
+            <a:endParaRPr lang="en-US" sz="1800" dirty="0">
+              <a:solidFill>
+                <a:schemeClr val="bg1"/>
+              </a:solidFill>
+              <a:effectLst/>
+              <a:latin typeface="Aptos" panose="020B0004020202020204" pitchFamily="34" charset="0"/>
+              <a:ea typeface="Aptos" panose="020B0004020202020204" pitchFamily="34" charset="0"/>
+              <a:cs typeface="Aptos" panose="020B0004020202020204" pitchFamily="34" charset="0"/>
+            </a:endParaRPr>
+          </a:p>
+          <a:p>
+            <a:pPr marL="342900" marR="0" lvl="0" indent="-342900">
+              <a:lnSpc>
+                <a:spcPct val="107000"/>
+              </a:lnSpc>
+              <a:spcBef>
+                <a:spcPts val="0"/>
+              </a:spcBef>
+              <a:spcAft>
+                <a:spcPts val="800"/>
+              </a:spcAft>
+              <a:buSzPts val="1000"/>
+              <a:buFont typeface="Arial" panose="020B0604020202020204" pitchFamily="34" charset="0"/>
+              <a:buChar char="●"/>
+            </a:pPr>
+            <a:r>
+              <a:rPr lang="en-US" sz="1800" b="1" dirty="0">
+                <a:solidFill>
+                  <a:schemeClr val="bg1"/>
+                </a:solidFill>
+                <a:effectLst/>
+                <a:latin typeface="Noto Sans Symbols"/>
+                <a:ea typeface="Noto Sans Symbols"/>
+                <a:cs typeface="Noto Sans Symbols"/>
+              </a:rPr>
+              <a:t>Review Security Needs:</a:t>
+            </a:r>
+            <a:r>
+              <a:rPr lang="en-US" sz="1800" dirty="0">
+                <a:solidFill>
+                  <a:schemeClr val="bg1"/>
+                </a:solidFill>
+                <a:effectLst/>
+                <a:latin typeface="Noto Sans Symbols"/>
+                <a:ea typeface="Noto Sans Symbols"/>
+                <a:cs typeface="Noto Sans Symbols"/>
+              </a:rPr>
+              <a:t> Web applications often face different security threats compared to desktop applications. Ensure your Blazor app is secure.</a:t>
+            </a:r>
+          </a:p>
+          <a:p>
+            <a:pPr marL="342900" marR="0" lvl="0" indent="-342900">
+              <a:lnSpc>
+                <a:spcPct val="107000"/>
+              </a:lnSpc>
+              <a:spcBef>
+                <a:spcPts val="0"/>
+              </a:spcBef>
+              <a:spcAft>
+                <a:spcPts val="800"/>
+              </a:spcAft>
+              <a:buSzPts val="1000"/>
+              <a:buFont typeface="Arial" panose="020B0604020202020204" pitchFamily="34" charset="0"/>
+              <a:buChar char="●"/>
+            </a:pPr>
+            <a:r>
+              <a:rPr lang="en-US" sz="1800" b="1" dirty="0">
+                <a:solidFill>
+                  <a:schemeClr val="bg1"/>
+                </a:solidFill>
+                <a:effectLst/>
+                <a:latin typeface="Noto Sans Symbols"/>
+                <a:ea typeface="Noto Sans Symbols"/>
+                <a:cs typeface="Noto Sans Symbols"/>
+              </a:rPr>
+              <a:t>Implement Authentication/Authorization:</a:t>
+            </a:r>
+            <a:r>
+              <a:rPr lang="en-US" sz="1800" dirty="0">
+                <a:solidFill>
+                  <a:schemeClr val="bg1"/>
+                </a:solidFill>
+                <a:effectLst/>
+                <a:latin typeface="Noto Sans Symbols"/>
+                <a:ea typeface="Noto Sans Symbols"/>
+                <a:cs typeface="Noto Sans Symbols"/>
+              </a:rPr>
+              <a:t> Blazor supports various authentication mechanisms, including cookie-based, token-based, and third-party auth providers. Implement the one that fits your application's needs.</a:t>
+            </a:r>
+          </a:p>
+          <a:p>
+            <a:pPr marL="0" marR="0" indent="0">
+              <a:lnSpc>
+                <a:spcPct val="107000"/>
+              </a:lnSpc>
+              <a:spcBef>
+                <a:spcPts val="0"/>
+              </a:spcBef>
+              <a:spcAft>
+                <a:spcPts val="800"/>
+              </a:spcAft>
+              <a:buNone/>
+            </a:pPr>
+            <a:r>
+              <a:rPr lang="en-US" sz="1800" b="1" dirty="0">
+                <a:solidFill>
+                  <a:schemeClr val="bg1"/>
+                </a:solidFill>
+                <a:effectLst/>
+                <a:latin typeface="Aptos" panose="020B0004020202020204" pitchFamily="34" charset="0"/>
+                <a:ea typeface="Aptos" panose="020B0004020202020204" pitchFamily="34" charset="0"/>
+                <a:cs typeface="Aptos" panose="020B0004020202020204" pitchFamily="34" charset="0"/>
+              </a:rPr>
+              <a:t>7. Testing and Deployment:</a:t>
+            </a:r>
+            <a:endParaRPr lang="en-US" sz="1800" dirty="0">
+              <a:solidFill>
+                <a:schemeClr val="bg1"/>
+              </a:solidFill>
+              <a:effectLst/>
+              <a:latin typeface="Aptos" panose="020B0004020202020204" pitchFamily="34" charset="0"/>
+              <a:ea typeface="Aptos" panose="020B0004020202020204" pitchFamily="34" charset="0"/>
+              <a:cs typeface="Aptos" panose="020B0004020202020204" pitchFamily="34" charset="0"/>
+            </a:endParaRPr>
+          </a:p>
+          <a:p>
+            <a:pPr marL="342900" marR="0" lvl="0" indent="-342900">
+              <a:lnSpc>
+                <a:spcPct val="107000"/>
+              </a:lnSpc>
+              <a:spcBef>
+                <a:spcPts val="0"/>
+              </a:spcBef>
+              <a:spcAft>
+                <a:spcPts val="800"/>
+              </a:spcAft>
+              <a:buSzPts val="1000"/>
+              <a:buFont typeface="Arial" panose="020B0604020202020204" pitchFamily="34" charset="0"/>
+              <a:buChar char="●"/>
+            </a:pPr>
+            <a:r>
+              <a:rPr lang="en-US" sz="1800" b="1" dirty="0">
+                <a:solidFill>
+                  <a:schemeClr val="bg1"/>
+                </a:solidFill>
+                <a:effectLst/>
+                <a:latin typeface="Noto Sans Symbols"/>
+                <a:ea typeface="Noto Sans Symbols"/>
+                <a:cs typeface="Noto Sans Symbols"/>
+              </a:rPr>
+              <a:t>Test Thoroughly:</a:t>
+            </a:r>
+            <a:r>
+              <a:rPr lang="en-US" sz="1800" dirty="0">
+                <a:solidFill>
+                  <a:schemeClr val="bg1"/>
+                </a:solidFill>
+                <a:effectLst/>
+                <a:latin typeface="Noto Sans Symbols"/>
+                <a:ea typeface="Noto Sans Symbols"/>
+                <a:cs typeface="Noto Sans Symbols"/>
+              </a:rPr>
+              <a:t> Web applications can be accessed from various devices and browsers, so comprehensive testing is crucial. Test for functionality, performance, security, and compatibility.</a:t>
+            </a:r>
+          </a:p>
+          <a:p>
+            <a:pPr marL="342900" marR="0" lvl="0" indent="-342900">
+              <a:lnSpc>
+                <a:spcPct val="107000"/>
+              </a:lnSpc>
+              <a:spcBef>
+                <a:spcPts val="0"/>
+              </a:spcBef>
+              <a:spcAft>
+                <a:spcPts val="800"/>
+              </a:spcAft>
+              <a:buSzPts val="1000"/>
+              <a:buFont typeface="Arial" panose="020B0604020202020204" pitchFamily="34" charset="0"/>
+              <a:buChar char="●"/>
+            </a:pPr>
+            <a:r>
+              <a:rPr lang="en-US" sz="1800" b="1" dirty="0">
+                <a:solidFill>
+                  <a:schemeClr val="bg1"/>
+                </a:solidFill>
+                <a:effectLst/>
+                <a:latin typeface="Noto Sans Symbols"/>
+                <a:ea typeface="Noto Sans Symbols"/>
+                <a:cs typeface="Noto Sans Symbols"/>
+              </a:rPr>
+              <a:t>Deployment:</a:t>
+            </a:r>
+            <a:r>
+              <a:rPr lang="en-US" sz="1800" dirty="0">
+                <a:solidFill>
+                  <a:schemeClr val="bg1"/>
+                </a:solidFill>
+                <a:effectLst/>
+                <a:latin typeface="Noto Sans Symbols"/>
+                <a:ea typeface="Noto Sans Symbols"/>
+                <a:cs typeface="Noto Sans Symbols"/>
+              </a:rPr>
+              <a:t> Deploy your Blazor application to a suitable hosting environment. Blazor Server apps can be hosted in environments similar to ASP.NET Core apps, while Blazor </a:t>
+            </a:r>
+            <a:r>
+              <a:rPr lang="en-US" sz="1800" dirty="0" err="1">
+                <a:solidFill>
+                  <a:schemeClr val="bg1"/>
+                </a:solidFill>
+                <a:effectLst/>
+                <a:latin typeface="Noto Sans Symbols"/>
+                <a:ea typeface="Noto Sans Symbols"/>
+                <a:cs typeface="Noto Sans Symbols"/>
+              </a:rPr>
+              <a:t>WebAssembly</a:t>
+            </a:r>
+            <a:r>
+              <a:rPr lang="en-US" sz="1800" dirty="0">
+                <a:solidFill>
+                  <a:schemeClr val="bg1"/>
+                </a:solidFill>
+                <a:effectLst/>
+                <a:latin typeface="Noto Sans Symbols"/>
+                <a:ea typeface="Noto Sans Symbols"/>
+                <a:cs typeface="Noto Sans Symbols"/>
+              </a:rPr>
+              <a:t> apps can be hosted on static file servers.</a:t>
+            </a:r>
+          </a:p>
+          <a:p>
+            <a:endParaRPr lang="en-US" dirty="0">
+              <a:solidFill>
+                <a:schemeClr val="bg1"/>
+              </a:solidFill>
+            </a:endParaRPr>
+          </a:p>
+        </p:txBody>
+      </p:sp>
+      <p:sp>
+        <p:nvSpPr>
+          <p:cNvPr id="4" name="Title 1">
+            <a:extLst>
+              <a:ext uri="{FF2B5EF4-FFF2-40B4-BE49-F238E27FC236}">
+                <a16:creationId xmlns:a16="http://schemas.microsoft.com/office/drawing/2014/main" id="{80BFCF5D-220E-DE3A-1B8D-60D3945493C1}"/>
+              </a:ext>
+            </a:extLst>
+          </p:cNvPr>
+          <p:cNvSpPr>
+            <a:spLocks noGrp="1"/>
+          </p:cNvSpPr>
+          <p:nvPr>
+            <p:ph type="title"/>
+          </p:nvPr>
+        </p:nvSpPr>
+        <p:spPr>
+          <a:xfrm>
+            <a:off x="838200" y="365125"/>
+            <a:ext cx="10515600" cy="1325563"/>
+          </a:xfrm>
+        </p:spPr>
+        <p:txBody>
+          <a:bodyPr/>
+          <a:lstStyle/>
+          <a:p>
+            <a:r>
+              <a:rPr lang="en-US" dirty="0">
+                <a:solidFill>
+                  <a:schemeClr val="bg1"/>
+                </a:solidFill>
+              </a:rPr>
+              <a:t>ChatGPT Interaction 1 – The Process/Steps</a:t>
+            </a:r>
+            <a:br>
+              <a:rPr lang="en-US" dirty="0">
+                <a:solidFill>
+                  <a:schemeClr val="bg1"/>
+                </a:solidFill>
+              </a:rPr>
+            </a:br>
+            <a:r>
+              <a:rPr lang="en-US" sz="1800" dirty="0">
+                <a:solidFill>
+                  <a:schemeClr val="bg1"/>
+                </a:solidFill>
+              </a:rPr>
+              <a:t>(output continued)</a:t>
+            </a:r>
+          </a:p>
+        </p:txBody>
+      </p:sp>
+    </p:spTree>
+    <p:extLst>
+      <p:ext uri="{BB962C8B-B14F-4D97-AF65-F5344CB8AC3E}">
+        <p14:creationId xmlns:p14="http://schemas.microsoft.com/office/powerpoint/2010/main" val="522162681"/>
+      </p:ext>
+    </p:extLst>
+  </p:cSld>
+  <p:clrMapOvr>
+    <a:masterClrMapping/>
+  </p:clrMapOvr>
+</p:sld>
+</file>
+
+<file path=ppt/slides/slide25.xml><?xml version="1.0" encoding="utf-8"?>
+<p:sld xmlns:a="http://schemas.openxmlformats.org/drawingml/2006/main" xmlns:r="http://schemas.openxmlformats.org/officeDocument/2006/relationships" xmlns:p="http://schemas.openxmlformats.org/presentationml/2006/main">
+  <p:cSld>
+    <p:bg>
+      <p:bgPr>
+        <a:solidFill>
+          <a:schemeClr val="bg2">
+            <a:lumMod val="75000"/>
+          </a:schemeClr>
+        </a:solidFill>
+        <a:effectLst/>
+      </p:bgPr>
+    </p:bg>
+    <p:spTree>
+      <p:nvGrpSpPr>
+        <p:cNvPr id="1" name=""/>
+        <p:cNvGrpSpPr/>
+        <p:nvPr/>
+      </p:nvGrpSpPr>
+      <p:grpSpPr>
+        <a:xfrm>
+          <a:off x="0" y="0"/>
+          <a:ext cx="0" cy="0"/>
+          <a:chOff x="0" y="0"/>
+          <a:chExt cx="0" cy="0"/>
+        </a:xfrm>
+      </p:grpSpPr>
+      <p:sp>
+        <p:nvSpPr>
+          <p:cNvPr id="3" name="Content Placeholder 2">
+            <a:extLst>
+              <a:ext uri="{FF2B5EF4-FFF2-40B4-BE49-F238E27FC236}">
+                <a16:creationId xmlns:a16="http://schemas.microsoft.com/office/drawing/2014/main" id="{76C5517E-0B06-1534-1C74-40E199990CE7}"/>
+              </a:ext>
+            </a:extLst>
+          </p:cNvPr>
+          <p:cNvSpPr>
+            <a:spLocks noGrp="1"/>
+          </p:cNvSpPr>
+          <p:nvPr>
+            <p:ph idx="1"/>
+          </p:nvPr>
+        </p:nvSpPr>
+        <p:spPr/>
+        <p:txBody>
+          <a:bodyPr/>
+          <a:lstStyle/>
+          <a:p>
+            <a:pPr marL="0" marR="0" indent="0">
+              <a:lnSpc>
+                <a:spcPct val="107000"/>
+              </a:lnSpc>
+              <a:spcBef>
+                <a:spcPts val="0"/>
+              </a:spcBef>
+              <a:spcAft>
+                <a:spcPts val="800"/>
+              </a:spcAft>
+              <a:buNone/>
+            </a:pPr>
+            <a:r>
+              <a:rPr lang="en-US" sz="1800" b="1" dirty="0">
+                <a:solidFill>
+                  <a:schemeClr val="bg1"/>
+                </a:solidFill>
+                <a:effectLst/>
+                <a:latin typeface="Aptos" panose="020B0004020202020204" pitchFamily="34" charset="0"/>
+                <a:ea typeface="Aptos" panose="020B0004020202020204" pitchFamily="34" charset="0"/>
+                <a:cs typeface="Aptos" panose="020B0004020202020204" pitchFamily="34" charset="0"/>
+              </a:rPr>
+              <a:t>Considerations:</a:t>
+            </a:r>
+            <a:endParaRPr lang="en-US" sz="1800" dirty="0">
+              <a:solidFill>
+                <a:schemeClr val="bg1"/>
+              </a:solidFill>
+              <a:effectLst/>
+              <a:latin typeface="Aptos" panose="020B0004020202020204" pitchFamily="34" charset="0"/>
+              <a:ea typeface="Aptos" panose="020B0004020202020204" pitchFamily="34" charset="0"/>
+              <a:cs typeface="Aptos" panose="020B0004020202020204" pitchFamily="34" charset="0"/>
+            </a:endParaRPr>
+          </a:p>
+          <a:p>
+            <a:pPr marL="342900" marR="0" lvl="0" indent="-342900">
+              <a:lnSpc>
+                <a:spcPct val="107000"/>
+              </a:lnSpc>
+              <a:spcBef>
+                <a:spcPts val="0"/>
+              </a:spcBef>
+              <a:spcAft>
+                <a:spcPts val="800"/>
+              </a:spcAft>
+              <a:buSzPts val="1000"/>
+              <a:buFont typeface="Arial" panose="020B0604020202020204" pitchFamily="34" charset="0"/>
+              <a:buChar char="●"/>
+            </a:pPr>
+            <a:r>
+              <a:rPr lang="en-US" sz="1800" b="1" dirty="0">
+                <a:solidFill>
+                  <a:schemeClr val="bg1"/>
+                </a:solidFill>
+                <a:effectLst/>
+                <a:latin typeface="Noto Sans Symbols"/>
+                <a:ea typeface="Noto Sans Symbols"/>
+                <a:cs typeface="Noto Sans Symbols"/>
+              </a:rPr>
+              <a:t>Migration Complexity:</a:t>
+            </a:r>
+            <a:r>
+              <a:rPr lang="en-US" sz="1800" dirty="0">
+                <a:solidFill>
+                  <a:schemeClr val="bg1"/>
+                </a:solidFill>
+                <a:effectLst/>
+                <a:latin typeface="Noto Sans Symbols"/>
+                <a:ea typeface="Noto Sans Symbols"/>
+                <a:cs typeface="Noto Sans Symbols"/>
+              </a:rPr>
+              <a:t> Depending on the complexity and size of your WinForms application, a full migration might be a significant undertaking. It's often not a straightforward "conversion" process but rather a reimagining of the application for the web.</a:t>
+            </a:r>
+          </a:p>
+          <a:p>
+            <a:pPr marL="342900" marR="0" lvl="0" indent="-342900">
+              <a:lnSpc>
+                <a:spcPct val="107000"/>
+              </a:lnSpc>
+              <a:spcBef>
+                <a:spcPts val="0"/>
+              </a:spcBef>
+              <a:spcAft>
+                <a:spcPts val="800"/>
+              </a:spcAft>
+              <a:buSzPts val="1000"/>
+              <a:buFont typeface="Arial" panose="020B0604020202020204" pitchFamily="34" charset="0"/>
+              <a:buChar char="●"/>
+            </a:pPr>
+            <a:r>
+              <a:rPr lang="en-US" sz="1800" b="1" dirty="0">
+                <a:solidFill>
+                  <a:schemeClr val="bg1"/>
+                </a:solidFill>
+                <a:effectLst/>
+                <a:latin typeface="Noto Sans Symbols"/>
+                <a:ea typeface="Noto Sans Symbols"/>
+                <a:cs typeface="Noto Sans Symbols"/>
+              </a:rPr>
+              <a:t>Incremental Migration:</a:t>
+            </a:r>
+            <a:r>
+              <a:rPr lang="en-US" sz="1800" dirty="0">
+                <a:solidFill>
+                  <a:schemeClr val="bg1"/>
+                </a:solidFill>
+                <a:effectLst/>
+                <a:latin typeface="Noto Sans Symbols"/>
+                <a:ea typeface="Noto Sans Symbols"/>
+                <a:cs typeface="Noto Sans Symbols"/>
+              </a:rPr>
+              <a:t> For large applications, consider an incremental approach, where parts of the application are migrated or rewritten over time.</a:t>
+            </a:r>
+          </a:p>
+          <a:p>
+            <a:pPr marL="342900" marR="0" lvl="0" indent="-342900">
+              <a:lnSpc>
+                <a:spcPct val="107000"/>
+              </a:lnSpc>
+              <a:spcBef>
+                <a:spcPts val="0"/>
+              </a:spcBef>
+              <a:spcAft>
+                <a:spcPts val="800"/>
+              </a:spcAft>
+              <a:buSzPts val="1000"/>
+              <a:buFont typeface="Arial" panose="020B0604020202020204" pitchFamily="34" charset="0"/>
+              <a:buChar char="●"/>
+            </a:pPr>
+            <a:r>
+              <a:rPr lang="en-US" sz="1800" b="1" dirty="0">
+                <a:solidFill>
+                  <a:schemeClr val="bg1"/>
+                </a:solidFill>
+                <a:effectLst/>
+                <a:latin typeface="Noto Sans Symbols"/>
+                <a:ea typeface="Noto Sans Symbols"/>
+                <a:cs typeface="Noto Sans Symbols"/>
+              </a:rPr>
+              <a:t>Learning Curve:</a:t>
+            </a:r>
+            <a:r>
+              <a:rPr lang="en-US" sz="1800" dirty="0">
+                <a:solidFill>
+                  <a:schemeClr val="bg1"/>
+                </a:solidFill>
+                <a:effectLst/>
+                <a:latin typeface="Noto Sans Symbols"/>
+                <a:ea typeface="Noto Sans Symbols"/>
+                <a:cs typeface="Noto Sans Symbols"/>
+              </a:rPr>
+              <a:t> If your team is more familiar with VB.NET and WinForms, there might be a learning curve involved in switching to Blazor and C#. Factor this into your planning.</a:t>
+            </a:r>
+          </a:p>
+          <a:p>
+            <a:pPr marL="0" marR="0">
+              <a:lnSpc>
+                <a:spcPct val="107000"/>
+              </a:lnSpc>
+              <a:spcBef>
+                <a:spcPts val="0"/>
+              </a:spcBef>
+              <a:spcAft>
+                <a:spcPts val="800"/>
+              </a:spcAft>
+            </a:pPr>
+            <a:r>
+              <a:rPr lang="en-US" sz="1800" dirty="0">
+                <a:solidFill>
+                  <a:schemeClr val="bg1"/>
+                </a:solidFill>
+                <a:effectLst/>
+                <a:latin typeface="Aptos" panose="020B0004020202020204" pitchFamily="34" charset="0"/>
+                <a:ea typeface="Aptos" panose="020B0004020202020204" pitchFamily="34" charset="0"/>
+                <a:cs typeface="Aptos" panose="020B0004020202020204" pitchFamily="34" charset="0"/>
+              </a:rPr>
+              <a:t>This migration process is an opportunity to modernize your application, not only in terms of technology but also by possibly rethinking user workflows, improving performance, and enhancing security.</a:t>
+            </a:r>
+          </a:p>
+          <a:p>
+            <a:endParaRPr lang="en-US" dirty="0">
+              <a:solidFill>
+                <a:schemeClr val="bg1"/>
+              </a:solidFill>
+            </a:endParaRPr>
+          </a:p>
+        </p:txBody>
+      </p:sp>
+      <p:sp>
+        <p:nvSpPr>
+          <p:cNvPr id="4" name="Title 1">
+            <a:extLst>
+              <a:ext uri="{FF2B5EF4-FFF2-40B4-BE49-F238E27FC236}">
+                <a16:creationId xmlns:a16="http://schemas.microsoft.com/office/drawing/2014/main" id="{8D82BA5E-31CA-DDC7-DBAE-98D52F64F265}"/>
+              </a:ext>
+            </a:extLst>
+          </p:cNvPr>
+          <p:cNvSpPr>
+            <a:spLocks noGrp="1"/>
+          </p:cNvSpPr>
+          <p:nvPr>
+            <p:ph type="title"/>
+          </p:nvPr>
+        </p:nvSpPr>
+        <p:spPr>
+          <a:xfrm>
+            <a:off x="838200" y="365125"/>
+            <a:ext cx="10515600" cy="1325563"/>
+          </a:xfrm>
+        </p:spPr>
+        <p:txBody>
+          <a:bodyPr/>
+          <a:lstStyle/>
+          <a:p>
+            <a:r>
+              <a:rPr lang="en-US" dirty="0">
+                <a:solidFill>
+                  <a:schemeClr val="bg1"/>
+                </a:solidFill>
+              </a:rPr>
+              <a:t>ChatGPT Interaction 1 – The Process/Steps</a:t>
+            </a:r>
+            <a:br>
+              <a:rPr lang="en-US" dirty="0">
+                <a:solidFill>
+                  <a:schemeClr val="bg1"/>
+                </a:solidFill>
+              </a:rPr>
+            </a:br>
+            <a:r>
+              <a:rPr lang="en-US" sz="1800" dirty="0">
+                <a:solidFill>
+                  <a:schemeClr val="bg1"/>
+                </a:solidFill>
+              </a:rPr>
+              <a:t>(output continued)</a:t>
+            </a:r>
+          </a:p>
+        </p:txBody>
+      </p:sp>
+    </p:spTree>
+    <p:extLst>
+      <p:ext uri="{BB962C8B-B14F-4D97-AF65-F5344CB8AC3E}">
+        <p14:creationId xmlns:p14="http://schemas.microsoft.com/office/powerpoint/2010/main" val="1862972620"/>
+      </p:ext>
+    </p:extLst>
+  </p:cSld>
+  <p:clrMapOvr>
+    <a:masterClrMapping/>
+  </p:clrMapOvr>
+</p:sld>
+</file>
+
 <file path=ppt/slides/slide3.xml><?xml version="1.0" encoding="utf-8"?>
 <p:sld xmlns:a="http://schemas.openxmlformats.org/drawingml/2006/main" xmlns:r="http://schemas.openxmlformats.org/officeDocument/2006/relationships" xmlns:p="http://schemas.openxmlformats.org/presentationml/2006/main">
   <p:cSld>

--- a/wwwroot/GAPMoblize_Project_Final_3_1_2024.pptx
+++ b/wwwroot/GAPMoblize_Project_Final_3_1_2024.pptx
@@ -10,8 +10,8 @@
   <p:sldIdLst>
     <p:sldId id="285" r:id="rId2"/>
     <p:sldId id="256" r:id="rId3"/>
-    <p:sldId id="257" r:id="rId4"/>
-    <p:sldId id="270" r:id="rId5"/>
+    <p:sldId id="270" r:id="rId4"/>
+    <p:sldId id="257" r:id="rId5"/>
     <p:sldId id="276" r:id="rId6"/>
     <p:sldId id="284" r:id="rId7"/>
     <p:sldId id="281" r:id="rId8"/>
@@ -150,7 +150,7 @@
       <p15:sldGuideLst xmlns:p15="http://schemas.microsoft.com/office/powerpoint/2012/main"/>
     </p:ext>
     <p:ext uri="GoogleSlidesCustomDataVersion2">
-      <go:slidesCustomData xmlns:go="http://customooxmlschemas.google.com/" xmlns:ahyp="http://schemas.microsoft.com/office/drawing/2018/hyperlinkcolor" xmlns:p15="http://schemas.microsoft.com/office/powerpoint/2012/main" xmlns:p14="http://schemas.microsoft.com/office/powerpoint/2010/main" xmlns:com="http://schemas.openxmlformats.org/drawingml/2006/compatibility" xmlns:pvml="urn:schemas-microsoft-com:office:powerpoint" xmlns:v="urn:schemas-microsoft-com:vml" xmlns:o="urn:schemas-microsoft-com:office:office" xmlns:dgm="http://schemas.openxmlformats.org/drawingml/2006/diagram" xmlns:c="http://schemas.openxmlformats.org/drawingml/2006/chart" xmlns:mv="urn:schemas-microsoft-com:mac:vml" xmlns:mc="http://schemas.openxmlformats.org/markup-compatibility/2006" xmlns="" r:id="rId34" roundtripDataSignature="AMtx7mhGT3lbFy52I47qpUfcLgyjprfeZQ=="/>
+      <go:slidesCustomData xmlns="" xmlns:mc="http://schemas.openxmlformats.org/markup-compatibility/2006" xmlns:mv="urn:schemas-microsoft-com:mac:vml" xmlns:c="http://schemas.openxmlformats.org/drawingml/2006/chart" xmlns:dgm="http://schemas.openxmlformats.org/drawingml/2006/diagram" xmlns:o="urn:schemas-microsoft-com:office:office" xmlns:v="urn:schemas-microsoft-com:vml" xmlns:pvml="urn:schemas-microsoft-com:office:powerpoint" xmlns:com="http://schemas.openxmlformats.org/drawingml/2006/compatibility" xmlns:p14="http://schemas.microsoft.com/office/powerpoint/2010/main" xmlns:p15="http://schemas.microsoft.com/office/powerpoint/2012/main" xmlns:ahyp="http://schemas.microsoft.com/office/drawing/2018/hyperlinkcolor" xmlns:go="http://customooxmlschemas.google.com/" r:id="rId34" roundtripDataSignature="AMtx7mhGT3lbFy52I47qpUfcLgyjprfeZQ=="/>
     </p:ext>
   </p:extLst>
 </p:presentation>
@@ -169,10 +169,17 @@
   <pc:docChgLst>
     <pc:chgData name="Greg Leake" userId="32827faac32acba3" providerId="LiveId" clId="{8656EB85-3D90-49AE-A343-8BFE0CE0C18E}"/>
     <pc:docChg chg="undo custSel addSld delSld modSld sldOrd">
-      <pc:chgData name="Greg Leake" userId="32827faac32acba3" providerId="LiveId" clId="{8656EB85-3D90-49AE-A343-8BFE0CE0C18E}" dt="2024-03-01T16:06:15.010" v="3352" actId="255"/>
+      <pc:chgData name="Greg Leake" userId="32827faac32acba3" providerId="LiveId" clId="{8656EB85-3D90-49AE-A343-8BFE0CE0C18E}" dt="2024-03-01T17:18:06.353" v="3455" actId="729"/>
       <pc:docMkLst>
         <pc:docMk/>
       </pc:docMkLst>
+      <pc:sldChg chg="mod modShow">
+        <pc:chgData name="Greg Leake" userId="32827faac32acba3" providerId="LiveId" clId="{8656EB85-3D90-49AE-A343-8BFE0CE0C18E}" dt="2024-03-01T17:18:06.353" v="3455" actId="729"/>
+        <pc:sldMkLst>
+          <pc:docMk/>
+          <pc:sldMk cId="0" sldId="256"/>
+        </pc:sldMkLst>
+      </pc:sldChg>
       <pc:sldChg chg="modSp mod">
         <pc:chgData name="Greg Leake" userId="32827faac32acba3" providerId="LiveId" clId="{8656EB85-3D90-49AE-A343-8BFE0CE0C18E}" dt="2024-02-29T17:22:11.627" v="1523" actId="108"/>
         <pc:sldMkLst>
@@ -218,8 +225,8 @@
           </ac:spMkLst>
         </pc:spChg>
       </pc:sldChg>
-      <pc:sldChg chg="modSp mod">
-        <pc:chgData name="Greg Leake" userId="32827faac32acba3" providerId="LiveId" clId="{8656EB85-3D90-49AE-A343-8BFE0CE0C18E}" dt="2024-02-29T17:49:36.762" v="2162" actId="113"/>
+      <pc:sldChg chg="modSp mod ord">
+        <pc:chgData name="Greg Leake" userId="32827faac32acba3" providerId="LiveId" clId="{8656EB85-3D90-49AE-A343-8BFE0CE0C18E}" dt="2024-03-01T17:17:46.628" v="3454"/>
         <pc:sldMkLst>
           <pc:docMk/>
           <pc:sldMk cId="1392944054" sldId="270"/>
@@ -563,12 +570,20 @@
           <pc:sldMk cId="2508954865" sldId="284"/>
         </pc:sldMkLst>
       </pc:sldChg>
-      <pc:sldChg chg="add setBg">
-        <pc:chgData name="Greg Leake" userId="32827faac32acba3" providerId="LiveId" clId="{8656EB85-3D90-49AE-A343-8BFE0CE0C18E}" dt="2024-03-01T15:34:15.353" v="2882"/>
+      <pc:sldChg chg="modSp add mod setBg">
+        <pc:chgData name="Greg Leake" userId="32827faac32acba3" providerId="LiveId" clId="{8656EB85-3D90-49AE-A343-8BFE0CE0C18E}" dt="2024-03-01T17:16:32.078" v="3452" actId="20577"/>
         <pc:sldMkLst>
           <pc:docMk/>
           <pc:sldMk cId="0" sldId="285"/>
         </pc:sldMkLst>
+        <pc:spChg chg="mod">
+          <ac:chgData name="Greg Leake" userId="32827faac32acba3" providerId="LiveId" clId="{8656EB85-3D90-49AE-A343-8BFE0CE0C18E}" dt="2024-03-01T17:16:32.078" v="3452" actId="20577"/>
+          <ac:spMkLst>
+            <pc:docMk/>
+            <pc:sldMk cId="0" sldId="285"/>
+            <ac:spMk id="154" creationId="{00000000-0000-0000-0000-000000000000}"/>
+          </ac:spMkLst>
+        </pc:spChg>
       </pc:sldChg>
       <pc:sldChg chg="addSp modSp new mod setBg">
         <pc:chgData name="Greg Leake" userId="32827faac32acba3" providerId="LiveId" clId="{8656EB85-3D90-49AE-A343-8BFE0CE0C18E}" dt="2024-03-01T16:04:05.777" v="3316" actId="115"/>
@@ -7639,7 +7654,7 @@
                 <a:cs typeface="Arial"/>
                 <a:sym typeface="Arial"/>
               </a:rPr>
-              <a:t>Boss to smart &amp; influential developer: “</a:t>
+              <a:t>Boss to tech influencer: “</a:t>
             </a:r>
             <a:r>
               <a:rPr lang="en-US" sz="1800" dirty="0">
@@ -7679,7 +7694,7 @@
                 <a:cs typeface="Arial"/>
                 <a:sym typeface="Arial"/>
               </a:rPr>
-              <a:t>Smart &amp; influential developer</a:t>
+              <a:t>Tech influencer</a:t>
             </a:r>
           </a:p>
           <a:p>
@@ -7869,7 +7884,7 @@
                 <a:cs typeface="Arial"/>
                 <a:sym typeface="Arial"/>
               </a:rPr>
-              <a:t>Boss to smart &amp; influential developer: “Figure out how to use ChatGPT to migrate this app”</a:t>
+              <a:t>Boss to tech influencer: “Figure out how to use ChatGPT to migrate this app”</a:t>
             </a:r>
           </a:p>
           <a:p>
@@ -10728,7 +10743,7 @@
 </file>
 
 <file path=ppt/slides/slide2.xml><?xml version="1.0" encoding="utf-8"?>
-<p:sld xmlns:a="http://schemas.openxmlformats.org/drawingml/2006/main" xmlns:r="http://schemas.openxmlformats.org/officeDocument/2006/relationships" xmlns:p="http://schemas.openxmlformats.org/presentationml/2006/main">
+<p:sld xmlns:a="http://schemas.openxmlformats.org/drawingml/2006/main" xmlns:r="http://schemas.openxmlformats.org/officeDocument/2006/relationships" xmlns:p="http://schemas.openxmlformats.org/presentationml/2006/main" show="0">
   <p:cSld>
     <p:bg>
       <p:bgPr>
@@ -13949,6 +13964,385 @@
     </p:bg>
     <p:spTree>
       <p:nvGrpSpPr>
+        <p:cNvPr id="1" name=""/>
+        <p:cNvGrpSpPr/>
+        <p:nvPr/>
+      </p:nvGrpSpPr>
+      <p:grpSpPr>
+        <a:xfrm>
+          <a:off x="0" y="0"/>
+          <a:ext cx="0" cy="0"/>
+          <a:chOff x="0" y="0"/>
+          <a:chExt cx="0" cy="0"/>
+        </a:xfrm>
+      </p:grpSpPr>
+      <p:sp>
+        <p:nvSpPr>
+          <p:cNvPr id="2" name="Title 1">
+            <a:extLst>
+              <a:ext uri="{FF2B5EF4-FFF2-40B4-BE49-F238E27FC236}">
+                <a16:creationId xmlns:a16="http://schemas.microsoft.com/office/drawing/2014/main" id="{CAC5E3AE-97B5-85D7-1969-CA423D8915A3}"/>
+              </a:ext>
+            </a:extLst>
+          </p:cNvPr>
+          <p:cNvSpPr>
+            <a:spLocks noGrp="1"/>
+          </p:cNvSpPr>
+          <p:nvPr>
+            <p:ph type="title"/>
+          </p:nvPr>
+        </p:nvSpPr>
+        <p:spPr>
+          <a:xfrm>
+            <a:off x="838200" y="365126"/>
+            <a:ext cx="10515600" cy="751406"/>
+          </a:xfrm>
+        </p:spPr>
+        <p:txBody>
+          <a:bodyPr/>
+          <a:lstStyle/>
+          <a:p>
+            <a:r>
+              <a:rPr lang="en-US" dirty="0">
+                <a:solidFill>
+                  <a:schemeClr val="bg1"/>
+                </a:solidFill>
+              </a:rPr>
+              <a:t>My Background</a:t>
+            </a:r>
+          </a:p>
+        </p:txBody>
+      </p:sp>
+      <p:sp>
+        <p:nvSpPr>
+          <p:cNvPr id="3" name="Content Placeholder 2">
+            <a:extLst>
+              <a:ext uri="{FF2B5EF4-FFF2-40B4-BE49-F238E27FC236}">
+                <a16:creationId xmlns:a16="http://schemas.microsoft.com/office/drawing/2014/main" id="{DABCF230-C5B0-E570-FE80-6F1200AA5297}"/>
+              </a:ext>
+            </a:extLst>
+          </p:cNvPr>
+          <p:cNvSpPr>
+            <a:spLocks noGrp="1"/>
+          </p:cNvSpPr>
+          <p:nvPr>
+            <p:ph idx="1"/>
+          </p:nvPr>
+        </p:nvSpPr>
+        <p:spPr/>
+        <p:txBody>
+          <a:bodyPr>
+            <a:normAutofit fontScale="70000" lnSpcReduction="20000"/>
+          </a:bodyPr>
+          <a:lstStyle/>
+          <a:p>
+            <a:r>
+              <a:rPr lang="en-US" dirty="0">
+                <a:solidFill>
+                  <a:schemeClr val="bg1"/>
+                </a:solidFill>
+              </a:rPr>
+              <a:t>A Technical </a:t>
+            </a:r>
+            <a:r>
+              <a:rPr lang="en-US" b="1" dirty="0">
+                <a:solidFill>
+                  <a:schemeClr val="bg1"/>
+                </a:solidFill>
+              </a:rPr>
+              <a:t>Marketing</a:t>
+            </a:r>
+            <a:r>
+              <a:rPr lang="en-US" dirty="0">
+                <a:solidFill>
+                  <a:schemeClr val="bg1"/>
+                </a:solidFill>
+              </a:rPr>
+              <a:t> Professional (30 years)</a:t>
+            </a:r>
+          </a:p>
+          <a:p>
+            <a:pPr lvl="1"/>
+            <a:r>
+              <a:rPr lang="en-US" dirty="0">
+                <a:solidFill>
+                  <a:schemeClr val="bg1"/>
+                </a:solidFill>
+                <a:hlinkClick r:id="rId2">
+                  <a:extLst>
+                    <a:ext uri="{A12FA001-AC4F-418D-AE19-62706E023703}">
+                      <ahyp:hlinkClr xmlns:ahyp="http://schemas.microsoft.com/office/drawing/2018/hyperlinkcolor" val="tx"/>
+                    </a:ext>
+                  </a:extLst>
+                </a:hlinkClick>
+              </a:rPr>
+              <a:t>L. Gregory Leake | LinkedIn</a:t>
+            </a:r>
+            <a:br>
+              <a:rPr lang="en-US" dirty="0">
+                <a:solidFill>
+                  <a:schemeClr val="bg1"/>
+                </a:solidFill>
+              </a:rPr>
+            </a:br>
+            <a:endParaRPr lang="en-US" dirty="0">
+              <a:solidFill>
+                <a:schemeClr val="bg1"/>
+              </a:solidFill>
+            </a:endParaRPr>
+          </a:p>
+          <a:p>
+            <a:r>
+              <a:rPr lang="en-US" dirty="0">
+                <a:solidFill>
+                  <a:schemeClr val="bg1"/>
+                </a:solidFill>
+              </a:rPr>
+              <a:t>Familiar with C# coding, ASP.NET, SQL Server, but not expert</a:t>
+            </a:r>
+          </a:p>
+          <a:p>
+            <a:pPr lvl="1"/>
+            <a:r>
+              <a:rPr lang="en-US" b="1" dirty="0">
+                <a:solidFill>
+                  <a:schemeClr val="bg1"/>
+                </a:solidFill>
+              </a:rPr>
+              <a:t>Have not done any coding since 2012</a:t>
+            </a:r>
+          </a:p>
+          <a:p>
+            <a:pPr lvl="1"/>
+            <a:r>
+              <a:rPr lang="en-US" dirty="0">
+                <a:solidFill>
+                  <a:schemeClr val="bg1"/>
+                </a:solidFill>
+              </a:rPr>
+              <a:t>Last use of Visual Studio was version 2012</a:t>
+            </a:r>
+          </a:p>
+          <a:p>
+            <a:pPr lvl="1"/>
+            <a:r>
+              <a:rPr lang="en-US" dirty="0">
+                <a:solidFill>
+                  <a:schemeClr val="bg1"/>
+                </a:solidFill>
+              </a:rPr>
+              <a:t>A good “proxy” for a low/medium-experience corporate developer</a:t>
+            </a:r>
+          </a:p>
+          <a:p>
+            <a:pPr lvl="1"/>
+            <a:r>
+              <a:rPr lang="en-US" dirty="0">
+                <a:solidFill>
+                  <a:schemeClr val="bg1"/>
+                </a:solidFill>
+              </a:rPr>
+              <a:t>With </a:t>
+            </a:r>
+            <a:r>
+              <a:rPr lang="en-US" b="1" dirty="0">
+                <a:solidFill>
+                  <a:schemeClr val="bg1"/>
+                </a:solidFill>
+              </a:rPr>
+              <a:t>no concept of Blazor</a:t>
+            </a:r>
+            <a:r>
+              <a:rPr lang="en-US" dirty="0">
+                <a:solidFill>
+                  <a:schemeClr val="bg1"/>
+                </a:solidFill>
+              </a:rPr>
+              <a:t>, new Web App constructs</a:t>
+            </a:r>
+          </a:p>
+          <a:p>
+            <a:pPr lvl="1"/>
+            <a:r>
+              <a:rPr lang="en-US" dirty="0">
+                <a:solidFill>
+                  <a:schemeClr val="bg1"/>
+                </a:solidFill>
+              </a:rPr>
+              <a:t>No experience with MS Entity Framework</a:t>
+            </a:r>
+          </a:p>
+          <a:p>
+            <a:pPr lvl="1"/>
+            <a:r>
+              <a:rPr lang="en-US" dirty="0">
+                <a:solidFill>
+                  <a:schemeClr val="bg1"/>
+                </a:solidFill>
+              </a:rPr>
+              <a:t>Hardly any experience with VB.NET for WinForms applications</a:t>
+            </a:r>
+            <a:br>
+              <a:rPr lang="en-US" dirty="0">
+                <a:solidFill>
+                  <a:schemeClr val="bg1"/>
+                </a:solidFill>
+              </a:rPr>
+            </a:br>
+            <a:endParaRPr lang="en-US" dirty="0">
+              <a:solidFill>
+                <a:schemeClr val="bg1"/>
+              </a:solidFill>
+            </a:endParaRPr>
+          </a:p>
+          <a:p>
+            <a:r>
+              <a:rPr lang="en-US" dirty="0">
+                <a:solidFill>
+                  <a:schemeClr val="bg1"/>
+                </a:solidFill>
+              </a:rPr>
+              <a:t>There have been a ton of changes in 12 years</a:t>
+            </a:r>
+          </a:p>
+          <a:p>
+            <a:pPr lvl="1"/>
+            <a:r>
+              <a:rPr lang="en-US" b="1" dirty="0">
+                <a:solidFill>
+                  <a:schemeClr val="bg1"/>
+                </a:solidFill>
+              </a:rPr>
+              <a:t>Blazor</a:t>
+            </a:r>
+            <a:r>
+              <a:rPr lang="en-US" dirty="0">
+                <a:solidFill>
+                  <a:schemeClr val="bg1"/>
+                </a:solidFill>
+              </a:rPr>
+              <a:t> itself all new to me</a:t>
+            </a:r>
+          </a:p>
+          <a:p>
+            <a:pPr lvl="1"/>
+            <a:r>
+              <a:rPr lang="en-US" dirty="0">
+                <a:solidFill>
+                  <a:schemeClr val="bg1"/>
+                </a:solidFill>
+              </a:rPr>
+              <a:t>New databinding technologies (e.g. </a:t>
+            </a:r>
+            <a:r>
+              <a:rPr lang="en-US" b="1" dirty="0">
+                <a:solidFill>
+                  <a:schemeClr val="bg1"/>
+                </a:solidFill>
+              </a:rPr>
+              <a:t>MS Entity Framework</a:t>
+            </a:r>
+            <a:r>
+              <a:rPr lang="en-US" dirty="0">
+                <a:solidFill>
+                  <a:schemeClr val="bg1"/>
+                </a:solidFill>
+              </a:rPr>
+              <a:t>)</a:t>
+            </a:r>
+          </a:p>
+          <a:p>
+            <a:pPr lvl="1"/>
+            <a:r>
+              <a:rPr lang="en-US" dirty="0">
+                <a:solidFill>
+                  <a:schemeClr val="bg1"/>
+                </a:solidFill>
+              </a:rPr>
+              <a:t>.NET and C# advances</a:t>
+            </a:r>
+          </a:p>
+          <a:p>
+            <a:pPr lvl="1"/>
+            <a:r>
+              <a:rPr lang="en-US" b="1" dirty="0">
+                <a:solidFill>
+                  <a:schemeClr val="bg1"/>
+                </a:solidFill>
+              </a:rPr>
+              <a:t>Modern</a:t>
+            </a:r>
+            <a:r>
+              <a:rPr lang="en-US" dirty="0">
+                <a:solidFill>
+                  <a:schemeClr val="bg1"/>
+                </a:solidFill>
+              </a:rPr>
+              <a:t>, async Web applications</a:t>
+            </a:r>
+          </a:p>
+          <a:p>
+            <a:pPr lvl="1"/>
+            <a:r>
+              <a:rPr lang="en-US" dirty="0">
+                <a:solidFill>
+                  <a:schemeClr val="bg1"/>
+                </a:solidFill>
+              </a:rPr>
+              <a:t>Many new versions/evolution of Visual Studio</a:t>
+            </a:r>
+          </a:p>
+          <a:p>
+            <a:endParaRPr lang="en-US" dirty="0">
+              <a:solidFill>
+                <a:schemeClr val="bg1"/>
+              </a:solidFill>
+            </a:endParaRPr>
+          </a:p>
+          <a:p>
+            <a:endParaRPr lang="en-US" dirty="0">
+              <a:solidFill>
+                <a:schemeClr val="bg1"/>
+              </a:solidFill>
+            </a:endParaRPr>
+          </a:p>
+          <a:p>
+            <a:endParaRPr lang="en-US" dirty="0">
+              <a:solidFill>
+                <a:schemeClr val="bg1"/>
+              </a:solidFill>
+            </a:endParaRPr>
+          </a:p>
+        </p:txBody>
+      </p:sp>
+    </p:spTree>
+    <p:extLst>
+      <p:ext uri="{BB962C8B-B14F-4D97-AF65-F5344CB8AC3E}">
+        <p14:creationId xmlns:p14="http://schemas.microsoft.com/office/powerpoint/2010/main" val="1392944054"/>
+      </p:ext>
+    </p:extLst>
+  </p:cSld>
+  <p:clrMapOvr>
+    <a:masterClrMapping/>
+  </p:clrMapOvr>
+</p:sld>
+</file>
+
+<file path=ppt/slides/slide4.xml><?xml version="1.0" encoding="utf-8"?>
+<p:sld xmlns:a="http://schemas.openxmlformats.org/drawingml/2006/main" xmlns:r="http://schemas.openxmlformats.org/officeDocument/2006/relationships" xmlns:p="http://schemas.openxmlformats.org/presentationml/2006/main">
+  <p:cSld>
+    <p:bg>
+      <p:bgPr>
+        <a:solidFill>
+          <a:schemeClr val="bg2">
+            <a:lumMod val="75000"/>
+          </a:schemeClr>
+        </a:solidFill>
+        <a:effectLst/>
+      </p:bgPr>
+    </p:bg>
+    <p:spTree>
+      <p:nvGrpSpPr>
         <p:cNvPr id="1" name="Shape 152"/>
         <p:cNvGrpSpPr/>
         <p:nvPr/>
@@ -14564,385 +14958,6 @@
         </p:txBody>
       </p:sp>
     </p:spTree>
-  </p:cSld>
-  <p:clrMapOvr>
-    <a:masterClrMapping/>
-  </p:clrMapOvr>
-</p:sld>
-</file>
-
-<file path=ppt/slides/slide4.xml><?xml version="1.0" encoding="utf-8"?>
-<p:sld xmlns:a="http://schemas.openxmlformats.org/drawingml/2006/main" xmlns:r="http://schemas.openxmlformats.org/officeDocument/2006/relationships" xmlns:p="http://schemas.openxmlformats.org/presentationml/2006/main">
-  <p:cSld>
-    <p:bg>
-      <p:bgPr>
-        <a:solidFill>
-          <a:schemeClr val="bg2">
-            <a:lumMod val="75000"/>
-          </a:schemeClr>
-        </a:solidFill>
-        <a:effectLst/>
-      </p:bgPr>
-    </p:bg>
-    <p:spTree>
-      <p:nvGrpSpPr>
-        <p:cNvPr id="1" name=""/>
-        <p:cNvGrpSpPr/>
-        <p:nvPr/>
-      </p:nvGrpSpPr>
-      <p:grpSpPr>
-        <a:xfrm>
-          <a:off x="0" y="0"/>
-          <a:ext cx="0" cy="0"/>
-          <a:chOff x="0" y="0"/>
-          <a:chExt cx="0" cy="0"/>
-        </a:xfrm>
-      </p:grpSpPr>
-      <p:sp>
-        <p:nvSpPr>
-          <p:cNvPr id="2" name="Title 1">
-            <a:extLst>
-              <a:ext uri="{FF2B5EF4-FFF2-40B4-BE49-F238E27FC236}">
-                <a16:creationId xmlns:a16="http://schemas.microsoft.com/office/drawing/2014/main" id="{CAC5E3AE-97B5-85D7-1969-CA423D8915A3}"/>
-              </a:ext>
-            </a:extLst>
-          </p:cNvPr>
-          <p:cNvSpPr>
-            <a:spLocks noGrp="1"/>
-          </p:cNvSpPr>
-          <p:nvPr>
-            <p:ph type="title"/>
-          </p:nvPr>
-        </p:nvSpPr>
-        <p:spPr>
-          <a:xfrm>
-            <a:off x="838200" y="365126"/>
-            <a:ext cx="10515600" cy="751406"/>
-          </a:xfrm>
-        </p:spPr>
-        <p:txBody>
-          <a:bodyPr/>
-          <a:lstStyle/>
-          <a:p>
-            <a:r>
-              <a:rPr lang="en-US" dirty="0">
-                <a:solidFill>
-                  <a:schemeClr val="bg1"/>
-                </a:solidFill>
-              </a:rPr>
-              <a:t>My Background</a:t>
-            </a:r>
-          </a:p>
-        </p:txBody>
-      </p:sp>
-      <p:sp>
-        <p:nvSpPr>
-          <p:cNvPr id="3" name="Content Placeholder 2">
-            <a:extLst>
-              <a:ext uri="{FF2B5EF4-FFF2-40B4-BE49-F238E27FC236}">
-                <a16:creationId xmlns:a16="http://schemas.microsoft.com/office/drawing/2014/main" id="{DABCF230-C5B0-E570-FE80-6F1200AA5297}"/>
-              </a:ext>
-            </a:extLst>
-          </p:cNvPr>
-          <p:cNvSpPr>
-            <a:spLocks noGrp="1"/>
-          </p:cNvSpPr>
-          <p:nvPr>
-            <p:ph idx="1"/>
-          </p:nvPr>
-        </p:nvSpPr>
-        <p:spPr/>
-        <p:txBody>
-          <a:bodyPr>
-            <a:normAutofit fontScale="70000" lnSpcReduction="20000"/>
-          </a:bodyPr>
-          <a:lstStyle/>
-          <a:p>
-            <a:r>
-              <a:rPr lang="en-US" dirty="0">
-                <a:solidFill>
-                  <a:schemeClr val="bg1"/>
-                </a:solidFill>
-              </a:rPr>
-              <a:t>A Technical </a:t>
-            </a:r>
-            <a:r>
-              <a:rPr lang="en-US" b="1" dirty="0">
-                <a:solidFill>
-                  <a:schemeClr val="bg1"/>
-                </a:solidFill>
-              </a:rPr>
-              <a:t>Marketing</a:t>
-            </a:r>
-            <a:r>
-              <a:rPr lang="en-US" dirty="0">
-                <a:solidFill>
-                  <a:schemeClr val="bg1"/>
-                </a:solidFill>
-              </a:rPr>
-              <a:t> Professional (30 years)</a:t>
-            </a:r>
-          </a:p>
-          <a:p>
-            <a:pPr lvl="1"/>
-            <a:r>
-              <a:rPr lang="en-US" dirty="0">
-                <a:solidFill>
-                  <a:schemeClr val="bg1"/>
-                </a:solidFill>
-                <a:hlinkClick r:id="rId2">
-                  <a:extLst>
-                    <a:ext uri="{A12FA001-AC4F-418D-AE19-62706E023703}">
-                      <ahyp:hlinkClr xmlns:ahyp="http://schemas.microsoft.com/office/drawing/2018/hyperlinkcolor" val="tx"/>
-                    </a:ext>
-                  </a:extLst>
-                </a:hlinkClick>
-              </a:rPr>
-              <a:t>L. Gregory Leake | LinkedIn</a:t>
-            </a:r>
-            <a:br>
-              <a:rPr lang="en-US" dirty="0">
-                <a:solidFill>
-                  <a:schemeClr val="bg1"/>
-                </a:solidFill>
-              </a:rPr>
-            </a:br>
-            <a:endParaRPr lang="en-US" dirty="0">
-              <a:solidFill>
-                <a:schemeClr val="bg1"/>
-              </a:solidFill>
-            </a:endParaRPr>
-          </a:p>
-          <a:p>
-            <a:r>
-              <a:rPr lang="en-US" dirty="0">
-                <a:solidFill>
-                  <a:schemeClr val="bg1"/>
-                </a:solidFill>
-              </a:rPr>
-              <a:t>Familiar with C# coding, ASP.NET, SQL Server, but not expert</a:t>
-            </a:r>
-          </a:p>
-          <a:p>
-            <a:pPr lvl="1"/>
-            <a:r>
-              <a:rPr lang="en-US" b="1" dirty="0">
-                <a:solidFill>
-                  <a:schemeClr val="bg1"/>
-                </a:solidFill>
-              </a:rPr>
-              <a:t>Have not done any coding since 2012</a:t>
-            </a:r>
-          </a:p>
-          <a:p>
-            <a:pPr lvl="1"/>
-            <a:r>
-              <a:rPr lang="en-US" dirty="0">
-                <a:solidFill>
-                  <a:schemeClr val="bg1"/>
-                </a:solidFill>
-              </a:rPr>
-              <a:t>Last use of Visual Studio was version 2012</a:t>
-            </a:r>
-          </a:p>
-          <a:p>
-            <a:pPr lvl="1"/>
-            <a:r>
-              <a:rPr lang="en-US" dirty="0">
-                <a:solidFill>
-                  <a:schemeClr val="bg1"/>
-                </a:solidFill>
-              </a:rPr>
-              <a:t>A good “proxy” for a low/medium-experience corporate developer</a:t>
-            </a:r>
-          </a:p>
-          <a:p>
-            <a:pPr lvl="1"/>
-            <a:r>
-              <a:rPr lang="en-US" dirty="0">
-                <a:solidFill>
-                  <a:schemeClr val="bg1"/>
-                </a:solidFill>
-              </a:rPr>
-              <a:t>With </a:t>
-            </a:r>
-            <a:r>
-              <a:rPr lang="en-US" b="1" dirty="0">
-                <a:solidFill>
-                  <a:schemeClr val="bg1"/>
-                </a:solidFill>
-              </a:rPr>
-              <a:t>no concept of Blazor</a:t>
-            </a:r>
-            <a:r>
-              <a:rPr lang="en-US" dirty="0">
-                <a:solidFill>
-                  <a:schemeClr val="bg1"/>
-                </a:solidFill>
-              </a:rPr>
-              <a:t>, new Web App constructs</a:t>
-            </a:r>
-          </a:p>
-          <a:p>
-            <a:pPr lvl="1"/>
-            <a:r>
-              <a:rPr lang="en-US" dirty="0">
-                <a:solidFill>
-                  <a:schemeClr val="bg1"/>
-                </a:solidFill>
-              </a:rPr>
-              <a:t>No experience with MS Entity Framework</a:t>
-            </a:r>
-          </a:p>
-          <a:p>
-            <a:pPr lvl="1"/>
-            <a:r>
-              <a:rPr lang="en-US" dirty="0">
-                <a:solidFill>
-                  <a:schemeClr val="bg1"/>
-                </a:solidFill>
-              </a:rPr>
-              <a:t>Hardly any experience with VB.NET for WinForms applications</a:t>
-            </a:r>
-            <a:br>
-              <a:rPr lang="en-US" dirty="0">
-                <a:solidFill>
-                  <a:schemeClr val="bg1"/>
-                </a:solidFill>
-              </a:rPr>
-            </a:br>
-            <a:endParaRPr lang="en-US" dirty="0">
-              <a:solidFill>
-                <a:schemeClr val="bg1"/>
-              </a:solidFill>
-            </a:endParaRPr>
-          </a:p>
-          <a:p>
-            <a:r>
-              <a:rPr lang="en-US" dirty="0">
-                <a:solidFill>
-                  <a:schemeClr val="bg1"/>
-                </a:solidFill>
-              </a:rPr>
-              <a:t>There have been a ton of changes in 12 years</a:t>
-            </a:r>
-          </a:p>
-          <a:p>
-            <a:pPr lvl="1"/>
-            <a:r>
-              <a:rPr lang="en-US" b="1" dirty="0">
-                <a:solidFill>
-                  <a:schemeClr val="bg1"/>
-                </a:solidFill>
-              </a:rPr>
-              <a:t>Blazor</a:t>
-            </a:r>
-            <a:r>
-              <a:rPr lang="en-US" dirty="0">
-                <a:solidFill>
-                  <a:schemeClr val="bg1"/>
-                </a:solidFill>
-              </a:rPr>
-              <a:t> itself all new to me</a:t>
-            </a:r>
-          </a:p>
-          <a:p>
-            <a:pPr lvl="1"/>
-            <a:r>
-              <a:rPr lang="en-US" dirty="0">
-                <a:solidFill>
-                  <a:schemeClr val="bg1"/>
-                </a:solidFill>
-              </a:rPr>
-              <a:t>New databinding technologies (e.g. </a:t>
-            </a:r>
-            <a:r>
-              <a:rPr lang="en-US" b="1" dirty="0">
-                <a:solidFill>
-                  <a:schemeClr val="bg1"/>
-                </a:solidFill>
-              </a:rPr>
-              <a:t>MS Entity Framework</a:t>
-            </a:r>
-            <a:r>
-              <a:rPr lang="en-US" dirty="0">
-                <a:solidFill>
-                  <a:schemeClr val="bg1"/>
-                </a:solidFill>
-              </a:rPr>
-              <a:t>)</a:t>
-            </a:r>
-          </a:p>
-          <a:p>
-            <a:pPr lvl="1"/>
-            <a:r>
-              <a:rPr lang="en-US" dirty="0">
-                <a:solidFill>
-                  <a:schemeClr val="bg1"/>
-                </a:solidFill>
-              </a:rPr>
-              <a:t>.NET and C# advances</a:t>
-            </a:r>
-          </a:p>
-          <a:p>
-            <a:pPr lvl="1"/>
-            <a:r>
-              <a:rPr lang="en-US" b="1" dirty="0">
-                <a:solidFill>
-                  <a:schemeClr val="bg1"/>
-                </a:solidFill>
-              </a:rPr>
-              <a:t>Modern</a:t>
-            </a:r>
-            <a:r>
-              <a:rPr lang="en-US" dirty="0">
-                <a:solidFill>
-                  <a:schemeClr val="bg1"/>
-                </a:solidFill>
-              </a:rPr>
-              <a:t>, async Web applications</a:t>
-            </a:r>
-          </a:p>
-          <a:p>
-            <a:pPr lvl="1"/>
-            <a:r>
-              <a:rPr lang="en-US" dirty="0">
-                <a:solidFill>
-                  <a:schemeClr val="bg1"/>
-                </a:solidFill>
-              </a:rPr>
-              <a:t>Many new versions/evolution of Visual Studio</a:t>
-            </a:r>
-          </a:p>
-          <a:p>
-            <a:endParaRPr lang="en-US" dirty="0">
-              <a:solidFill>
-                <a:schemeClr val="bg1"/>
-              </a:solidFill>
-            </a:endParaRPr>
-          </a:p>
-          <a:p>
-            <a:endParaRPr lang="en-US" dirty="0">
-              <a:solidFill>
-                <a:schemeClr val="bg1"/>
-              </a:solidFill>
-            </a:endParaRPr>
-          </a:p>
-          <a:p>
-            <a:endParaRPr lang="en-US" dirty="0">
-              <a:solidFill>
-                <a:schemeClr val="bg1"/>
-              </a:solidFill>
-            </a:endParaRPr>
-          </a:p>
-        </p:txBody>
-      </p:sp>
-    </p:spTree>
-    <p:extLst>
-      <p:ext uri="{BB962C8B-B14F-4D97-AF65-F5344CB8AC3E}">
-        <p14:creationId xmlns:p14="http://schemas.microsoft.com/office/powerpoint/2010/main" val="1392944054"/>
-      </p:ext>
-    </p:extLst>
   </p:cSld>
   <p:clrMapOvr>
     <a:masterClrMapping/>

--- a/wwwroot/GAPMoblize_Project_Final_3_1_2024.pptx
+++ b/wwwroot/GAPMoblize_Project_Final_3_1_2024.pptx
@@ -150,7 +150,7 @@
       <p15:sldGuideLst xmlns:p15="http://schemas.microsoft.com/office/powerpoint/2012/main"/>
     </p:ext>
     <p:ext uri="GoogleSlidesCustomDataVersion2">
-      <go:slidesCustomData xmlns="" xmlns:mc="http://schemas.openxmlformats.org/markup-compatibility/2006" xmlns:mv="urn:schemas-microsoft-com:mac:vml" xmlns:c="http://schemas.openxmlformats.org/drawingml/2006/chart" xmlns:dgm="http://schemas.openxmlformats.org/drawingml/2006/diagram" xmlns:o="urn:schemas-microsoft-com:office:office" xmlns:v="urn:schemas-microsoft-com:vml" xmlns:pvml="urn:schemas-microsoft-com:office:powerpoint" xmlns:com="http://schemas.openxmlformats.org/drawingml/2006/compatibility" xmlns:p14="http://schemas.microsoft.com/office/powerpoint/2010/main" xmlns:p15="http://schemas.microsoft.com/office/powerpoint/2012/main" xmlns:ahyp="http://schemas.microsoft.com/office/drawing/2018/hyperlinkcolor" xmlns:go="http://customooxmlschemas.google.com/" r:id="rId34" roundtripDataSignature="AMtx7mhGT3lbFy52I47qpUfcLgyjprfeZQ=="/>
+      <go:slidesCustomData xmlns:go="http://customooxmlschemas.google.com/" xmlns:ahyp="http://schemas.microsoft.com/office/drawing/2018/hyperlinkcolor" xmlns:p15="http://schemas.microsoft.com/office/powerpoint/2012/main" xmlns:p14="http://schemas.microsoft.com/office/powerpoint/2010/main" xmlns:com="http://schemas.openxmlformats.org/drawingml/2006/compatibility" xmlns:pvml="urn:schemas-microsoft-com:office:powerpoint" xmlns:v="urn:schemas-microsoft-com:vml" xmlns:o="urn:schemas-microsoft-com:office:office" xmlns:dgm="http://schemas.openxmlformats.org/drawingml/2006/diagram" xmlns:c="http://schemas.openxmlformats.org/drawingml/2006/chart" xmlns:mv="urn:schemas-microsoft-com:mac:vml" xmlns:mc="http://schemas.openxmlformats.org/markup-compatibility/2006" xmlns="" r:id="rId34" roundtripDataSignature="AMtx7mhGT3lbFy52I47qpUfcLgyjprfeZQ=="/>
     </p:ext>
   </p:extLst>
 </p:presentation>
@@ -169,7 +169,7 @@
   <pc:docChgLst>
     <pc:chgData name="Greg Leake" userId="32827faac32acba3" providerId="LiveId" clId="{8656EB85-3D90-49AE-A343-8BFE0CE0C18E}"/>
     <pc:docChg chg="undo custSel addSld delSld modSld sldOrd">
-      <pc:chgData name="Greg Leake" userId="32827faac32acba3" providerId="LiveId" clId="{8656EB85-3D90-49AE-A343-8BFE0CE0C18E}" dt="2024-03-01T17:18:06.353" v="3455" actId="729"/>
+      <pc:chgData name="Greg Leake" userId="32827faac32acba3" providerId="LiveId" clId="{8656EB85-3D90-49AE-A343-8BFE0CE0C18E}" dt="2024-03-01T21:28:56.503" v="3513" actId="20577"/>
       <pc:docMkLst>
         <pc:docMk/>
       </pc:docMkLst>
@@ -285,12 +285,20 @@
           </ac:spMkLst>
         </pc:spChg>
       </pc:sldChg>
-      <pc:sldChg chg="modSp">
-        <pc:chgData name="Greg Leake" userId="32827faac32acba3" providerId="LiveId" clId="{8656EB85-3D90-49AE-A343-8BFE0CE0C18E}" dt="2024-02-29T17:18:49.591" v="1485"/>
+      <pc:sldChg chg="modSp mod">
+        <pc:chgData name="Greg Leake" userId="32827faac32acba3" providerId="LiveId" clId="{8656EB85-3D90-49AE-A343-8BFE0CE0C18E}" dt="2024-03-01T21:28:56.503" v="3513" actId="20577"/>
         <pc:sldMkLst>
           <pc:docMk/>
           <pc:sldMk cId="3829592584" sldId="275"/>
         </pc:sldMkLst>
+        <pc:spChg chg="mod">
+          <ac:chgData name="Greg Leake" userId="32827faac32acba3" providerId="LiveId" clId="{8656EB85-3D90-49AE-A343-8BFE0CE0C18E}" dt="2024-03-01T21:28:56.503" v="3513" actId="20577"/>
+          <ac:spMkLst>
+            <pc:docMk/>
+            <pc:sldMk cId="3829592584" sldId="275"/>
+            <ac:spMk id="2" creationId="{206F5A29-2506-06E9-EB5E-B997128DCF58}"/>
+          </ac:spMkLst>
+        </pc:spChg>
         <pc:spChg chg="mod">
           <ac:chgData name="Greg Leake" userId="32827faac32acba3" providerId="LiveId" clId="{8656EB85-3D90-49AE-A343-8BFE0CE0C18E}" dt="2024-02-29T17:18:49.591" v="1485"/>
           <ac:spMkLst>
@@ -9162,23 +9170,7 @@
                   <a:schemeClr val="bg1"/>
                 </a:solidFill>
               </a:rPr>
-              <a:t>Source VB.NET </a:t>
-            </a:r>
-            <a:r>
-              <a:rPr lang="en-US" sz="3600" dirty="0" err="1">
-                <a:solidFill>
-                  <a:schemeClr val="bg1"/>
-                </a:solidFill>
-              </a:rPr>
-              <a:t>WinForm</a:t>
-            </a:r>
-            <a:r>
-              <a:rPr lang="en-US" sz="3600" dirty="0">
-                <a:solidFill>
-                  <a:schemeClr val="bg1"/>
-                </a:solidFill>
-              </a:rPr>
-              <a:t> Application Metrics</a:t>
+              <a:t>Comparison Source VB WinForms To C# Blazor Web App</a:t>
             </a:r>
           </a:p>
         </p:txBody>
